--- a/PINTOS PROJECT2 自己讲课用的PPT.pptx
+++ b/PINTOS PROJECT2 自己讲课用的PPT.pptx
@@ -1,38 +1,42 @@
 
 <file path=ppt/presentation.xml><?xml version="1.0" encoding="utf-8"?>
-<p:presentation xmlns:a="http://schemas.openxmlformats.org/drawingml/2006/main" xmlns:r="http://schemas.openxmlformats.org/officeDocument/2006/relationships" xmlns:p="http://schemas.openxmlformats.org/presentationml/2006/main" saveSubsetFonts="1">
+<p:presentation xmlns:a="http://schemas.openxmlformats.org/drawingml/2006/main" xmlns:r="http://schemas.openxmlformats.org/officeDocument/2006/relationships" xmlns:p="http://schemas.openxmlformats.org/presentationml/2006/main">
   <p:sldMasterIdLst>
-    <p:sldMasterId id="2147483684" r:id="rId1"/>
+    <p:sldMasterId id="2147483648" r:id="rId1"/>
   </p:sldMasterIdLst>
+  <p:notesMasterIdLst>
+    <p:notesMasterId r:id="rId18"/>
+  </p:notesMasterIdLst>
   <p:sldIdLst>
-    <p:sldId id="256" r:id="rId2"/>
-    <p:sldId id="270" r:id="rId3"/>
-    <p:sldId id="257" r:id="rId4"/>
-    <p:sldId id="258" r:id="rId5"/>
-    <p:sldId id="259" r:id="rId6"/>
-    <p:sldId id="260" r:id="rId7"/>
-    <p:sldId id="261" r:id="rId8"/>
-    <p:sldId id="262" r:id="rId9"/>
-    <p:sldId id="263" r:id="rId10"/>
-    <p:sldId id="284" r:id="rId11"/>
-    <p:sldId id="264" r:id="rId12"/>
-    <p:sldId id="265" r:id="rId13"/>
-    <p:sldId id="266" r:id="rId14"/>
-    <p:sldId id="267" r:id="rId15"/>
-    <p:sldId id="279" r:id="rId16"/>
-    <p:sldId id="268" r:id="rId17"/>
-    <p:sldId id="277" r:id="rId18"/>
-    <p:sldId id="278" r:id="rId19"/>
-    <p:sldId id="271" r:id="rId20"/>
-    <p:sldId id="272" r:id="rId21"/>
-    <p:sldId id="273" r:id="rId22"/>
-    <p:sldId id="274" r:id="rId23"/>
-    <p:sldId id="275" r:id="rId24"/>
-    <p:sldId id="276" r:id="rId25"/>
-    <p:sldId id="280" r:id="rId26"/>
-    <p:sldId id="281" r:id="rId27"/>
-    <p:sldId id="282" r:id="rId28"/>
-    <p:sldId id="283" r:id="rId29"/>
+    <p:sldId id="256" r:id="rId3"/>
+    <p:sldId id="270" r:id="rId4"/>
+    <p:sldId id="257" r:id="rId5"/>
+    <p:sldId id="303" r:id="rId6"/>
+    <p:sldId id="258" r:id="rId7"/>
+    <p:sldId id="259" r:id="rId8"/>
+    <p:sldId id="260" r:id="rId9"/>
+    <p:sldId id="261" r:id="rId10"/>
+    <p:sldId id="262" r:id="rId11"/>
+    <p:sldId id="263" r:id="rId12"/>
+    <p:sldId id="284" r:id="rId13"/>
+    <p:sldId id="264" r:id="rId14"/>
+    <p:sldId id="265" r:id="rId15"/>
+    <p:sldId id="266" r:id="rId16"/>
+    <p:sldId id="267" r:id="rId17"/>
+    <p:sldId id="279" r:id="rId19"/>
+    <p:sldId id="268" r:id="rId20"/>
+    <p:sldId id="277" r:id="rId21"/>
+    <p:sldId id="278" r:id="rId22"/>
+    <p:sldId id="271" r:id="rId23"/>
+    <p:sldId id="272" r:id="rId24"/>
+    <p:sldId id="273" r:id="rId25"/>
+    <p:sldId id="274" r:id="rId26"/>
+    <p:sldId id="275" r:id="rId27"/>
+    <p:sldId id="276" r:id="rId28"/>
+    <p:sldId id="280" r:id="rId29"/>
+    <p:sldId id="281" r:id="rId30"/>
+    <p:sldId id="282" r:id="rId31"/>
+    <p:sldId id="283" r:id="rId32"/>
   </p:sldIdLst>
   <p:sldSz cx="9144000" cy="6858000" type="screen4x3"/>
   <p:notesSz cx="6858000" cy="9144000"/>
@@ -148,36 +152,427 @@
           <inkml:channelProperty channel="Y" name="resolution" value="28.36879" units="1/cm"/>
         </inkml:channelProperties>
       </inkml:inkSource>
-      <inkml:timestamp xml:id="ts0" timeString="2011-06-12T13:03:36.928"/>
+      <inkml:timestamp xml:id="ts0" timeString="2011-06-12T13:03:36"/>
     </inkml:context>
     <inkml:brush xml:id="br0">
       <inkml:brushProperty name="width" value="0.05292" units="cm"/>
       <inkml:brushProperty name="height" value="0.05292" units="cm"/>
-      <inkml:brushProperty name="color" value="#FF0000"/>
+      <inkml:brushProperty name="color" value="#ff0000"/>
     </inkml:brush>
   </inkml:definitions>
   <inkml:trace contextRef="#ctx0" brushRef="#br0">17073 9001,'0'0,"0"24,24 0,-24 0,0-24,24 0,-24 23,0 1,0 0,0 0,0-24,0 24,0-1,0 1,0 0,0 0,0-24,0 24,0-1,0 1,0 0,0-24,0 24,0 0,0 0,0-1,0-23,0 24,0 0,0 0,0 0,0-24,0 23,0-23,0 24,0 0,0 0,0 0,0-24,0 23,0 1,0 0,0 0,0 0,24-24,-24 0,0 24,0-1,0 1,0 0,0-24,0 24,0 0,0-1,0 1,0-24,0 24,0 0,0 0,0-1,0 1,0-24,0 24,0 0,0 0,0 0,0-24,0 23,0 1,0 0,0 0,0 0,0-24,0 23,0 1,0 0,0 0,0-24,0 24,0-1,0 1,0 0,0 0,0-24,0 24,0 0,0-1,0 1,0-24,0 24,0 0,0 0,0-24,0 23,0-23,0 24,0 0,0 0,0 0,0-1,0-23,0 24,0 0,0 0</inkml:trace>
-  <inkml:trace contextRef="#ctx0" brushRef="#br0" timeOffset="6656.3806">15859 11740,'0'-24,"24"24,-24 0,23 0,1 0,0 0,0 0,0 0,-24 0,23 0,-23 0,24 0,-24 0,24 0,0 0,-24 0,0 24,0-1,0 1,0 0,0-24,0 24,0 23,0-23,0 0,0-24,0 24,0 0,0-1,0-23,0 24,0 0,0-24,0 0,0 24,-24-24,0 24,24 0,-24-24,24 0,0 23,-23-23,-1 0,0 0,0 0,24 0,-24 0,24 0,24 0,0 0,0 0,0 0,-1 0,1 0,0 0,0 0,0 0,-24 0,23 0,1 0,-24 0,24 0,-24 24,24-24,-24 24,0-24,0 24,0 0,0-1,0-23,0 24,0 0,0 0,0 0,0-24,0 23,0 1,0 0,0-24,0 24,0-24,0 0,0 24,-24-24,24 24,-24-24,0 0,24 23,0 1,0-24,-23 0,23 0,-24 0,0 0,0 0,24 24,-24-24,24 0,-23 0,-1 0,0 0,24 0,-24 0,24-24,0 24,-24 0,1-24,-1 24</inkml:trace>
-  <inkml:trace contextRef="#ctx0" brushRef="#br0" timeOffset="9648.5515">16645 11906,'0'0,"-24"0,24 0,-24 0,24 24,0-24,0 24,-24 0,24-24,0 23,0-23,0 0,-24 0,24 24,-23 0,23 0,0 0,0 0,0-24,-24 0,24 23,0 1,-24-24,24 24,0 0,0-24,0 24,0-1,0 1,0 0,0 0,0-24,0 24,0-1,0 1,0-24,0 24,0-24,24 0,-24 24,24-24,-24 24,23 0,1-24,-24 23,0-23,24 24,-24-24,0 0,24 0,0 0,-24 0,23 0,-23 0,0 0,24 0,-24 0,24 0,-24-24,24 24,0-23,-24-1,23 24,-23-24,0 24,0 0,0-24,0 0,24 24,-24-24,0 1,0 23,24 0,-24-24,24 0,-24 0,0 0,0 1,0 23,0-24,0 0,0 0,0 0,0 24,0-23,0-1,0 0,0 0,0 0,0 24,0-24,-24 24,24-23,0-1,0 0,-24 24,24 0,0 0,0-24,-24 24,1-24,23 24,0-23,-24 23,0 0,24-24,-24 24,24 0,-24 0,24 0,-23 24,23-1,-24-23,24 24,0-24,-24 0,24 24,0 0,0 0</inkml:trace>
-  <inkml:trace contextRef="#ctx0" brushRef="#br0" timeOffset="11200.6406">17264 11478,'0'0,"0"0,0 0,0 0,0 23,0 1,0 0,24-24,-24 0,0 24,0 0,0-1,0 1,0 0,0-24,23 24,-23 0,0 0,0-1,0-23,0 24,0-24,0 0,0-24,0 1,0-1,0 0,0 24,0-24,0 0</inkml:trace>
-  <inkml:trace contextRef="#ctx0" brushRef="#br0" timeOffset="12296.7033">17311 11573,'24'0,"-24"-24,0 24,24 0,0 0,-24-24,24 24,-24-24,23 24,-23 0,24 0,0 0,0 0,0 0,-1 0,-23 0,24 0,0 0,0 0,0 0,-24 0,23 0,1 0,0 0,0 0,0 0,-24 0,0 24,0 0,0-24,0 0,0 24,0 0,-24-24,24 23,-24-23,24 24,-24-24,24 24,0-24,0 24,0 0,-24-24,24 24,0-1,0-23,-71 24,47-24,24 24,-24-24</inkml:trace>
-  <inkml:trace contextRef="#ctx0" brushRef="#br0" timeOffset="13464.77">17311 11811,'0'0,"24"0,0 0,0 0,0 0,-24 0,23 0,1 0,0 0,0 0,-24 0,24 0,-1 0,1 0,0 0,-24 0,24 0</inkml:trace>
-  <inkml:trace contextRef="#ctx0" brushRef="#br0" timeOffset="15104.8636">17240 11978,'24'0,"-24"0,24 0,-1 0,1 0,0 0,0 0,-24-24,24 24,-1 0,1 0,-24 0,24 0,-24 0,24 0,0 0,-1 0,-23-24,24 24,0 0,-24 0,24 0,0 0,-24-24,23 24,1 0,-24 0,24 0,0 0,-24 0,24 0,0 0,-24 0,23 0,1 0,0 0,0 0,0 0</inkml:trace>
-  <inkml:trace contextRef="#ctx0" brushRef="#br0" timeOffset="17865.0218">17454 11954,'0'24,"-24"-1,24 1,0-24,-23 24,23 0,0 0,0-24,0 24,0-1,0-23,0 0,0 24,0 0,-24-24,24 24,0 0,0-24,0 0,24 0,-1 0,1 0,0 0,-24 0,24 0,0 0,-1 0,-23 0,24 0,0 0,-24 0,24 0,0 0,-24-24,23 24,1 0,0 0,-24-24,0 24,24 0,-24-24,24 24,0 0,-1 0,-23 0,0 24,0 0,0 0,0-24,0 23,0 1,0 0,0 0,0-24,0 0,0 24,0-1,0 1,0 0,0 0,0-24,0 24,0 0,0-1,-23 1,23-24,0 24,-24-24,24 24,0 0,-24-1,24 1,0-24,-24 24,0-24,24 24,-24-24,24 24,-23-24,-1 0,24 23,0-23,0 0,0 24,-24-24,24 0,-24 0,0 0,1 0,23 0,-24-24,0 24,0-23,24-1,-24 24,24-24,0 24,0 0,-23-24,23 0,-24 1,24-1,-24 24,24-24,-24 24,24 0,-24 0,24-24</inkml:trace>
-  <inkml:trace contextRef="#ctx0" brushRef="#br0" timeOffset="19465.1129">18192 11835,'0'0,"0"0,0 24,0-1,0 1,0 0,0-24,0 24,0 0,0-1,0 1,0-24,0 24,0 0,0 0,0 0,0-1,0-23,0 24,0 0,0 0,0 0,0-24,0 47,0-23,0 0,0 0,0-24,0-24,0 0,0 0,0 24,0-24,0 1,0-1,0 0,0 0,0 24</inkml:trace>
-  <inkml:trace contextRef="#ctx0" brushRef="#br0" timeOffset="21321.2191">18216 11954,'0'0,"24"0,0 0,0-24,-1 24,-23 0,24 0,0 0,-24-24,24 24,0 0,-1 0,-23 0,24 0,0 0,0 0,0 0,-24 0,24 0,-1 0,1 0,0 0,0 0,-24 24,0-24,24 0,-1 0,1 0,0 0,-24 0,24 0,0 0,0 0,-1 0,-23 0,24 0,0 0,-24 0,24 0,0 0,-1 0,-23 0,24 0,-24 0,0 24,0 0,0-1,0 1,0 0,0-24,0 24,0 0,0 0,0-24,0 23,0-23,0 24,0 0,-24-24,24 24,0 0,0-1,-23-23,23 0,0 24,-24-24,24 24,0 0,-24-24,24 24,-24-24,24 0,-24 0,1 0,-1 0</inkml:trace>
-  <inkml:trace contextRef="#ctx0" brushRef="#br0" timeOffset="22985.3143">18264 12382,'0'0,"0"0,24 0,-1 0,-23 0,24-23,0 23,0 0,0 0,-1 0,-23 0,24 0,-24-24,24 24,0 0,0 0,-24 0,24 0,-1 0,1 0,0 0,0 0,-24 0,24 0,-1 0,1 0,0 0,-24 0,24 0,-24 0,24 0,0 0,-1 0,-23 0</inkml:trace>
-  <inkml:trace contextRef="#ctx0" brushRef="#br0" timeOffset="25081.4346">18621 11311,'0'0,"0"24,0 0,0-1,0 1,0-24,0 24,0 0,0 0,0-1,0-23,0 24,0 0,0 0,0 0,0-1,0-23,0 24,0 0,0 0,0 0,0-24,0 24,0-1,0 1,0 0,0 0,0-24,-24 0,24 47,0-23,0 0,0 0,0 0,0-24,0 0,0 0,0 23,-24-23,24 24,0 0,0 0,0-24,0 24,0-24,0 24,0-1,0 1,0 0,0-24,0 0,0 24,0 0,0-1,0 1,0-24,-23 24,23 0,0 0,0-1,0-23,-24 24,24 0,0 0,0 0,0 0,0-24,0 23,0 1,0 0,0 0,0-24,0 24,0-1,0 1,0 0,0 0,0-24,0 0,0 24,0-1,0 1,0 0,0-24,0 0,0 24,0 0,0 0,0-1,0 1,0-24</inkml:trace>
-  <inkml:trace contextRef="#ctx0" brushRef="#br0" timeOffset="27161.5534">19359 11644,'0'0,"0"24,0 0,0-24,0 24,0 23,0 1,0-24,0-24,0 71,0 24,0 25,0-73,0-23,0 0,0 0,0 23,0-23,0-24,0 24,0 0,0-1,0 1,-24-24,24 48,0-24,0 0,0-1,0-23,0 24,0 0,0 0,0 0,0-1,0-23,0 24,0 0,0 0,0 0,0-24,0 23,0 1,0 0,0 0,0-24,0 0,0 0,24 0,0 0,0 0,0 0,-1 0,-23 0,24 0,0 0,0 0,0 0,-24 0,24 0,-1 0,1 0,0 0,-24 0,24 0,-24 0,24 0,-1 0,1 0,0 0,-24 0,24 0,0 0,-1 0,1 0,0 0,-24 0,24 0</inkml:trace>
-  <inkml:trace contextRef="#ctx0" brushRef="#br0" timeOffset="28817.6483">19478 11597,'0'0,"0"23,0-23,24 0,-24 48,0-24,0 0,0 0,0-24,0 23,0 1,0 0,0 0,0 0,0-24,24 0,-24 23,0 1,0 0,0 0,24-24,-24 0,0 24,0-1,24-23,-1 0,1 0,-24 0,0 0,24-23,0 23,0-24,-24-24,23 24,-23 1,0 23,0 0,24 0,-24-24,24 24,-24-24,24 24,-24-24,24 24,-24-24,23 24,-23 0,0-23,0-1,0 24,0-24,24 24,-24 0,0 0</inkml:trace>
-  <inkml:trace contextRef="#ctx0" brushRef="#br0" timeOffset="30449.7416">19383 12073,'0'0,"0"0,24 0,0 0,-1 0,1 0,0 0,-24 0,24 0,0 0,0 0,-24 0,23 0,-23 0,0 0,0 0,24 0,-24 0,24 0,0 0,0 0,-24 0,23 0,1 0,-24-24,24 24,0 0,0 0,-24 0,23 0,-23-24,0 0,0-23</inkml:trace>
-  <inkml:trace contextRef="#ctx0" brushRef="#br0" timeOffset="31777.8172">19716 11478,'0'0,"0"0,0 23,0 1,0 0,0 0,0 0,0-1,0 1,0 0,0 0,0-24,0 24,0 0,0-1,0 1,0-24,0 24,0 0,0 0,0-1,0 1,0 0,0 0,0 0,0-1,0 1,0 0,0 0,0 0,0 0,0-1,0-23,0 24,0 0,0 0,0 0,0-24,0 23,0 1,0 0,0 0,0-24,0 24,-23-1,23 1,0 0,0 0,0-24,0 24,0 0,0-1,0 1,-24-24,24 0,0 24,0 0,0 0,-24-24,24 23,0 1,-24-24,24 0,0 0,0 0,0-24,0 1</inkml:trace>
-  <inkml:trace contextRef="#ctx0" brushRef="#br0" timeOffset="32473.8574">19597 12216,'0'0,"0"24,0-1,-23-23,23 0,-24 24,24 0,-24-24,0 24,24 0,-24-24,0 0,24 23,-23-23,23 0,0 24,-24-24,0 0,24 24</inkml:trace>
-  <inkml:trace contextRef="#ctx0" brushRef="#br0" timeOffset="33392.91">19597 12240,'0'0,"24"0,0 0,-24 0,24 0,-24 0,24 0,-24 23,23-23,1 0,-24 24,24-24,0 0,-24 24,0-24,24 24,-24-24,23 0,1 0,0 0,0 0,-24 24,0-24,24 0,-24 0</inkml:trace>
-  <inkml:trace contextRef="#ctx0" brushRef="#br0" timeOffset="35577.0348">20478 11597,'0'0,"-23"0,-1 0,0 0,0 23,-23-23,23 0,0 0,24 24,-24-24,0 24,24-24,-24 0,1 0,-1 0,24 0,-24 0,0 0,24 0,0 24,-24-24,24 24,-23-24,-1 0,24 24,0-1,0-23,0 24,0 0,0 0,0 0,0-1,0-23,0 24,0 0,0 0,0 0,0-24,0 23,0 1,0 0,0 0,0 0,0-24,0 24,0-1,0 1,0 0,0-24,0 24,0 0,0-24,0 23,0 1,0 0,0-24,0 24,-24 0,24-24,0 23,-24-23,24 24,-24-24,24 0,-24 24,24-24,0 0,0 24,0 0,-23-24,23 24,0-24,-24 0,24 23,0 1,0-24,0 24,0-24</inkml:trace>
-  <inkml:trace contextRef="#ctx0" brushRef="#br0" timeOffset="37170.1256">20074 11978,'23'0,"1"0,-24 0,24 0,0 0,0 0,-1 0,-23 0,24 0,0 0,0 0,0 0,0 0,-24 0,23-24,1 24,0 24,0-24,-24 0,24 0,-1 0,1 0,0 0,0 0,-24 0,24 0,-1 0,1 0,0 0,-24 0,24 0,-24 0,0 0,-24 0</inkml:trace>
-  <inkml:trace contextRef="#ctx0" brushRef="#br0" timeOffset="39537.261">20383 11978,'0'0,"-24"23,24 1,0-24,0 24,0-24,0 24,0 0,0 0,-23-24,23 0,0 23,0 1,0 0,0 0,0 0,0-24,-24 0,24 23,0 1,0 0,0 0,0-24,0 24,0-1,-24-23,24 24,0-24,0 24,24 0,-24-24,0 24,0 0,0-1,0 1,0-24,0 24,0 0,0 0,0-1,0-23,0 24,0 0,0 0,0 0,0-1,0-23,0 24,0 0,0 0,0 0,0-24,0 24,0-1,0 1,0 0,0 0,0-24,0 24,0-1</inkml:trace>
+  <inkml:trace contextRef="#ctx0" brushRef="#br0">15859 11740,'0'-24,"24"24,-24 0,23 0,1 0,0 0,0 0,0 0,-24 0,23 0,-23 0,24 0,-24 0,24 0,0 0,-24 0,0 24,0-1,0 1,0 0,0-24,0 24,0 23,0-23,0 0,0-24,0 24,0 0,0-1,0-23,0 24,0 0,0-24,0 0,0 24,-24-24,0 24,24 0,-24-24,24 0,0 23,-23-23,-1 0,0 0,0 0,24 0,-24 0,24 0,24 0,0 0,0 0,0 0,-1 0,1 0,0 0,0 0,0 0,-24 0,23 0,1 0,-24 0,24 0,-24 24,24-24,-24 24,0-24,0 24,0 0,0-1,0-23,0 24,0 0,0 0,0 0,0-24,0 23,0 1,0 0,0-24,0 24,0-24,0 0,0 24,-24-24,24 24,-24-24,0 0,24 23,0 1,0-24,-23 0,23 0,-24 0,0 0,0 0,24 24,-24-24,24 0,-23 0,-1 0,0 0,24 0,-24 0,24-24,0 24,-24 0,1-24,-1 24</inkml:trace>
+  <inkml:trace contextRef="#ctx0" brushRef="#br0">16645 11906,'0'0,"-24"0,24 0,-24 0,24 24,0-24,0 24,-24 0,24-24,0 23,0-23,0 0,-24 0,24 24,-23 0,23 0,0 0,0 0,0-24,-24 0,24 23,0 1,-24-24,24 24,0 0,0-24,0 24,0-1,0 1,0 0,0 0,0-24,0 24,0-1,0 1,0-24,0 24,0-24,24 0,-24 24,24-24,-24 24,23 0,1-24,-24 23,0-23,24 24,-24-24,0 0,24 0,0 0,-24 0,23 0,-23 0,0 0,24 0,-24 0,24 0,-24-24,24 24,0-23,-24-1,23 24,-23-24,0 24,0 0,0-24,0 0,24 24,-24-24,0 1,0 23,24 0,-24-24,24 0,-24 0,0 0,0 1,0 23,0-24,0 0,0 0,0 0,0 24,0-23,0-1,0 0,0 0,0 0,0 24,0-24,-24 24,24-23,0-1,0 0,-24 24,24 0,0 0,0-24,-24 24,1-24,23 24,0-23,-24 23,0 0,24-24,-24 24,24 0,-24 0,24 0,-23 24,23-1,-24-23,24 24,0-24,-24 0,24 24,0 0,0 0</inkml:trace>
+  <inkml:trace contextRef="#ctx0" brushRef="#br0">17264 11478,'0'0,"0"0,0 0,0 0,0 23,0 1,0 0,24-24,-24 0,0 24,0 0,0-1,0 1,0 0,0-24,23 24,-23 0,0 0,0-1,0-23,0 24,0-24,0 0,0-24,0 1,0-1,0 0,0 24,0-24,0 0</inkml:trace>
+  <inkml:trace contextRef="#ctx0" brushRef="#br0">17311 11573,'24'0,"-24"-24,0 24,24 0,0 0,-24-24,24 24,-24-24,23 24,-23 0,24 0,0 0,0 0,0 0,-1 0,-23 0,24 0,0 0,0 0,0 0,-24 0,23 0,1 0,0 0,0 0,0 0,-24 0,0 24,0 0,0-24,0 0,0 24,0 0,-24-24,24 23,-24-23,24 24,-24-24,24 24,0-24,0 24,0 0,-24-24,24 24,0-1,0-23,-71 24,47-24,24 24,-24-24</inkml:trace>
+  <inkml:trace contextRef="#ctx0" brushRef="#br0">17311 11811,'0'0,"24"0,0 0,0 0,0 0,-24 0,23 0,1 0,0 0,0 0,-24 0,24 0,-1 0,1 0,0 0,-24 0,24 0</inkml:trace>
+  <inkml:trace contextRef="#ctx0" brushRef="#br0">17240 11978,'24'0,"-24"0,24 0,-1 0,1 0,0 0,0 0,-24-24,24 24,-1 0,1 0,-24 0,24 0,-24 0,24 0,0 0,-1 0,-23-24,24 24,0 0,-24 0,24 0,0 0,-24-24,23 24,1 0,-24 0,24 0,0 0,-24 0,24 0,0 0,-24 0,23 0,1 0,0 0,0 0,0 0</inkml:trace>
+  <inkml:trace contextRef="#ctx0" brushRef="#br0">17454 11954,'0'24,"-24"-1,24 1,0-24,-23 24,23 0,0 0,0-24,0 24,0-1,0-23,0 0,0 24,0 0,-24-24,24 24,0 0,0-24,0 0,24 0,-1 0,1 0,0 0,-24 0,24 0,0 0,-1 0,-23 0,24 0,0 0,-24 0,24 0,0 0,-24-24,23 24,1 0,0 0,-24-24,0 24,24 0,-24-24,24 24,0 0,-1 0,-23 0,0 24,0 0,0 0,0-24,0 23,0 1,0 0,0 0,0-24,0 0,0 24,0-1,0 1,0 0,0 0,0-24,0 24,0 0,0-1,-23 1,23-24,0 24,-24-24,24 24,0 0,-24-1,24 1,0-24,-24 24,0-24,24 24,-24-24,24 24,-23-24,-1 0,24 23,0-23,0 0,0 24,-24-24,24 0,-24 0,0 0,1 0,23 0,-24-24,0 24,0-23,24-1,-24 24,24-24,0 24,0 0,-23-24,23 0,-24 1,24-1,-24 24,24-24,-24 24,24 0,-24 0,24-24</inkml:trace>
+  <inkml:trace contextRef="#ctx0" brushRef="#br0">18192 11835,'0'0,"0"0,0 24,0-1,0 1,0 0,0-24,0 24,0 0,0-1,0 1,0-24,0 24,0 0,0 0,0 0,0-1,0-23,0 24,0 0,0 0,0 0,0-24,0 47,0-23,0 0,0 0,0-24,0-24,0 0,0 0,0 24,0-24,0 1,0-1,0 0,0 0,0 24</inkml:trace>
+  <inkml:trace contextRef="#ctx0" brushRef="#br0">18216 11954,'0'0,"24"0,0 0,0-24,-1 24,-23 0,24 0,0 0,-24-24,24 24,0 0,-1 0,-23 0,24 0,0 0,0 0,0 0,-24 0,24 0,-1 0,1 0,0 0,0 0,-24 24,0-24,24 0,-1 0,1 0,0 0,-24 0,24 0,0 0,0 0,-1 0,-23 0,24 0,0 0,-24 0,24 0,0 0,-1 0,-23 0,24 0,-24 0,0 24,0 0,0-1,0 1,0 0,0-24,0 24,0 0,0 0,0-24,0 23,0-23,0 24,0 0,-24-24,24 24,0 0,0-1,-23-23,23 0,0 24,-24-24,24 24,0 0,-24-24,24 24,-24-24,24 0,-24 0,1 0,-1 0</inkml:trace>
+  <inkml:trace contextRef="#ctx0" brushRef="#br0">18264 12382,'0'0,"0"0,24 0,-1 0,-23 0,24-23,0 23,0 0,0 0,-1 0,-23 0,24 0,-24-24,24 24,0 0,0 0,-24 0,24 0,-1 0,1 0,0 0,0 0,-24 0,24 0,-1 0,1 0,0 0,-24 0,24 0,-24 0,24 0,0 0,-1 0,-23 0</inkml:trace>
+  <inkml:trace contextRef="#ctx0" brushRef="#br0">18621 11311,'0'0,"0"24,0 0,0-1,0 1,0-24,0 24,0 0,0 0,0-1,0-23,0 24,0 0,0 0,0 0,0-1,0-23,0 24,0 0,0 0,0 0,0-24,0 24,0-1,0 1,0 0,0 0,0-24,-24 0,24 47,0-23,0 0,0 0,0 0,0-24,0 0,0 0,0 23,-24-23,24 24,0 0,0 0,0-24,0 24,0-24,0 24,0-1,0 1,0 0,0-24,0 0,0 24,0 0,0-1,0 1,0-24,-23 24,23 0,0 0,0-1,0-23,-24 24,24 0,0 0,0 0,0 0,0-24,0 23,0 1,0 0,0 0,0-24,0 24,0-1,0 1,0 0,0 0,0-24,0 0,0 24,0-1,0 1,0 0,0-24,0 0,0 24,0 0,0 0,0-1,0 1,0-24</inkml:trace>
+  <inkml:trace contextRef="#ctx0" brushRef="#br0">19359 11644,'0'0,"0"24,0 0,0-24,0 24,0 23,0 1,0-24,0-24,0 71,0 24,0 25,0-73,0-23,0 0,0 0,0 23,0-23,0-24,0 24,0 0,0-1,0 1,-24-24,24 48,0-24,0 0,0-1,0-23,0 24,0 0,0 0,0 0,0-1,0-23,0 24,0 0,0 0,0 0,0-24,0 23,0 1,0 0,0 0,0-24,0 0,0 0,24 0,0 0,0 0,0 0,-1 0,-23 0,24 0,0 0,0 0,0 0,-24 0,24 0,-1 0,1 0,0 0,-24 0,24 0,-24 0,24 0,-1 0,1 0,0 0,-24 0,24 0,0 0,-1 0,1 0,0 0,-24 0,24 0</inkml:trace>
+  <inkml:trace contextRef="#ctx0" brushRef="#br0">19478 11597,'0'0,"0"23,0-23,24 0,-24 48,0-24,0 0,0 0,0-24,0 23,0 1,0 0,0 0,0 0,0-24,24 0,-24 23,0 1,0 0,0 0,24-24,-24 0,0 24,0-1,24-23,-1 0,1 0,-24 0,0 0,24-23,0 23,0-24,-24-24,23 24,-23 1,0 23,0 0,24 0,-24-24,24 24,-24-24,24 24,-24-24,24 24,-24-24,23 24,-23 0,0-23,0-1,0 24,0-24,24 24,-24 0,0 0</inkml:trace>
+  <inkml:trace contextRef="#ctx0" brushRef="#br0">19383 12073,'0'0,"0"0,24 0,0 0,-1 0,1 0,0 0,-24 0,24 0,0 0,0 0,-24 0,23 0,-23 0,0 0,0 0,24 0,-24 0,24 0,0 0,0 0,-24 0,23 0,1 0,-24-24,24 24,0 0,0 0,-24 0,23 0,-23-24,0 0,0-23</inkml:trace>
+  <inkml:trace contextRef="#ctx0" brushRef="#br0">19716 11478,'0'0,"0"0,0 23,0 1,0 0,0 0,0 0,0-1,0 1,0 0,0 0,0-24,0 24,0 0,0-1,0 1,0-24,0 24,0 0,0 0,0-1,0 1,0 0,0 0,0 0,0-1,0 1,0 0,0 0,0 0,0 0,0-1,0-23,0 24,0 0,0 0,0 0,0-24,0 23,0 1,0 0,0 0,0-24,0 24,-23-1,23 1,0 0,0 0,0-24,0 24,0 0,0-1,0 1,-24-24,24 0,0 24,0 0,0 0,-24-24,24 23,0 1,-24-24,24 0,0 0,0 0,0-24,0 1</inkml:trace>
+  <inkml:trace contextRef="#ctx0" brushRef="#br0">19597 12216,'0'0,"0"24,0-1,-23-23,23 0,-24 24,24 0,-24-24,0 24,24 0,-24-24,0 0,24 23,-23-23,23 0,0 24,-24-24,0 0,24 24</inkml:trace>
+  <inkml:trace contextRef="#ctx0" brushRef="#br0">19597 12240,'0'0,"24"0,0 0,-24 0,24 0,-24 0,24 0,-24 23,23-23,1 0,-24 24,24-24,0 0,-24 24,0-24,24 24,-24-24,23 0,1 0,0 0,0 0,-24 24,0-24,24 0,-24 0</inkml:trace>
+  <inkml:trace contextRef="#ctx0" brushRef="#br0">20478 11597,'0'0,"-23"0,-1 0,0 0,0 23,-23-23,23 0,0 0,24 24,-24-24,0 24,24-24,-24 0,1 0,-1 0,24 0,-24 0,0 0,24 0,0 24,-24-24,24 24,-23-24,-1 0,24 24,0-1,0-23,0 24,0 0,0 0,0 0,0-1,0-23,0 24,0 0,0 0,0 0,0-24,0 23,0 1,0 0,0 0,0 0,0-24,0 24,0-1,0 1,0 0,0-24,0 24,0 0,0-24,0 23,0 1,0 0,0-24,0 24,-24 0,24-24,0 23,-24-23,24 24,-24-24,24 0,-24 24,24-24,0 0,0 24,0 0,-23-24,23 24,0-24,-24 0,24 23,0 1,0-24,0 24,0-24</inkml:trace>
+  <inkml:trace contextRef="#ctx0" brushRef="#br0">20074 11978,'23'0,"1"0,-24 0,24 0,0 0,0 0,-1 0,-23 0,24 0,0 0,0 0,0 0,0 0,-24 0,23-24,1 24,0 24,0-24,-24 0,24 0,-1 0,1 0,0 0,0 0,-24 0,24 0,-1 0,1 0,0 0,-24 0,24 0,-24 0,0 0,-24 0</inkml:trace>
+  <inkml:trace contextRef="#ctx0" brushRef="#br0">20383 11978,'0'0,"-24"23,24 1,0-24,0 24,0-24,0 24,0 0,0 0,-23-24,23 0,0 23,0 1,0 0,0 0,0 0,0-24,-24 0,24 23,0 1,0 0,0 0,0-24,0 24,0-1,-24-23,24 24,0-24,0 24,24 0,-24-24,0 24,0 0,0-1,0 1,0-24,0 24,0 0,0 0,0-1,0-23,0 24,0 0,0 0,0 0,0-1,0-23,0 24,0 0,0 0,0 0,0-24,0 24,0-1,0 1,0 0,0 0,0-24,0 24,0-1</inkml:trace>
 </inkml:ink>
+</file>
+
+<file path=ppt/notesMasters/notesMaster1.xml><?xml version="1.0" encoding="utf-8"?>
+<p:notesMaster xmlns:a="http://schemas.openxmlformats.org/drawingml/2006/main" xmlns:r="http://schemas.openxmlformats.org/officeDocument/2006/relationships" xmlns:p="http://schemas.openxmlformats.org/presentationml/2006/main">
+  <p:cSld>
+    <p:bg>
+      <p:bgRef idx="1001">
+        <a:schemeClr val="bg1"/>
+      </p:bgRef>
+    </p:bg>
+    <p:spTree>
+      <p:nvGrpSpPr>
+        <p:cNvPr id="1" name=""/>
+        <p:cNvGrpSpPr/>
+        <p:nvPr/>
+      </p:nvGrpSpPr>
+      <p:grpSpPr>
+        <a:xfrm>
+          <a:off x="0" y="0"/>
+          <a:ext cx="0" cy="0"/>
+          <a:chOff x="0" y="0"/>
+          <a:chExt cx="0" cy="0"/>
+        </a:xfrm>
+      </p:grpSpPr>
+      <p:sp>
+        <p:nvSpPr>
+          <p:cNvPr id="2" name="Header Placeholder 1"/>
+          <p:cNvSpPr>
+            <a:spLocks noGrp="1"/>
+          </p:cNvSpPr>
+          <p:nvPr>
+            <p:ph type="hdr" sz="quarter"/>
+          </p:nvPr>
+        </p:nvSpPr>
+        <p:spPr>
+          <a:xfrm>
+            <a:off x="0" y="0"/>
+            <a:ext cx="2971800" cy="458788"/>
+          </a:xfrm>
+          <a:prstGeom prst="rect">
+            <a:avLst/>
+          </a:prstGeom>
+        </p:spPr>
+        <p:txBody>
+          <a:bodyPr vert="horz" lIns="91440" tIns="45720" rIns="91440" bIns="45720" rtlCol="0"/>
+          <a:lstStyle>
+            <a:lvl1pPr algn="l">
+              <a:defRPr sz="1200"/>
+            </a:lvl1pPr>
+          </a:lstStyle>
+          <a:p>
+            <a:endParaRPr lang="en-US"/>
+          </a:p>
+        </p:txBody>
+      </p:sp>
+      <p:sp>
+        <p:nvSpPr>
+          <p:cNvPr id="3" name="Date Placeholder 2"/>
+          <p:cNvSpPr>
+            <a:spLocks noGrp="1"/>
+          </p:cNvSpPr>
+          <p:nvPr>
+            <p:ph type="dt" idx="1"/>
+          </p:nvPr>
+        </p:nvSpPr>
+        <p:spPr>
+          <a:xfrm>
+            <a:off x="3884613" y="0"/>
+            <a:ext cx="2971800" cy="458788"/>
+          </a:xfrm>
+          <a:prstGeom prst="rect">
+            <a:avLst/>
+          </a:prstGeom>
+        </p:spPr>
+        <p:txBody>
+          <a:bodyPr vert="horz" lIns="91440" tIns="45720" rIns="91440" bIns="45720" rtlCol="0"/>
+          <a:lstStyle>
+            <a:lvl1pPr algn="r">
+              <a:defRPr sz="1200"/>
+            </a:lvl1pPr>
+          </a:lstStyle>
+          <a:p>
+            <a:fld id="{3EFD42F7-718C-4B98-AAEC-167E6DDD60A7}" type="datetimeFigureOut">
+              <a:rPr lang="en-US" smtClean="0"/>
+            </a:fld>
+            <a:endParaRPr lang="en-US"/>
+          </a:p>
+        </p:txBody>
+      </p:sp>
+      <p:sp>
+        <p:nvSpPr>
+          <p:cNvPr id="4" name="Slide Image Placeholder 3"/>
+          <p:cNvSpPr>
+            <a:spLocks noGrp="1" noRot="1" noChangeAspect="1"/>
+          </p:cNvSpPr>
+          <p:nvPr>
+            <p:ph type="sldImg" idx="2"/>
+          </p:nvPr>
+        </p:nvSpPr>
+        <p:spPr>
+          <a:xfrm>
+            <a:off x="1371600" y="1143000"/>
+            <a:ext cx="4114800" cy="3086100"/>
+          </a:xfrm>
+          <a:prstGeom prst="rect">
+            <a:avLst/>
+          </a:prstGeom>
+          <a:noFill/>
+          <a:ln w="12700">
+            <a:solidFill>
+              <a:prstClr val="black"/>
+            </a:solidFill>
+          </a:ln>
+        </p:spPr>
+        <p:txBody>
+          <a:bodyPr vert="horz" lIns="91440" tIns="45720" rIns="91440" bIns="45720" rtlCol="0" anchor="ctr"/>
+          <a:lstStyle/>
+          <a:p>
+            <a:endParaRPr lang="en-US"/>
+          </a:p>
+        </p:txBody>
+      </p:sp>
+      <p:sp>
+        <p:nvSpPr>
+          <p:cNvPr id="5" name="Notes Placeholder 4"/>
+          <p:cNvSpPr>
+            <a:spLocks noGrp="1"/>
+          </p:cNvSpPr>
+          <p:nvPr>
+            <p:ph type="body" sz="quarter" idx="3"/>
+          </p:nvPr>
+        </p:nvSpPr>
+        <p:spPr>
+          <a:xfrm>
+            <a:off x="685800" y="4400550"/>
+            <a:ext cx="5486400" cy="3600450"/>
+          </a:xfrm>
+          <a:prstGeom prst="rect">
+            <a:avLst/>
+          </a:prstGeom>
+        </p:spPr>
+        <p:txBody>
+          <a:bodyPr vert="horz" lIns="91440" tIns="45720" rIns="91440" bIns="45720" rtlCol="0"/>
+          <a:lstStyle/>
+          <a:p>
+            <a:pPr lvl="0"/>
+            <a:r>
+              <a:rPr lang="en-US" smtClean="0"/>
+              <a:t>Click to edit Master text styles</a:t>
+            </a:r>
+            <a:endParaRPr lang="en-US" smtClean="0"/>
+          </a:p>
+          <a:p>
+            <a:pPr lvl="1"/>
+            <a:r>
+              <a:rPr lang="en-US" smtClean="0"/>
+              <a:t>Second level</a:t>
+            </a:r>
+            <a:endParaRPr lang="en-US" smtClean="0"/>
+          </a:p>
+          <a:p>
+            <a:pPr lvl="2"/>
+            <a:r>
+              <a:rPr lang="en-US" smtClean="0"/>
+              <a:t>Third level</a:t>
+            </a:r>
+            <a:endParaRPr lang="en-US" smtClean="0"/>
+          </a:p>
+          <a:p>
+            <a:pPr lvl="3"/>
+            <a:r>
+              <a:rPr lang="en-US" smtClean="0"/>
+              <a:t>Fourth level</a:t>
+            </a:r>
+            <a:endParaRPr lang="en-US" smtClean="0"/>
+          </a:p>
+          <a:p>
+            <a:pPr lvl="4"/>
+            <a:r>
+              <a:rPr lang="en-US" smtClean="0"/>
+              <a:t>Fifth level</a:t>
+            </a:r>
+            <a:endParaRPr lang="en-US"/>
+          </a:p>
+        </p:txBody>
+      </p:sp>
+      <p:sp>
+        <p:nvSpPr>
+          <p:cNvPr id="6" name="Footer Placeholder 5"/>
+          <p:cNvSpPr>
+            <a:spLocks noGrp="1"/>
+          </p:cNvSpPr>
+          <p:nvPr>
+            <p:ph type="ftr" sz="quarter" idx="4"/>
+          </p:nvPr>
+        </p:nvSpPr>
+        <p:spPr>
+          <a:xfrm>
+            <a:off x="0" y="8685213"/>
+            <a:ext cx="2971800" cy="458787"/>
+          </a:xfrm>
+          <a:prstGeom prst="rect">
+            <a:avLst/>
+          </a:prstGeom>
+        </p:spPr>
+        <p:txBody>
+          <a:bodyPr vert="horz" lIns="91440" tIns="45720" rIns="91440" bIns="45720" rtlCol="0" anchor="b"/>
+          <a:lstStyle>
+            <a:lvl1pPr algn="l">
+              <a:defRPr sz="1200"/>
+            </a:lvl1pPr>
+          </a:lstStyle>
+          <a:p>
+            <a:endParaRPr lang="en-US"/>
+          </a:p>
+        </p:txBody>
+      </p:sp>
+      <p:sp>
+        <p:nvSpPr>
+          <p:cNvPr id="7" name="Slide Number Placeholder 6"/>
+          <p:cNvSpPr>
+            <a:spLocks noGrp="1"/>
+          </p:cNvSpPr>
+          <p:nvPr>
+            <p:ph type="sldNum" sz="quarter" idx="5"/>
+          </p:nvPr>
+        </p:nvSpPr>
+        <p:spPr>
+          <a:xfrm>
+            <a:off x="3884613" y="8685213"/>
+            <a:ext cx="2971800" cy="458787"/>
+          </a:xfrm>
+          <a:prstGeom prst="rect">
+            <a:avLst/>
+          </a:prstGeom>
+        </p:spPr>
+        <p:txBody>
+          <a:bodyPr vert="horz" lIns="91440" tIns="45720" rIns="91440" bIns="45720" rtlCol="0" anchor="b"/>
+          <a:lstStyle>
+            <a:lvl1pPr algn="r">
+              <a:defRPr sz="1200"/>
+            </a:lvl1pPr>
+          </a:lstStyle>
+          <a:p>
+            <a:fld id="{21B2AA4F-B828-4D7C-AFD3-893933DAFCB4}" type="slidenum">
+              <a:rPr lang="en-US" smtClean="0"/>
+            </a:fld>
+            <a:endParaRPr lang="en-US"/>
+          </a:p>
+        </p:txBody>
+      </p:sp>
+    </p:spTree>
+  </p:cSld>
+  <p:clrMap bg1="lt1" tx1="dk1" bg2="lt2" tx2="dk2" accent1="accent1" accent2="accent2" accent3="accent3" accent4="accent4" accent5="accent5" accent6="accent6" hlink="hlink" folHlink="folHlink"/>
+  <p:notesStyle>
+    <a:lvl1pPr marL="0" algn="l" defTabSz="914400" rtl="0" eaLnBrk="1" latinLnBrk="0" hangingPunct="1">
+      <a:defRPr sz="1200" kern="1200">
+        <a:solidFill>
+          <a:schemeClr val="tx1"/>
+        </a:solidFill>
+        <a:latin typeface="+mn-lt"/>
+        <a:ea typeface="+mn-ea"/>
+        <a:cs typeface="+mn-cs"/>
+      </a:defRPr>
+    </a:lvl1pPr>
+    <a:lvl2pPr marL="457200" algn="l" defTabSz="914400" rtl="0" eaLnBrk="1" latinLnBrk="0" hangingPunct="1">
+      <a:defRPr sz="1200" kern="1200">
+        <a:solidFill>
+          <a:schemeClr val="tx1"/>
+        </a:solidFill>
+        <a:latin typeface="+mn-lt"/>
+        <a:ea typeface="+mn-ea"/>
+        <a:cs typeface="+mn-cs"/>
+      </a:defRPr>
+    </a:lvl2pPr>
+    <a:lvl3pPr marL="914400" algn="l" defTabSz="914400" rtl="0" eaLnBrk="1" latinLnBrk="0" hangingPunct="1">
+      <a:defRPr sz="1200" kern="1200">
+        <a:solidFill>
+          <a:schemeClr val="tx1"/>
+        </a:solidFill>
+        <a:latin typeface="+mn-lt"/>
+        <a:ea typeface="+mn-ea"/>
+        <a:cs typeface="+mn-cs"/>
+      </a:defRPr>
+    </a:lvl3pPr>
+    <a:lvl4pPr marL="1371600" algn="l" defTabSz="914400" rtl="0" eaLnBrk="1" latinLnBrk="0" hangingPunct="1">
+      <a:defRPr sz="1200" kern="1200">
+        <a:solidFill>
+          <a:schemeClr val="tx1"/>
+        </a:solidFill>
+        <a:latin typeface="+mn-lt"/>
+        <a:ea typeface="+mn-ea"/>
+        <a:cs typeface="+mn-cs"/>
+      </a:defRPr>
+    </a:lvl4pPr>
+    <a:lvl5pPr marL="1828800" algn="l" defTabSz="914400" rtl="0" eaLnBrk="1" latinLnBrk="0" hangingPunct="1">
+      <a:defRPr sz="1200" kern="1200">
+        <a:solidFill>
+          <a:schemeClr val="tx1"/>
+        </a:solidFill>
+        <a:latin typeface="+mn-lt"/>
+        <a:ea typeface="+mn-ea"/>
+        <a:cs typeface="+mn-cs"/>
+      </a:defRPr>
+    </a:lvl5pPr>
+    <a:lvl6pPr marL="2286000" algn="l" defTabSz="914400" rtl="0" eaLnBrk="1" latinLnBrk="0" hangingPunct="1">
+      <a:defRPr sz="1200" kern="1200">
+        <a:solidFill>
+          <a:schemeClr val="tx1"/>
+        </a:solidFill>
+        <a:latin typeface="+mn-lt"/>
+        <a:ea typeface="+mn-ea"/>
+        <a:cs typeface="+mn-cs"/>
+      </a:defRPr>
+    </a:lvl6pPr>
+    <a:lvl7pPr marL="2743200" algn="l" defTabSz="914400" rtl="0" eaLnBrk="1" latinLnBrk="0" hangingPunct="1">
+      <a:defRPr sz="1200" kern="1200">
+        <a:solidFill>
+          <a:schemeClr val="tx1"/>
+        </a:solidFill>
+        <a:latin typeface="+mn-lt"/>
+        <a:ea typeface="+mn-ea"/>
+        <a:cs typeface="+mn-cs"/>
+      </a:defRPr>
+    </a:lvl7pPr>
+    <a:lvl8pPr marL="3200400" algn="l" defTabSz="914400" rtl="0" eaLnBrk="1" latinLnBrk="0" hangingPunct="1">
+      <a:defRPr sz="1200" kern="1200">
+        <a:solidFill>
+          <a:schemeClr val="tx1"/>
+        </a:solidFill>
+        <a:latin typeface="+mn-lt"/>
+        <a:ea typeface="+mn-ea"/>
+        <a:cs typeface="+mn-cs"/>
+      </a:defRPr>
+    </a:lvl8pPr>
+    <a:lvl9pPr marL="3657600" algn="l" defTabSz="914400" rtl="0" eaLnBrk="1" latinLnBrk="0" hangingPunct="1">
+      <a:defRPr sz="1200" kern="1200">
+        <a:solidFill>
+          <a:schemeClr val="tx1"/>
+        </a:solidFill>
+        <a:latin typeface="+mn-lt"/>
+        <a:ea typeface="+mn-ea"/>
+        <a:cs typeface="+mn-cs"/>
+      </a:defRPr>
+    </a:lvl9pPr>
+  </p:notesStyle>
+</p:notesMaster>
+</file>
+
+<file path=ppt/notesSlides/notesSlide1.xml><?xml version="1.0" encoding="utf-8"?>
+<p:notes xmlns:a="http://schemas.openxmlformats.org/drawingml/2006/main" xmlns:r="http://schemas.openxmlformats.org/officeDocument/2006/relationships" xmlns:p="http://schemas.openxmlformats.org/presentationml/2006/main">
+  <p:cSld>
+    <p:spTree>
+      <p:nvGrpSpPr>
+        <p:cNvPr id="1" name=""/>
+        <p:cNvGrpSpPr/>
+        <p:nvPr/>
+      </p:nvGrpSpPr>
+      <p:grpSpPr/>
+      <p:sp>
+        <p:nvSpPr>
+          <p:cNvPr id="2" name="Slide Image Placeholder 1"/>
+          <p:cNvSpPr/>
+          <p:nvPr>
+            <p:ph type="sldImg" idx="2"/>
+          </p:nvPr>
+        </p:nvSpPr>
+        <p:spPr/>
+      </p:sp>
+      <p:sp>
+        <p:nvSpPr>
+          <p:cNvPr id="3" name="Text Placeholder 2"/>
+          <p:cNvSpPr/>
+          <p:nvPr>
+            <p:ph type="body" idx="3"/>
+          </p:nvPr>
+        </p:nvSpPr>
+        <p:spPr/>
+        <p:txBody>
+          <a:bodyPr/>
+          <a:p>
+            <a:endParaRPr lang="en-US"/>
+          </a:p>
+        </p:txBody>
+      </p:sp>
+    </p:spTree>
+  </p:cSld>
+  <p:clrMapOvr>
+    <a:masterClrMapping/>
+  </p:clrMapOvr>
+</p:notes>
 </file>
 
 <file path=ppt/slideLayouts/slideLayout1.xml><?xml version="1.0" encoding="utf-8"?>
@@ -368,7 +763,6 @@
           <a:p>
             <a:fld id="{530820CF-B880-4189-942D-D702A7CBA730}" type="datetimeFigureOut">
               <a:rPr lang="zh-CN" altLang="en-US" smtClean="0"/>
-              <a:t>2011/6/13</a:t>
             </a:fld>
             <a:endParaRPr lang="zh-CN" altLang="en-US"/>
           </a:p>
@@ -410,7 +804,6 @@
           <a:p>
             <a:fld id="{0C913308-F349-4B6D-A68A-DD1791B4A57B}" type="slidenum">
               <a:rPr lang="zh-CN" altLang="en-US" smtClean="0"/>
-              <a:t>‹#›</a:t>
             </a:fld>
             <a:endParaRPr lang="zh-CN" altLang="en-US"/>
           </a:p>
@@ -519,6 +912,7 @@
               <a:rPr lang="zh-CN" altLang="en-US" smtClean="0"/>
               <a:t>单击此处编辑母版文本样式</a:t>
             </a:r>
+            <a:endParaRPr lang="zh-CN" altLang="en-US" smtClean="0"/>
           </a:p>
           <a:p>
             <a:pPr lvl="1"/>
@@ -526,6 +920,7 @@
               <a:rPr lang="zh-CN" altLang="en-US" smtClean="0"/>
               <a:t>第二级</a:t>
             </a:r>
+            <a:endParaRPr lang="zh-CN" altLang="en-US" smtClean="0"/>
           </a:p>
           <a:p>
             <a:pPr lvl="2"/>
@@ -533,6 +928,7 @@
               <a:rPr lang="zh-CN" altLang="en-US" smtClean="0"/>
               <a:t>第三级</a:t>
             </a:r>
+            <a:endParaRPr lang="zh-CN" altLang="en-US" smtClean="0"/>
           </a:p>
           <a:p>
             <a:pPr lvl="3"/>
@@ -540,6 +936,7 @@
               <a:rPr lang="zh-CN" altLang="en-US" smtClean="0"/>
               <a:t>第四级</a:t>
             </a:r>
+            <a:endParaRPr lang="zh-CN" altLang="en-US" smtClean="0"/>
           </a:p>
           <a:p>
             <a:pPr lvl="4"/>
@@ -568,7 +965,6 @@
           <a:p>
             <a:fld id="{530820CF-B880-4189-942D-D702A7CBA730}" type="datetimeFigureOut">
               <a:rPr lang="zh-CN" altLang="en-US" smtClean="0"/>
-              <a:t>2011/6/13</a:t>
             </a:fld>
             <a:endParaRPr lang="zh-CN" altLang="en-US"/>
           </a:p>
@@ -610,7 +1006,6 @@
           <a:p>
             <a:fld id="{0C913308-F349-4B6D-A68A-DD1791B4A57B}" type="slidenum">
               <a:rPr lang="zh-CN" altLang="en-US" smtClean="0"/>
-              <a:t>‹#›</a:t>
             </a:fld>
             <a:endParaRPr lang="zh-CN" altLang="en-US"/>
           </a:p>
@@ -694,6 +1089,7 @@
               <a:rPr lang="zh-CN" altLang="en-US" smtClean="0"/>
               <a:t>单击此处编辑母版文本样式</a:t>
             </a:r>
+            <a:endParaRPr lang="zh-CN" altLang="en-US" smtClean="0"/>
           </a:p>
           <a:p>
             <a:pPr lvl="1"/>
@@ -701,6 +1097,7 @@
               <a:rPr lang="zh-CN" altLang="en-US" smtClean="0"/>
               <a:t>第二级</a:t>
             </a:r>
+            <a:endParaRPr lang="zh-CN" altLang="en-US" smtClean="0"/>
           </a:p>
           <a:p>
             <a:pPr lvl="2"/>
@@ -708,6 +1105,7 @@
               <a:rPr lang="zh-CN" altLang="en-US" smtClean="0"/>
               <a:t>第三级</a:t>
             </a:r>
+            <a:endParaRPr lang="zh-CN" altLang="en-US" smtClean="0"/>
           </a:p>
           <a:p>
             <a:pPr lvl="3"/>
@@ -715,6 +1113,7 @@
               <a:rPr lang="zh-CN" altLang="en-US" smtClean="0"/>
               <a:t>第四级</a:t>
             </a:r>
+            <a:endParaRPr lang="zh-CN" altLang="en-US" smtClean="0"/>
           </a:p>
           <a:p>
             <a:pPr lvl="4"/>
@@ -743,7 +1142,6 @@
           <a:p>
             <a:fld id="{530820CF-B880-4189-942D-D702A7CBA730}" type="datetimeFigureOut">
               <a:rPr lang="zh-CN" altLang="en-US" smtClean="0"/>
-              <a:t>2011/6/13</a:t>
             </a:fld>
             <a:endParaRPr lang="zh-CN" altLang="en-US"/>
           </a:p>
@@ -785,7 +1183,6 @@
           <a:p>
             <a:fld id="{0C913308-F349-4B6D-A68A-DD1791B4A57B}" type="slidenum">
               <a:rPr lang="zh-CN" altLang="en-US" smtClean="0"/>
-              <a:t>‹#›</a:t>
             </a:fld>
             <a:endParaRPr lang="zh-CN" altLang="en-US"/>
           </a:p>
@@ -859,6 +1256,7 @@
               <a:rPr lang="zh-CN" altLang="en-US" smtClean="0"/>
               <a:t>单击此处编辑母版文本样式</a:t>
             </a:r>
+            <a:endParaRPr lang="zh-CN" altLang="en-US" smtClean="0"/>
           </a:p>
           <a:p>
             <a:pPr lvl="1"/>
@@ -866,6 +1264,7 @@
               <a:rPr lang="zh-CN" altLang="en-US" smtClean="0"/>
               <a:t>第二级</a:t>
             </a:r>
+            <a:endParaRPr lang="zh-CN" altLang="en-US" smtClean="0"/>
           </a:p>
           <a:p>
             <a:pPr lvl="2"/>
@@ -873,6 +1272,7 @@
               <a:rPr lang="zh-CN" altLang="en-US" smtClean="0"/>
               <a:t>第三级</a:t>
             </a:r>
+            <a:endParaRPr lang="zh-CN" altLang="en-US" smtClean="0"/>
           </a:p>
           <a:p>
             <a:pPr lvl="3"/>
@@ -880,6 +1280,7 @@
               <a:rPr lang="zh-CN" altLang="en-US" smtClean="0"/>
               <a:t>第四级</a:t>
             </a:r>
+            <a:endParaRPr lang="zh-CN" altLang="en-US" smtClean="0"/>
           </a:p>
           <a:p>
             <a:pPr lvl="4"/>
@@ -908,7 +1309,6 @@
           <a:p>
             <a:fld id="{530820CF-B880-4189-942D-D702A7CBA730}" type="datetimeFigureOut">
               <a:rPr lang="zh-CN" altLang="en-US" smtClean="0"/>
-              <a:t>2011/6/13</a:t>
             </a:fld>
             <a:endParaRPr lang="zh-CN" altLang="en-US"/>
           </a:p>
@@ -950,7 +1350,6 @@
           <a:p>
             <a:fld id="{0C913308-F349-4B6D-A68A-DD1791B4A57B}" type="slidenum">
               <a:rPr lang="zh-CN" altLang="en-US" smtClean="0"/>
-              <a:t>‹#›</a:t>
             </a:fld>
             <a:endParaRPr lang="zh-CN" altLang="en-US"/>
           </a:p>
@@ -1136,6 +1535,7 @@
               <a:rPr lang="zh-CN" altLang="en-US" smtClean="0"/>
               <a:t>单击此处编辑母版文本样式</a:t>
             </a:r>
+            <a:endParaRPr lang="zh-CN" altLang="en-US" smtClean="0"/>
           </a:p>
         </p:txBody>
       </p:sp>
@@ -1156,7 +1556,6 @@
           <a:p>
             <a:fld id="{530820CF-B880-4189-942D-D702A7CBA730}" type="datetimeFigureOut">
               <a:rPr lang="zh-CN" altLang="en-US" smtClean="0"/>
-              <a:t>2011/6/13</a:t>
             </a:fld>
             <a:endParaRPr lang="zh-CN" altLang="en-US"/>
           </a:p>
@@ -1198,7 +1597,6 @@
           <a:p>
             <a:fld id="{0C913308-F349-4B6D-A68A-DD1791B4A57B}" type="slidenum">
               <a:rPr lang="zh-CN" altLang="en-US" smtClean="0"/>
-              <a:t>‹#›</a:t>
             </a:fld>
             <a:endParaRPr lang="zh-CN" altLang="en-US"/>
           </a:p>
@@ -1340,6 +1738,7 @@
               <a:rPr lang="zh-CN" altLang="en-US" smtClean="0"/>
               <a:t>单击此处编辑母版文本样式</a:t>
             </a:r>
+            <a:endParaRPr lang="zh-CN" altLang="en-US" smtClean="0"/>
           </a:p>
           <a:p>
             <a:pPr lvl="1"/>
@@ -1347,6 +1746,7 @@
               <a:rPr lang="zh-CN" altLang="en-US" smtClean="0"/>
               <a:t>第二级</a:t>
             </a:r>
+            <a:endParaRPr lang="zh-CN" altLang="en-US" smtClean="0"/>
           </a:p>
           <a:p>
             <a:pPr lvl="2"/>
@@ -1354,6 +1754,7 @@
               <a:rPr lang="zh-CN" altLang="en-US" smtClean="0"/>
               <a:t>第三级</a:t>
             </a:r>
+            <a:endParaRPr lang="zh-CN" altLang="en-US" smtClean="0"/>
           </a:p>
           <a:p>
             <a:pPr lvl="3"/>
@@ -1361,6 +1762,7 @@
               <a:rPr lang="zh-CN" altLang="en-US" smtClean="0"/>
               <a:t>第四级</a:t>
             </a:r>
+            <a:endParaRPr lang="zh-CN" altLang="en-US" smtClean="0"/>
           </a:p>
           <a:p>
             <a:pPr lvl="4"/>
@@ -1425,6 +1827,7 @@
               <a:rPr lang="zh-CN" altLang="en-US" smtClean="0"/>
               <a:t>单击此处编辑母版文本样式</a:t>
             </a:r>
+            <a:endParaRPr lang="zh-CN" altLang="en-US" smtClean="0"/>
           </a:p>
           <a:p>
             <a:pPr lvl="1"/>
@@ -1432,6 +1835,7 @@
               <a:rPr lang="zh-CN" altLang="en-US" smtClean="0"/>
               <a:t>第二级</a:t>
             </a:r>
+            <a:endParaRPr lang="zh-CN" altLang="en-US" smtClean="0"/>
           </a:p>
           <a:p>
             <a:pPr lvl="2"/>
@@ -1439,6 +1843,7 @@
               <a:rPr lang="zh-CN" altLang="en-US" smtClean="0"/>
               <a:t>第三级</a:t>
             </a:r>
+            <a:endParaRPr lang="zh-CN" altLang="en-US" smtClean="0"/>
           </a:p>
           <a:p>
             <a:pPr lvl="3"/>
@@ -1446,6 +1851,7 @@
               <a:rPr lang="zh-CN" altLang="en-US" smtClean="0"/>
               <a:t>第四级</a:t>
             </a:r>
+            <a:endParaRPr lang="zh-CN" altLang="en-US" smtClean="0"/>
           </a:p>
           <a:p>
             <a:pPr lvl="4"/>
@@ -1474,7 +1880,6 @@
           <a:p>
             <a:fld id="{530820CF-B880-4189-942D-D702A7CBA730}" type="datetimeFigureOut">
               <a:rPr lang="zh-CN" altLang="en-US" smtClean="0"/>
-              <a:t>2011/6/13</a:t>
             </a:fld>
             <a:endParaRPr lang="zh-CN" altLang="en-US"/>
           </a:p>
@@ -1516,7 +1921,6 @@
           <a:p>
             <a:fld id="{0C913308-F349-4B6D-A68A-DD1791B4A57B}" type="slidenum">
               <a:rPr lang="zh-CN" altLang="en-US" smtClean="0"/>
-              <a:t>‹#›</a:t>
             </a:fld>
             <a:endParaRPr lang="zh-CN" altLang="en-US"/>
           </a:p>
@@ -1659,6 +2063,7 @@
               <a:rPr lang="zh-CN" altLang="en-US" smtClean="0"/>
               <a:t>单击此处编辑母版文本样式</a:t>
             </a:r>
+            <a:endParaRPr lang="zh-CN" altLang="en-US" smtClean="0"/>
           </a:p>
         </p:txBody>
       </p:sp>
@@ -1715,6 +2120,7 @@
               <a:rPr lang="zh-CN" altLang="en-US" smtClean="0"/>
               <a:t>单击此处编辑母版文本样式</a:t>
             </a:r>
+            <a:endParaRPr lang="zh-CN" altLang="en-US" smtClean="0"/>
           </a:p>
           <a:p>
             <a:pPr lvl="1"/>
@@ -1722,6 +2128,7 @@
               <a:rPr lang="zh-CN" altLang="en-US" smtClean="0"/>
               <a:t>第二级</a:t>
             </a:r>
+            <a:endParaRPr lang="zh-CN" altLang="en-US" smtClean="0"/>
           </a:p>
           <a:p>
             <a:pPr lvl="2"/>
@@ -1729,6 +2136,7 @@
               <a:rPr lang="zh-CN" altLang="en-US" smtClean="0"/>
               <a:t>第三级</a:t>
             </a:r>
+            <a:endParaRPr lang="zh-CN" altLang="en-US" smtClean="0"/>
           </a:p>
           <a:p>
             <a:pPr lvl="3"/>
@@ -1736,6 +2144,7 @@
               <a:rPr lang="zh-CN" altLang="en-US" smtClean="0"/>
               <a:t>第四级</a:t>
             </a:r>
+            <a:endParaRPr lang="zh-CN" altLang="en-US" smtClean="0"/>
           </a:p>
           <a:p>
             <a:pPr lvl="4"/>
@@ -1835,6 +2244,7 @@
               <a:rPr lang="zh-CN" altLang="en-US" smtClean="0"/>
               <a:t>单击此处编辑母版文本样式</a:t>
             </a:r>
+            <a:endParaRPr lang="zh-CN" altLang="en-US" smtClean="0"/>
           </a:p>
         </p:txBody>
       </p:sp>
@@ -1891,6 +2301,7 @@
               <a:rPr lang="zh-CN" altLang="en-US" smtClean="0"/>
               <a:t>单击此处编辑母版文本样式</a:t>
             </a:r>
+            <a:endParaRPr lang="zh-CN" altLang="en-US" smtClean="0"/>
           </a:p>
           <a:p>
             <a:pPr lvl="1"/>
@@ -1898,6 +2309,7 @@
               <a:rPr lang="zh-CN" altLang="en-US" smtClean="0"/>
               <a:t>第二级</a:t>
             </a:r>
+            <a:endParaRPr lang="zh-CN" altLang="en-US" smtClean="0"/>
           </a:p>
           <a:p>
             <a:pPr lvl="2"/>
@@ -1905,6 +2317,7 @@
               <a:rPr lang="zh-CN" altLang="en-US" smtClean="0"/>
               <a:t>第三级</a:t>
             </a:r>
+            <a:endParaRPr lang="zh-CN" altLang="en-US" smtClean="0"/>
           </a:p>
           <a:p>
             <a:pPr lvl="3"/>
@@ -1912,6 +2325,7 @@
               <a:rPr lang="zh-CN" altLang="en-US" smtClean="0"/>
               <a:t>第四级</a:t>
             </a:r>
+            <a:endParaRPr lang="zh-CN" altLang="en-US" smtClean="0"/>
           </a:p>
           <a:p>
             <a:pPr lvl="4"/>
@@ -1940,7 +2354,6 @@
           <a:p>
             <a:fld id="{530820CF-B880-4189-942D-D702A7CBA730}" type="datetimeFigureOut">
               <a:rPr lang="zh-CN" altLang="en-US" smtClean="0"/>
-              <a:t>2011/6/13</a:t>
             </a:fld>
             <a:endParaRPr lang="zh-CN" altLang="en-US"/>
           </a:p>
@@ -1982,7 +2395,6 @@
           <a:p>
             <a:fld id="{0C913308-F349-4B6D-A68A-DD1791B4A57B}" type="slidenum">
               <a:rPr lang="zh-CN" altLang="en-US" smtClean="0"/>
-              <a:t>‹#›</a:t>
             </a:fld>
             <a:endParaRPr lang="zh-CN" altLang="en-US"/>
           </a:p>
@@ -2088,7 +2500,6 @@
           <a:p>
             <a:fld id="{530820CF-B880-4189-942D-D702A7CBA730}" type="datetimeFigureOut">
               <a:rPr lang="zh-CN" altLang="en-US" smtClean="0"/>
-              <a:t>2011/6/13</a:t>
             </a:fld>
             <a:endParaRPr lang="zh-CN" altLang="en-US"/>
           </a:p>
@@ -2130,7 +2541,6 @@
           <a:p>
             <a:fld id="{0C913308-F349-4B6D-A68A-DD1791B4A57B}" type="slidenum">
               <a:rPr lang="zh-CN" altLang="en-US" smtClean="0"/>
-              <a:t>‹#›</a:t>
             </a:fld>
             <a:endParaRPr lang="zh-CN" altLang="en-US"/>
           </a:p>
@@ -2178,7 +2588,6 @@
           <a:p>
             <a:fld id="{530820CF-B880-4189-942D-D702A7CBA730}" type="datetimeFigureOut">
               <a:rPr lang="zh-CN" altLang="en-US" smtClean="0"/>
-              <a:t>2011/6/13</a:t>
             </a:fld>
             <a:endParaRPr lang="zh-CN" altLang="en-US"/>
           </a:p>
@@ -2220,7 +2629,6 @@
           <a:p>
             <a:fld id="{0C913308-F349-4B6D-A68A-DD1791B4A57B}" type="slidenum">
               <a:rPr lang="zh-CN" altLang="en-US" smtClean="0"/>
-              <a:t>‹#›</a:t>
             </a:fld>
             <a:endParaRPr lang="zh-CN" altLang="en-US"/>
           </a:p>
@@ -2338,6 +2746,7 @@
               <a:rPr lang="zh-CN" altLang="en-US" smtClean="0"/>
               <a:t>单击此处编辑母版文本样式</a:t>
             </a:r>
+            <a:endParaRPr lang="zh-CN" altLang="en-US" smtClean="0"/>
           </a:p>
           <a:p>
             <a:pPr lvl="1"/>
@@ -2345,6 +2754,7 @@
               <a:rPr lang="zh-CN" altLang="en-US" smtClean="0"/>
               <a:t>第二级</a:t>
             </a:r>
+            <a:endParaRPr lang="zh-CN" altLang="en-US" smtClean="0"/>
           </a:p>
           <a:p>
             <a:pPr lvl="2"/>
@@ -2352,6 +2762,7 @@
               <a:rPr lang="zh-CN" altLang="en-US" smtClean="0"/>
               <a:t>第三级</a:t>
             </a:r>
+            <a:endParaRPr lang="zh-CN" altLang="en-US" smtClean="0"/>
           </a:p>
           <a:p>
             <a:pPr lvl="3"/>
@@ -2359,6 +2770,7 @@
               <a:rPr lang="zh-CN" altLang="en-US" smtClean="0"/>
               <a:t>第四级</a:t>
             </a:r>
+            <a:endParaRPr lang="zh-CN" altLang="en-US" smtClean="0"/>
           </a:p>
           <a:p>
             <a:pPr lvl="4"/>
@@ -2432,6 +2844,7 @@
               <a:rPr lang="zh-CN" altLang="en-US" smtClean="0"/>
               <a:t>单击此处编辑母版文本样式</a:t>
             </a:r>
+            <a:endParaRPr lang="zh-CN" altLang="en-US" smtClean="0"/>
           </a:p>
         </p:txBody>
       </p:sp>
@@ -2452,7 +2865,6 @@
           <a:p>
             <a:fld id="{530820CF-B880-4189-942D-D702A7CBA730}" type="datetimeFigureOut">
               <a:rPr lang="zh-CN" altLang="en-US" smtClean="0"/>
-              <a:t>2011/6/13</a:t>
             </a:fld>
             <a:endParaRPr lang="zh-CN" altLang="en-US"/>
           </a:p>
@@ -2494,7 +2906,6 @@
           <a:p>
             <a:fld id="{0C913308-F349-4B6D-A68A-DD1791B4A57B}" type="slidenum">
               <a:rPr lang="zh-CN" altLang="en-US" smtClean="0"/>
-              <a:t>‹#›</a:t>
             </a:fld>
             <a:endParaRPr lang="zh-CN" altLang="en-US"/>
           </a:p>
@@ -2737,6 +3148,7 @@
               <a:rPr lang="zh-CN" altLang="en-US" smtClean="0"/>
               <a:t>单击此处编辑母版文本样式</a:t>
             </a:r>
+            <a:endParaRPr lang="zh-CN" altLang="en-US" smtClean="0"/>
           </a:p>
         </p:txBody>
       </p:sp>
@@ -2757,7 +3169,6 @@
           <a:p>
             <a:fld id="{530820CF-B880-4189-942D-D702A7CBA730}" type="datetimeFigureOut">
               <a:rPr lang="zh-CN" altLang="en-US" smtClean="0"/>
-              <a:t>2011/6/13</a:t>
             </a:fld>
             <a:endParaRPr lang="zh-CN" altLang="en-US"/>
           </a:p>
@@ -2799,7 +3210,6 @@
           <a:p>
             <a:fld id="{0C913308-F349-4B6D-A68A-DD1791B4A57B}" type="slidenum">
               <a:rPr lang="zh-CN" altLang="en-US" smtClean="0"/>
-              <a:t>‹#›</a:t>
             </a:fld>
             <a:endParaRPr lang="zh-CN" altLang="en-US"/>
           </a:p>
@@ -2944,6 +3354,7 @@
               <a:rPr lang="zh-CN" altLang="en-US" smtClean="0"/>
               <a:t>单击此处编辑母版文本样式</a:t>
             </a:r>
+            <a:endParaRPr lang="zh-CN" altLang="en-US" smtClean="0"/>
           </a:p>
           <a:p>
             <a:pPr lvl="1"/>
@@ -2951,6 +3362,7 @@
               <a:rPr lang="zh-CN" altLang="en-US" smtClean="0"/>
               <a:t>第二级</a:t>
             </a:r>
+            <a:endParaRPr lang="zh-CN" altLang="en-US" smtClean="0"/>
           </a:p>
           <a:p>
             <a:pPr lvl="2"/>
@@ -2958,6 +3370,7 @@
               <a:rPr lang="zh-CN" altLang="en-US" smtClean="0"/>
               <a:t>第三级</a:t>
             </a:r>
+            <a:endParaRPr lang="zh-CN" altLang="en-US" smtClean="0"/>
           </a:p>
           <a:p>
             <a:pPr lvl="3"/>
@@ -2965,6 +3378,7 @@
               <a:rPr lang="zh-CN" altLang="en-US" smtClean="0"/>
               <a:t>第四级</a:t>
             </a:r>
+            <a:endParaRPr lang="zh-CN" altLang="en-US" smtClean="0"/>
           </a:p>
           <a:p>
             <a:pPr lvl="4"/>
@@ -3055,7 +3469,6 @@
           <a:p>
             <a:fld id="{530820CF-B880-4189-942D-D702A7CBA730}" type="datetimeFigureOut">
               <a:rPr lang="zh-CN" altLang="en-US" smtClean="0"/>
-              <a:t>2011/6/13</a:t>
             </a:fld>
             <a:endParaRPr lang="zh-CN" altLang="en-US"/>
           </a:p>
@@ -3129,7 +3542,6 @@
           <a:p>
             <a:fld id="{0C913308-F349-4B6D-A68A-DD1791B4A57B}" type="slidenum">
               <a:rPr lang="zh-CN" altLang="en-US" smtClean="0"/>
-              <a:t>‹#›</a:t>
             </a:fld>
             <a:endParaRPr lang="zh-CN" altLang="en-US"/>
           </a:p>
@@ -3139,17 +3551,17 @@
   </p:cSld>
   <p:clrMap bg1="lt1" tx1="dk1" bg2="lt2" tx2="dk2" accent1="accent1" accent2="accent2" accent3="accent3" accent4="accent4" accent5="accent5" accent6="accent6" hlink="hlink" folHlink="folHlink"/>
   <p:sldLayoutIdLst>
-    <p:sldLayoutId id="2147483685" r:id="rId1"/>
-    <p:sldLayoutId id="2147483686" r:id="rId2"/>
-    <p:sldLayoutId id="2147483687" r:id="rId3"/>
-    <p:sldLayoutId id="2147483688" r:id="rId4"/>
-    <p:sldLayoutId id="2147483689" r:id="rId5"/>
-    <p:sldLayoutId id="2147483690" r:id="rId6"/>
-    <p:sldLayoutId id="2147483691" r:id="rId7"/>
-    <p:sldLayoutId id="2147483692" r:id="rId8"/>
-    <p:sldLayoutId id="2147483693" r:id="rId9"/>
-    <p:sldLayoutId id="2147483694" r:id="rId10"/>
-    <p:sldLayoutId id="2147483695" r:id="rId11"/>
+    <p:sldLayoutId id="2147483649" r:id="rId1"/>
+    <p:sldLayoutId id="2147483650" r:id="rId2"/>
+    <p:sldLayoutId id="2147483651" r:id="rId3"/>
+    <p:sldLayoutId id="2147483652" r:id="rId4"/>
+    <p:sldLayoutId id="2147483653" r:id="rId5"/>
+    <p:sldLayoutId id="2147483654" r:id="rId6"/>
+    <p:sldLayoutId id="2147483655" r:id="rId7"/>
+    <p:sldLayoutId id="2147483656" r:id="rId8"/>
+    <p:sldLayoutId id="2147483657" r:id="rId9"/>
+    <p:sldLayoutId id="2147483658" r:id="rId10"/>
+    <p:sldLayoutId id="2147483659" r:id="rId11"/>
   </p:sldLayoutIdLst>
   <p:txStyles>
     <p:titleStyle>
@@ -3177,7 +3589,7 @@
           <a:schemeClr val="accent1"/>
         </a:buClr>
         <a:buSzPct val="85000"/>
-        <a:buFont typeface="Arial" pitchFamily="34" charset="0"/>
+        <a:buFont typeface="Arial" panose="02080604020202020204" pitchFamily="34" charset="0"/>
         <a:buChar char="•"/>
         <a:defRPr sz="2400" kern="1200">
           <a:solidFill>
@@ -3196,7 +3608,7 @@
           <a:schemeClr val="accent1"/>
         </a:buClr>
         <a:buSzPct val="85000"/>
-        <a:buFont typeface="Arial" pitchFamily="34" charset="0"/>
+        <a:buFont typeface="Arial" panose="02080604020202020204" pitchFamily="34" charset="0"/>
         <a:buChar char="•"/>
         <a:defRPr sz="2000" kern="1200">
           <a:solidFill>
@@ -3215,7 +3627,7 @@
           <a:schemeClr val="accent1"/>
         </a:buClr>
         <a:buSzPct val="90000"/>
-        <a:buFont typeface="Arial" pitchFamily="34" charset="0"/>
+        <a:buFont typeface="Arial" panose="02080604020202020204" pitchFamily="34" charset="0"/>
         <a:buChar char="•"/>
         <a:defRPr sz="1800" kern="1200">
           <a:solidFill>
@@ -3233,7 +3645,7 @@
         <a:buClr>
           <a:schemeClr val="accent1"/>
         </a:buClr>
-        <a:buFont typeface="Arial" pitchFamily="34" charset="0"/>
+        <a:buFont typeface="Arial" panose="02080604020202020204" pitchFamily="34" charset="0"/>
         <a:buChar char="•"/>
         <a:defRPr sz="1600" kern="1200">
           <a:solidFill>
@@ -3252,7 +3664,7 @@
           <a:schemeClr val="accent1"/>
         </a:buClr>
         <a:buSzPct val="100000"/>
-        <a:buFont typeface="Arial" pitchFamily="34" charset="0"/>
+        <a:buFont typeface="Arial" panose="02080604020202020204" pitchFamily="34" charset="0"/>
         <a:buChar char="•"/>
         <a:defRPr sz="1400" kern="1200" baseline="0">
           <a:solidFill>
@@ -3270,7 +3682,7 @@
         <a:buClr>
           <a:schemeClr val="accent1"/>
         </a:buClr>
-        <a:buFont typeface="Arial" pitchFamily="34" charset="0"/>
+        <a:buFont typeface="Arial" panose="02080604020202020204" pitchFamily="34" charset="0"/>
         <a:buChar char="•"/>
         <a:defRPr sz="1300" kern="1200">
           <a:solidFill>
@@ -3288,7 +3700,7 @@
         <a:buClr>
           <a:schemeClr val="accent1"/>
         </a:buClr>
-        <a:buFont typeface="Arial" pitchFamily="34" charset="0"/>
+        <a:buFont typeface="Arial" panose="02080604020202020204" pitchFamily="34" charset="0"/>
         <a:buChar char="•"/>
         <a:defRPr sz="1300" kern="1200">
           <a:solidFill>
@@ -3306,7 +3718,7 @@
         <a:buClr>
           <a:schemeClr val="accent1"/>
         </a:buClr>
-        <a:buFont typeface="Arial" pitchFamily="34" charset="0"/>
+        <a:buFont typeface="Arial" panose="02080604020202020204" pitchFamily="34" charset="0"/>
         <a:buChar char="•"/>
         <a:defRPr sz="1300" kern="1200">
           <a:solidFill>
@@ -3324,7 +3736,7 @@
         <a:buClr>
           <a:schemeClr val="accent1"/>
         </a:buClr>
-        <a:buFont typeface="Arial" pitchFamily="34" charset="0"/>
+        <a:buFont typeface="Arial" panose="02080604020202020204" pitchFamily="34" charset="0"/>
         <a:buChar char="•"/>
         <a:defRPr sz="1300" kern="1200">
           <a:solidFill>
@@ -3511,11 +3923,6 @@
         </p:txBody>
       </p:sp>
     </p:spTree>
-    <p:extLst>
-      <p:ext uri="{BB962C8B-B14F-4D97-AF65-F5344CB8AC3E}">
-        <p14:creationId xmlns:p14="http://schemas.microsoft.com/office/powerpoint/2010/main" val="3157969884"/>
-      </p:ext>
-    </p:extLst>
   </p:cSld>
   <p:clrMapOvr>
     <a:masterClrMapping/>
@@ -3557,40 +3964,353 @@
             <p:ph type="title"/>
           </p:nvPr>
         </p:nvSpPr>
-        <p:spPr>
-          <a:xfrm>
-            <a:off x="467544" y="2276872"/>
-            <a:ext cx="8229600" cy="990600"/>
-          </a:xfrm>
-        </p:spPr>
-        <p:txBody>
-          <a:bodyPr>
-            <a:normAutofit fontScale="90000"/>
-          </a:bodyPr>
-          <a:lstStyle/>
-          <a:p>
-            <a:r>
-              <a:rPr lang="zh-CN" altLang="en-US" dirty="0" smtClean="0"/>
-              <a:t>看一下用户程序是如何调用一个</a:t>
-            </a:r>
-            <a:r>
-              <a:rPr lang="zh-CN" altLang="en-US" dirty="0"/>
+        <p:spPr/>
+        <p:txBody>
+          <a:bodyPr/>
+          <a:lstStyle/>
+          <a:p>
+            <a:r>
+              <a:rPr lang="en-US" altLang="zh-CN" dirty="0" smtClean="0">
+                <a:latin typeface="微软雅黑" pitchFamily="34" charset="-122"/>
+                <a:ea typeface="微软雅黑" pitchFamily="34" charset="-122"/>
+              </a:rPr>
+              <a:t>main (</a:t>
+            </a:r>
+            <a:r>
+              <a:rPr lang="en-US" altLang="zh-CN" dirty="0" err="1" smtClean="0">
+                <a:latin typeface="微软雅黑" pitchFamily="34" charset="-122"/>
+                <a:ea typeface="微软雅黑" pitchFamily="34" charset="-122"/>
+              </a:rPr>
+              <a:t>int</a:t>
+            </a:r>
+            <a:r>
+              <a:rPr lang="en-US" altLang="zh-CN" dirty="0" smtClean="0">
+                <a:latin typeface="微软雅黑" pitchFamily="34" charset="-122"/>
+                <a:ea typeface="微软雅黑" pitchFamily="34" charset="-122"/>
+              </a:rPr>
+              <a:t> </a:t>
+            </a:r>
+            <a:r>
+              <a:rPr lang="en-US" altLang="zh-CN" dirty="0" err="1" smtClean="0">
+                <a:latin typeface="微软雅黑" pitchFamily="34" charset="-122"/>
+                <a:ea typeface="微软雅黑" pitchFamily="34" charset="-122"/>
+              </a:rPr>
+              <a:t>argc</a:t>
+            </a:r>
+            <a:r>
+              <a:rPr lang="en-US" altLang="zh-CN" dirty="0" smtClean="0">
+                <a:latin typeface="微软雅黑" pitchFamily="34" charset="-122"/>
+                <a:ea typeface="微软雅黑" pitchFamily="34" charset="-122"/>
+              </a:rPr>
+              <a:t>, char** </a:t>
+            </a:r>
+            <a:r>
+              <a:rPr lang="en-US" altLang="zh-CN" dirty="0" err="1" smtClean="0">
+                <a:latin typeface="微软雅黑" pitchFamily="34" charset="-122"/>
+                <a:ea typeface="微软雅黑" pitchFamily="34" charset="-122"/>
+              </a:rPr>
+              <a:t>argv</a:t>
+            </a:r>
+            <a:r>
+              <a:rPr lang="en-US" altLang="zh-CN" dirty="0" smtClean="0">
+                <a:latin typeface="微软雅黑" pitchFamily="34" charset="-122"/>
+                <a:ea typeface="微软雅黑" pitchFamily="34" charset="-122"/>
+              </a:rPr>
+              <a:t>)</a:t>
+            </a:r>
+            <a:endParaRPr lang="zh-CN" altLang="en-US" dirty="0">
+              <a:latin typeface="微软雅黑" pitchFamily="34" charset="-122"/>
+              <a:ea typeface="微软雅黑" pitchFamily="34" charset="-122"/>
+            </a:endParaRPr>
+          </a:p>
+        </p:txBody>
+      </p:sp>
+      <p:sp>
+        <p:nvSpPr>
+          <p:cNvPr id="3" name="内容占位符 2"/>
+          <p:cNvSpPr>
+            <a:spLocks noGrp="1"/>
+          </p:cNvSpPr>
+          <p:nvPr>
+            <p:ph idx="1"/>
+          </p:nvPr>
+        </p:nvSpPr>
+        <p:spPr/>
+        <p:txBody>
+          <a:bodyPr/>
+          <a:lstStyle/>
+          <a:p>
+            <a:r>
+              <a:rPr lang="zh-CN" altLang="en-US" dirty="0" smtClean="0">
+                <a:latin typeface="微软雅黑" pitchFamily="34" charset="-122"/>
+                <a:ea typeface="微软雅黑" pitchFamily="34" charset="-122"/>
+              </a:rPr>
+              <a:t>这个程序至少需要两个东西才能运行：</a:t>
+            </a:r>
+            <a:endParaRPr lang="en-US" altLang="zh-CN" dirty="0" smtClean="0">
+              <a:latin typeface="微软雅黑" pitchFamily="34" charset="-122"/>
+              <a:ea typeface="微软雅黑" pitchFamily="34" charset="-122"/>
+            </a:endParaRPr>
+          </a:p>
+          <a:p>
+            <a:r>
+              <a:rPr lang="en-US" altLang="zh-CN" dirty="0" smtClean="0">
+                <a:latin typeface="微软雅黑" pitchFamily="34" charset="-122"/>
+                <a:ea typeface="微软雅黑" pitchFamily="34" charset="-122"/>
+              </a:rPr>
+              <a:t>1. </a:t>
+            </a:r>
+            <a:r>
+              <a:rPr lang="zh-CN" altLang="en-US" dirty="0" smtClean="0">
+                <a:latin typeface="微软雅黑" pitchFamily="34" charset="-122"/>
+                <a:ea typeface="微软雅黑" pitchFamily="34" charset="-122"/>
+              </a:rPr>
+              <a:t>参数</a:t>
+            </a:r>
+            <a:r>
+              <a:rPr lang="en-US" altLang="zh-CN" dirty="0" err="1" smtClean="0">
+                <a:latin typeface="微软雅黑" pitchFamily="34" charset="-122"/>
+                <a:ea typeface="微软雅黑" pitchFamily="34" charset="-122"/>
+              </a:rPr>
+              <a:t>argc</a:t>
+            </a:r>
+            <a:r>
+              <a:rPr lang="en-US" altLang="zh-CN" dirty="0" smtClean="0">
+                <a:latin typeface="微软雅黑" pitchFamily="34" charset="-122"/>
+                <a:ea typeface="微软雅黑" pitchFamily="34" charset="-122"/>
+              </a:rPr>
+              <a:t> </a:t>
+            </a:r>
+            <a:r>
+              <a:rPr lang="zh-CN" altLang="en-US" dirty="0" smtClean="0">
+                <a:latin typeface="微软雅黑" pitchFamily="34" charset="-122"/>
+                <a:ea typeface="微软雅黑" pitchFamily="34" charset="-122"/>
+              </a:rPr>
+              <a:t>和 </a:t>
+            </a:r>
+            <a:r>
+              <a:rPr lang="en-US" altLang="zh-CN" dirty="0" err="1" smtClean="0">
+                <a:latin typeface="微软雅黑" pitchFamily="34" charset="-122"/>
+                <a:ea typeface="微软雅黑" pitchFamily="34" charset="-122"/>
+              </a:rPr>
+              <a:t>argv</a:t>
+            </a:r>
+            <a:endParaRPr lang="en-US" altLang="zh-CN" dirty="0" smtClean="0">
+              <a:latin typeface="微软雅黑" pitchFamily="34" charset="-122"/>
+              <a:ea typeface="微软雅黑" pitchFamily="34" charset="-122"/>
+            </a:endParaRPr>
+          </a:p>
+          <a:p>
+            <a:r>
+              <a:rPr lang="en-US" altLang="zh-CN" dirty="0">
+                <a:latin typeface="微软雅黑" pitchFamily="34" charset="-122"/>
+                <a:ea typeface="微软雅黑" pitchFamily="34" charset="-122"/>
+              </a:rPr>
+              <a:t> </a:t>
+            </a:r>
+            <a:r>
+              <a:rPr lang="en-US" altLang="zh-CN" dirty="0" smtClean="0">
+                <a:latin typeface="微软雅黑" pitchFamily="34" charset="-122"/>
+                <a:ea typeface="微软雅黑" pitchFamily="34" charset="-122"/>
+              </a:rPr>
+              <a:t>         </a:t>
+            </a:r>
+            <a:r>
+              <a:rPr lang="en-US" altLang="zh-CN" dirty="0" err="1" smtClean="0">
+                <a:latin typeface="微软雅黑" pitchFamily="34" charset="-122"/>
+                <a:ea typeface="微软雅黑" pitchFamily="34" charset="-122"/>
+              </a:rPr>
+              <a:t>argv</a:t>
+            </a:r>
+            <a:r>
+              <a:rPr lang="zh-CN" altLang="en-US" dirty="0" smtClean="0">
+                <a:latin typeface="微软雅黑" pitchFamily="34" charset="-122"/>
+                <a:ea typeface="微软雅黑" pitchFamily="34" charset="-122"/>
+              </a:rPr>
+              <a:t>是参数的字符串数组，</a:t>
+            </a:r>
+            <a:r>
+              <a:rPr lang="en-US" altLang="zh-CN" dirty="0" err="1" smtClean="0">
+                <a:latin typeface="微软雅黑" pitchFamily="34" charset="-122"/>
+                <a:ea typeface="微软雅黑" pitchFamily="34" charset="-122"/>
+              </a:rPr>
+              <a:t>argc</a:t>
+            </a:r>
+            <a:r>
+              <a:rPr lang="zh-CN" altLang="en-US" dirty="0" smtClean="0">
+                <a:latin typeface="微软雅黑" pitchFamily="34" charset="-122"/>
+                <a:ea typeface="微软雅黑" pitchFamily="34" charset="-122"/>
+              </a:rPr>
+              <a:t>是参数的个数</a:t>
+            </a:r>
+            <a:endParaRPr lang="en-US" altLang="zh-CN" dirty="0" smtClean="0">
+              <a:latin typeface="微软雅黑" pitchFamily="34" charset="-122"/>
+              <a:ea typeface="微软雅黑" pitchFamily="34" charset="-122"/>
+            </a:endParaRPr>
+          </a:p>
+          <a:p>
+            <a:r>
+              <a:rPr lang="en-US" altLang="zh-CN" dirty="0" smtClean="0">
+                <a:latin typeface="微软雅黑" pitchFamily="34" charset="-122"/>
+                <a:ea typeface="微软雅黑" pitchFamily="34" charset="-122"/>
+              </a:rPr>
+              <a:t>2. </a:t>
+            </a:r>
+            <a:r>
+              <a:rPr lang="zh-CN" altLang="en-US" dirty="0" smtClean="0">
+                <a:latin typeface="微软雅黑" pitchFamily="34" charset="-122"/>
+                <a:ea typeface="微软雅黑" pitchFamily="34" charset="-122"/>
+              </a:rPr>
+              <a:t>实现</a:t>
+            </a:r>
+            <a:r>
+              <a:rPr lang="en-US" altLang="zh-CN" dirty="0" err="1" smtClean="0">
+                <a:latin typeface="微软雅黑" pitchFamily="34" charset="-122"/>
+                <a:ea typeface="微软雅黑" pitchFamily="34" charset="-122"/>
+              </a:rPr>
+              <a:t>printf</a:t>
+            </a:r>
+            <a:r>
+              <a:rPr lang="en-US" altLang="zh-CN" dirty="0" smtClean="0">
+                <a:latin typeface="微软雅黑" pitchFamily="34" charset="-122"/>
+                <a:ea typeface="微软雅黑" pitchFamily="34" charset="-122"/>
+              </a:rPr>
+              <a:t>()</a:t>
+            </a:r>
+            <a:r>
+              <a:rPr lang="zh-CN" altLang="en-US" dirty="0" smtClean="0">
+                <a:latin typeface="微软雅黑" pitchFamily="34" charset="-122"/>
+                <a:ea typeface="微软雅黑" pitchFamily="34" charset="-122"/>
+              </a:rPr>
+              <a:t>。</a:t>
+            </a:r>
+            <a:endParaRPr lang="en-US" altLang="zh-CN" dirty="0" smtClean="0">
+              <a:latin typeface="微软雅黑" pitchFamily="34" charset="-122"/>
+              <a:ea typeface="微软雅黑" pitchFamily="34" charset="-122"/>
+            </a:endParaRPr>
+          </a:p>
+          <a:p>
+            <a:r>
+              <a:rPr lang="en-US" altLang="zh-CN" dirty="0">
+                <a:latin typeface="微软雅黑" pitchFamily="34" charset="-122"/>
+                <a:ea typeface="微软雅黑" pitchFamily="34" charset="-122"/>
+              </a:rPr>
+              <a:t> </a:t>
+            </a:r>
+            <a:r>
+              <a:rPr lang="en-US" altLang="zh-CN" dirty="0" smtClean="0">
+                <a:latin typeface="微软雅黑" pitchFamily="34" charset="-122"/>
+                <a:ea typeface="微软雅黑" pitchFamily="34" charset="-122"/>
+              </a:rPr>
+              <a:t>    </a:t>
+            </a:r>
+            <a:r>
+              <a:rPr lang="zh-CN" altLang="en-US" dirty="0" smtClean="0">
+                <a:latin typeface="微软雅黑" pitchFamily="34" charset="-122"/>
+                <a:ea typeface="微软雅黑" pitchFamily="34" charset="-122"/>
+              </a:rPr>
+              <a:t>完成</a:t>
+            </a:r>
+            <a:r>
+              <a:rPr lang="en-US" altLang="zh-CN" dirty="0" err="1" smtClean="0">
+                <a:latin typeface="微软雅黑" pitchFamily="34" charset="-122"/>
+                <a:ea typeface="微软雅黑" pitchFamily="34" charset="-122"/>
+              </a:rPr>
+              <a:t>printf</a:t>
+            </a:r>
+            <a:r>
+              <a:rPr lang="zh-CN" altLang="en-US" dirty="0" smtClean="0">
+                <a:latin typeface="微软雅黑" pitchFamily="34" charset="-122"/>
+                <a:ea typeface="微软雅黑" pitchFamily="34" charset="-122"/>
+              </a:rPr>
+              <a:t>的前提是</a:t>
+            </a:r>
+            <a:r>
+              <a:rPr lang="zh-CN" altLang="en-US" dirty="0" smtClean="0">
+                <a:solidFill>
+                  <a:srgbClr val="FF0000"/>
+                </a:solidFill>
+                <a:latin typeface="微软雅黑" pitchFamily="34" charset="-122"/>
+                <a:ea typeface="微软雅黑" pitchFamily="34" charset="-122"/>
+              </a:rPr>
               <a:t>系统调用</a:t>
             </a:r>
             <a:r>
-              <a:rPr lang="zh-CN" altLang="en-US" dirty="0" smtClean="0"/>
-              <a:t>的。</a:t>
-            </a:r>
-            <a:endParaRPr lang="zh-CN" altLang="en-US" dirty="0"/>
+              <a:rPr lang="zh-CN" altLang="en-US" dirty="0" smtClean="0">
+                <a:latin typeface="微软雅黑" pitchFamily="34" charset="-122"/>
+                <a:ea typeface="微软雅黑" pitchFamily="34" charset="-122"/>
+              </a:rPr>
+              <a:t>已经实现。因为</a:t>
+            </a:r>
+            <a:r>
+              <a:rPr lang="en-US" altLang="zh-CN" dirty="0" err="1" smtClean="0">
+                <a:latin typeface="微软雅黑" pitchFamily="34" charset="-122"/>
+                <a:ea typeface="微软雅黑" pitchFamily="34" charset="-122"/>
+              </a:rPr>
+              <a:t>printf</a:t>
+            </a:r>
+            <a:r>
+              <a:rPr lang="zh-CN" altLang="en-US" dirty="0" smtClean="0">
+                <a:latin typeface="微软雅黑" pitchFamily="34" charset="-122"/>
+                <a:ea typeface="微软雅黑" pitchFamily="34" charset="-122"/>
+              </a:rPr>
+              <a:t>涉及到</a:t>
+            </a:r>
+            <a:r>
+              <a:rPr lang="en-US" altLang="zh-CN" dirty="0" smtClean="0">
+                <a:latin typeface="微软雅黑" pitchFamily="34" charset="-122"/>
+                <a:ea typeface="微软雅黑" pitchFamily="34" charset="-122"/>
+              </a:rPr>
+              <a:t>I/O</a:t>
+            </a:r>
+            <a:r>
+              <a:rPr lang="zh-CN" altLang="en-US" dirty="0" smtClean="0">
+                <a:latin typeface="微软雅黑" pitchFamily="34" charset="-122"/>
+                <a:ea typeface="微软雅黑" pitchFamily="34" charset="-122"/>
+              </a:rPr>
+              <a:t>。</a:t>
+            </a:r>
+            <a:endParaRPr lang="en-US" altLang="zh-CN" dirty="0" smtClean="0">
+              <a:latin typeface="微软雅黑" pitchFamily="34" charset="-122"/>
+              <a:ea typeface="微软雅黑" pitchFamily="34" charset="-122"/>
+            </a:endParaRPr>
+          </a:p>
+          <a:p>
+            <a:endParaRPr lang="en-US" altLang="zh-CN" dirty="0">
+              <a:latin typeface="微软雅黑" pitchFamily="34" charset="-122"/>
+              <a:ea typeface="微软雅黑" pitchFamily="34" charset="-122"/>
+            </a:endParaRPr>
+          </a:p>
+          <a:p>
+            <a:r>
+              <a:rPr lang="zh-CN" altLang="en-US" dirty="0" smtClean="0">
+                <a:latin typeface="微软雅黑" pitchFamily="34" charset="-122"/>
+                <a:ea typeface="微软雅黑" pitchFamily="34" charset="-122"/>
+              </a:rPr>
+              <a:t>以上两个功能也是</a:t>
+            </a:r>
+            <a:r>
+              <a:rPr lang="en-US" altLang="zh-CN" dirty="0" smtClean="0">
+                <a:latin typeface="微软雅黑" pitchFamily="34" charset="-122"/>
+                <a:ea typeface="微软雅黑" pitchFamily="34" charset="-122"/>
+              </a:rPr>
+              <a:t>project2</a:t>
+            </a:r>
+            <a:r>
+              <a:rPr lang="zh-CN" altLang="en-US" dirty="0" smtClean="0">
+                <a:latin typeface="微软雅黑" pitchFamily="34" charset="-122"/>
+                <a:ea typeface="微软雅黑" pitchFamily="34" charset="-122"/>
+              </a:rPr>
+              <a:t>的核心要求。</a:t>
+            </a:r>
+            <a:endParaRPr lang="zh-CN" altLang="en-US" dirty="0">
+              <a:latin typeface="微软雅黑" pitchFamily="34" charset="-122"/>
+              <a:ea typeface="微软雅黑" pitchFamily="34" charset="-122"/>
+            </a:endParaRPr>
           </a:p>
         </p:txBody>
       </p:sp>
     </p:spTree>
-    <p:extLst>
-      <p:ext uri="{BB962C8B-B14F-4D97-AF65-F5344CB8AC3E}">
-        <p14:creationId xmlns:p14="http://schemas.microsoft.com/office/powerpoint/2010/main" val="3117434556"/>
-      </p:ext>
-    </p:extLst>
   </p:cSld>
   <p:clrMapOvr>
     <a:masterClrMapping/>
@@ -3632,6 +4352,76 @@
             <p:ph type="title"/>
           </p:nvPr>
         </p:nvSpPr>
+        <p:spPr>
+          <a:xfrm>
+            <a:off x="467544" y="2276872"/>
+            <a:ext cx="8229600" cy="990600"/>
+          </a:xfrm>
+        </p:spPr>
+        <p:txBody>
+          <a:bodyPr>
+            <a:normAutofit fontScale="90000"/>
+          </a:bodyPr>
+          <a:lstStyle/>
+          <a:p>
+            <a:r>
+              <a:rPr lang="zh-CN" altLang="en-US" dirty="0" smtClean="0"/>
+              <a:t>看一下用户程序是如何调用一个</a:t>
+            </a:r>
+            <a:r>
+              <a:rPr lang="zh-CN" altLang="en-US" dirty="0"/>
+              <a:t>系统调用</a:t>
+            </a:r>
+            <a:r>
+              <a:rPr lang="zh-CN" altLang="en-US" dirty="0" smtClean="0"/>
+              <a:t>的。</a:t>
+            </a:r>
+            <a:endParaRPr lang="zh-CN" altLang="en-US" dirty="0"/>
+          </a:p>
+        </p:txBody>
+      </p:sp>
+    </p:spTree>
+  </p:cSld>
+  <p:clrMapOvr>
+    <a:masterClrMapping/>
+  </p:clrMapOvr>
+  <p:timing>
+    <p:tnLst>
+      <p:par>
+        <p:cTn id="1" dur="indefinite" restart="never" nodeType="tmRoot"/>
+      </p:par>
+    </p:tnLst>
+  </p:timing>
+</p:sld>
+</file>
+
+<file path=ppt/slides/slide12.xml><?xml version="1.0" encoding="utf-8"?>
+<p:sld xmlns:a="http://schemas.openxmlformats.org/drawingml/2006/main" xmlns:r="http://schemas.openxmlformats.org/officeDocument/2006/relationships" xmlns:p="http://schemas.openxmlformats.org/presentationml/2006/main">
+  <p:cSld>
+    <p:spTree>
+      <p:nvGrpSpPr>
+        <p:cNvPr id="1" name=""/>
+        <p:cNvGrpSpPr/>
+        <p:nvPr/>
+      </p:nvGrpSpPr>
+      <p:grpSpPr>
+        <a:xfrm>
+          <a:off x="0" y="0"/>
+          <a:ext cx="0" cy="0"/>
+          <a:chOff x="0" y="0"/>
+          <a:chExt cx="0" cy="0"/>
+        </a:xfrm>
+      </p:grpSpPr>
+      <p:sp>
+        <p:nvSpPr>
+          <p:cNvPr id="2" name="标题 1"/>
+          <p:cNvSpPr>
+            <a:spLocks noGrp="1"/>
+          </p:cNvSpPr>
+          <p:nvPr>
+            <p:ph type="title"/>
+          </p:nvPr>
+        </p:nvSpPr>
         <p:spPr/>
         <p:txBody>
           <a:bodyPr/>
@@ -3686,7 +4476,7 @@
           <p:nvPr/>
         </p:nvPicPr>
         <p:blipFill>
-          <a:blip r:embed="rId2">
+          <a:blip r:embed="rId1">
             <a:extLst>
               <a:ext uri="{28A0092B-C50C-407E-A947-70E740481C1C}">
                 <a14:useLocalDpi xmlns:a14="http://schemas.microsoft.com/office/drawing/2010/main" val="0"/>
@@ -3719,11 +4509,6 @@
         </p:spPr>
       </p:pic>
     </p:spTree>
-    <p:extLst>
-      <p:ext uri="{BB962C8B-B14F-4D97-AF65-F5344CB8AC3E}">
-        <p14:creationId xmlns:p14="http://schemas.microsoft.com/office/powerpoint/2010/main" val="1217357863"/>
-      </p:ext>
-    </p:extLst>
   </p:cSld>
   <p:clrMapOvr>
     <a:masterClrMapping/>
@@ -3738,7 +4523,7 @@
 </p:sld>
 </file>
 
-<file path=ppt/slides/slide12.xml><?xml version="1.0" encoding="utf-8"?>
+<file path=ppt/slides/slide13.xml><?xml version="1.0" encoding="utf-8"?>
 <p:sld xmlns:a="http://schemas.openxmlformats.org/drawingml/2006/main" xmlns:r="http://schemas.openxmlformats.org/officeDocument/2006/relationships" xmlns:p="http://schemas.openxmlformats.org/presentationml/2006/main">
   <p:cSld>
     <p:spTree>
@@ -3819,7 +4604,7 @@
           <p:nvPr/>
         </p:nvPicPr>
         <p:blipFill>
-          <a:blip r:embed="rId2">
+          <a:blip r:embed="rId1">
             <a:extLst>
               <a:ext uri="{28A0092B-C50C-407E-A947-70E740481C1C}">
                 <a14:useLocalDpi xmlns:a14="http://schemas.microsoft.com/office/drawing/2010/main" val="0"/>
@@ -3853,7 +4638,7 @@
       </p:pic>
       <mc:AlternateContent xmlns:mc="http://schemas.openxmlformats.org/markup-compatibility/2006" xmlns:p14="http://schemas.microsoft.com/office/powerpoint/2010/main">
         <mc:Choice Requires="p14">
-          <p:contentPart p14:bwMode="auto" r:id="rId3">
+          <p:contentPart r:id="rId2" p14:bwMode="auto">
             <p14:nvContentPartPr>
               <p14:cNvPr id="4" name="墨迹 3"/>
               <p14:cNvContentPartPr/>
@@ -3869,33 +4654,21 @@
           <p:pic>
             <p:nvPicPr>
               <p:cNvPr id="4" name="墨迹 3"/>
-              <p:cNvPicPr/>
-              <p:nvPr/>
             </p:nvPicPr>
             <p:blipFill>
-              <a:blip r:embed="rId4"/>
-              <a:stretch>
-                <a:fillRect/>
-              </a:stretch>
+              <a:blip r:embed="rId3"/>
             </p:blipFill>
             <p:spPr>
               <a:xfrm>
-                <a:off x="5699880" y="3231000"/>
-                <a:ext cx="1750680" cy="1467720"/>
+                <a:off x="5709240" y="3240360"/>
+                <a:ext cx="1731960" cy="1449000"/>
               </a:xfrm>
-              <a:prstGeom prst="rect">
-                <a:avLst/>
-              </a:prstGeom>
+              <a:prstGeom prst="rect"/>
             </p:spPr>
           </p:pic>
         </mc:Fallback>
       </mc:AlternateContent>
     </p:spTree>
-    <p:extLst>
-      <p:ext uri="{BB962C8B-B14F-4D97-AF65-F5344CB8AC3E}">
-        <p14:creationId xmlns:p14="http://schemas.microsoft.com/office/powerpoint/2010/main" val="4071849379"/>
-      </p:ext>
-    </p:extLst>
   </p:cSld>
   <p:clrMapOvr>
     <a:masterClrMapping/>
@@ -3910,7 +4683,7 @@
 </p:sld>
 </file>
 
-<file path=ppt/slides/slide13.xml><?xml version="1.0" encoding="utf-8"?>
+<file path=ppt/slides/slide14.xml><?xml version="1.0" encoding="utf-8"?>
 <p:sld xmlns:a="http://schemas.openxmlformats.org/drawingml/2006/main" xmlns:r="http://schemas.openxmlformats.org/officeDocument/2006/relationships" xmlns:p="http://schemas.openxmlformats.org/presentationml/2006/main">
   <p:cSld>
     <p:spTree>
@@ -4005,7 +4778,7 @@
           <p:nvPr/>
         </p:nvPicPr>
         <p:blipFill>
-          <a:blip r:embed="rId2">
+          <a:blip r:embed="rId1">
             <a:extLst>
               <a:ext uri="{28A0092B-C50C-407E-A947-70E740481C1C}">
                 <a14:useLocalDpi xmlns:a14="http://schemas.microsoft.com/office/drawing/2010/main" val="0"/>
@@ -4038,145 +4811,6 @@
         </p:spPr>
       </p:pic>
     </p:spTree>
-    <p:extLst>
-      <p:ext uri="{BB962C8B-B14F-4D97-AF65-F5344CB8AC3E}">
-        <p14:creationId xmlns:p14="http://schemas.microsoft.com/office/powerpoint/2010/main" val="1571102829"/>
-      </p:ext>
-    </p:extLst>
-  </p:cSld>
-  <p:clrMapOvr>
-    <a:masterClrMapping/>
-  </p:clrMapOvr>
-  <p:timing>
-    <p:tnLst>
-      <p:par>
-        <p:cTn id="1" dur="indefinite" restart="never" nodeType="tmRoot"/>
-      </p:par>
-    </p:tnLst>
-  </p:timing>
-</p:sld>
-</file>
-
-<file path=ppt/slides/slide14.xml><?xml version="1.0" encoding="utf-8"?>
-<p:sld xmlns:a="http://schemas.openxmlformats.org/drawingml/2006/main" xmlns:r="http://schemas.openxmlformats.org/officeDocument/2006/relationships" xmlns:p="http://schemas.openxmlformats.org/presentationml/2006/main">
-  <p:cSld>
-    <p:spTree>
-      <p:nvGrpSpPr>
-        <p:cNvPr id="1" name=""/>
-        <p:cNvGrpSpPr/>
-        <p:nvPr/>
-      </p:nvGrpSpPr>
-      <p:grpSpPr>
-        <a:xfrm>
-          <a:off x="0" y="0"/>
-          <a:ext cx="0" cy="0"/>
-          <a:chOff x="0" y="0"/>
-          <a:chExt cx="0" cy="0"/>
-        </a:xfrm>
-      </p:grpSpPr>
-      <p:sp>
-        <p:nvSpPr>
-          <p:cNvPr id="2" name="标题 1"/>
-          <p:cNvSpPr>
-            <a:spLocks noGrp="1"/>
-          </p:cNvSpPr>
-          <p:nvPr>
-            <p:ph type="title"/>
-          </p:nvPr>
-        </p:nvSpPr>
-        <p:spPr>
-          <a:xfrm>
-            <a:off x="467544" y="1916832"/>
-            <a:ext cx="8229600" cy="990600"/>
-          </a:xfrm>
-        </p:spPr>
-        <p:txBody>
-          <a:bodyPr>
-            <a:normAutofit fontScale="90000"/>
-          </a:bodyPr>
-          <a:lstStyle/>
-          <a:p>
-            <a:r>
-              <a:rPr lang="zh-CN" altLang="en-US" dirty="0">
-                <a:latin typeface="微软雅黑" pitchFamily="34" charset="-122"/>
-                <a:ea typeface="微软雅黑" pitchFamily="34" charset="-122"/>
-              </a:rPr>
-              <a:t>以上就是</a:t>
-            </a:r>
-            <a:r>
-              <a:rPr lang="en-US" altLang="zh-CN" dirty="0">
-                <a:latin typeface="微软雅黑" pitchFamily="34" charset="-122"/>
-                <a:ea typeface="微软雅黑" pitchFamily="34" charset="-122"/>
-              </a:rPr>
-              <a:t>pintos</a:t>
-            </a:r>
-            <a:r>
-              <a:rPr lang="zh-CN" altLang="en-US" dirty="0">
-                <a:latin typeface="微软雅黑" pitchFamily="34" charset="-122"/>
-                <a:ea typeface="微软雅黑" pitchFamily="34" charset="-122"/>
-              </a:rPr>
-              <a:t>中用户程序实现的框架。</a:t>
-            </a:r>
-            <a:r>
-              <a:rPr lang="en-US" altLang="zh-CN" dirty="0">
-                <a:latin typeface="微软雅黑" pitchFamily="34" charset="-122"/>
-                <a:ea typeface="微软雅黑" pitchFamily="34" charset="-122"/>
-              </a:rPr>
-              <a:t/>
-            </a:r>
-            <a:br>
-              <a:rPr lang="en-US" altLang="zh-CN" dirty="0">
-                <a:latin typeface="微软雅黑" pitchFamily="34" charset="-122"/>
-                <a:ea typeface="微软雅黑" pitchFamily="34" charset="-122"/>
-              </a:rPr>
-            </a:br>
-            <a:r>
-              <a:rPr lang="zh-CN" altLang="en-US" dirty="0">
-                <a:latin typeface="微软雅黑" pitchFamily="34" charset="-122"/>
-                <a:ea typeface="微软雅黑" pitchFamily="34" charset="-122"/>
-              </a:rPr>
-              <a:t>在了解了这些框架之后，我们又该往什么地方</a:t>
-            </a:r>
-            <a:r>
-              <a:rPr lang="zh-CN" altLang="en-US" dirty="0" smtClean="0">
-                <a:latin typeface="微软雅黑" pitchFamily="34" charset="-122"/>
-                <a:ea typeface="微软雅黑" pitchFamily="34" charset="-122"/>
-              </a:rPr>
-              <a:t>加入自己的代码</a:t>
-            </a:r>
-            <a:r>
-              <a:rPr lang="zh-CN" altLang="en-US" dirty="0">
-                <a:latin typeface="微软雅黑" pitchFamily="34" charset="-122"/>
-                <a:ea typeface="微软雅黑" pitchFamily="34" charset="-122"/>
-              </a:rPr>
-              <a:t>？</a:t>
-            </a:r>
-            <a:r>
-              <a:rPr lang="en-US" altLang="zh-CN" dirty="0">
-                <a:latin typeface="微软雅黑" pitchFamily="34" charset="-122"/>
-                <a:ea typeface="微软雅黑" pitchFamily="34" charset="-122"/>
-              </a:rPr>
-              <a:t/>
-            </a:r>
-            <a:br>
-              <a:rPr lang="en-US" altLang="zh-CN" dirty="0">
-                <a:latin typeface="微软雅黑" pitchFamily="34" charset="-122"/>
-                <a:ea typeface="微软雅黑" pitchFamily="34" charset="-122"/>
-              </a:rPr>
-            </a:br>
-            <a:endParaRPr lang="zh-CN" altLang="en-US" dirty="0">
-              <a:latin typeface="微软雅黑" pitchFamily="34" charset="-122"/>
-              <a:ea typeface="微软雅黑" pitchFamily="34" charset="-122"/>
-            </a:endParaRPr>
-          </a:p>
-        </p:txBody>
-      </p:sp>
-    </p:spTree>
-    <p:extLst>
-      <p:ext uri="{BB962C8B-B14F-4D97-AF65-F5344CB8AC3E}">
-        <p14:creationId xmlns:p14="http://schemas.microsoft.com/office/powerpoint/2010/main" val="211320802"/>
-      </p:ext>
-    </p:extLst>
   </p:cSld>
   <p:clrMapOvr>
     <a:masterClrMapping/>
@@ -4218,25 +4852,72 @@
             <p:ph type="title"/>
           </p:nvPr>
         </p:nvSpPr>
-        <p:spPr/>
-        <p:txBody>
-          <a:bodyPr/>
-          <a:lstStyle/>
-          <a:p>
-            <a:r>
-              <a:rPr lang="en-US" altLang="zh-CN" dirty="0" smtClean="0">
-                <a:latin typeface="微软雅黑" pitchFamily="34" charset="-122"/>
-                <a:ea typeface="微软雅黑" pitchFamily="34" charset="-122"/>
-              </a:rPr>
-              <a:t>1. </a:t>
+        <p:spPr>
+          <a:xfrm>
+            <a:off x="467544" y="1916832"/>
+            <a:ext cx="8229600" cy="990600"/>
+          </a:xfrm>
+        </p:spPr>
+        <p:txBody>
+          <a:bodyPr>
+            <a:normAutofit fontScale="90000"/>
+          </a:bodyPr>
+          <a:lstStyle/>
+          <a:p>
+            <a:r>
+              <a:rPr lang="zh-CN" altLang="en-US" dirty="0">
+                <a:latin typeface="微软雅黑" pitchFamily="34" charset="-122"/>
+                <a:ea typeface="微软雅黑" pitchFamily="34" charset="-122"/>
+              </a:rPr>
+              <a:t>以上就是</a:t>
+            </a:r>
+            <a:r>
+              <a:rPr lang="en-US" altLang="zh-CN" dirty="0">
+                <a:latin typeface="微软雅黑" pitchFamily="34" charset="-122"/>
+                <a:ea typeface="微软雅黑" pitchFamily="34" charset="-122"/>
+              </a:rPr>
+              <a:t>pintos</a:t>
+            </a:r>
+            <a:r>
+              <a:rPr lang="zh-CN" altLang="en-US" dirty="0">
+                <a:latin typeface="微软雅黑" pitchFamily="34" charset="-122"/>
+                <a:ea typeface="微软雅黑" pitchFamily="34" charset="-122"/>
+              </a:rPr>
+              <a:t>中用户程序实现的框架。</a:t>
+            </a:r>
+            <a:br>
+              <a:rPr lang="en-US" altLang="zh-CN" dirty="0">
+                <a:latin typeface="微软雅黑" pitchFamily="34" charset="-122"/>
+                <a:ea typeface="微软雅黑" pitchFamily="34" charset="-122"/>
+              </a:rPr>
+            </a:br>
+            <a:r>
+              <a:rPr lang="zh-CN" altLang="en-US" dirty="0">
+                <a:latin typeface="微软雅黑" pitchFamily="34" charset="-122"/>
+                <a:ea typeface="微软雅黑" pitchFamily="34" charset="-122"/>
+              </a:rPr>
+              <a:t>在了解了这些框架之后，我们又该往什么地方</a:t>
             </a:r>
             <a:r>
               <a:rPr lang="zh-CN" altLang="en-US" dirty="0" smtClean="0">
                 <a:latin typeface="微软雅黑" pitchFamily="34" charset="-122"/>
                 <a:ea typeface="微软雅黑" pitchFamily="34" charset="-122"/>
               </a:rPr>
-              <a:t>传参数</a:t>
-            </a:r>
+              <a:t>加入自己的代码</a:t>
+            </a:r>
+            <a:r>
+              <a:rPr lang="zh-CN" altLang="en-US" dirty="0">
+                <a:latin typeface="微软雅黑" pitchFamily="34" charset="-122"/>
+                <a:ea typeface="微软雅黑" pitchFamily="34" charset="-122"/>
+              </a:rPr>
+              <a:t>？</a:t>
+            </a:r>
+            <a:br>
+              <a:rPr lang="en-US" altLang="zh-CN" dirty="0">
+                <a:latin typeface="微软雅黑" pitchFamily="34" charset="-122"/>
+                <a:ea typeface="微软雅黑" pitchFamily="34" charset="-122"/>
+              </a:rPr>
+            </a:br>
             <a:endParaRPr lang="zh-CN" altLang="en-US" dirty="0">
               <a:latin typeface="微软雅黑" pitchFamily="34" charset="-122"/>
               <a:ea typeface="微软雅黑" pitchFamily="34" charset="-122"/>
@@ -4244,164 +4925,7 @@
           </a:p>
         </p:txBody>
       </p:sp>
-      <p:sp>
-        <p:nvSpPr>
-          <p:cNvPr id="3" name="内容占位符 2"/>
-          <p:cNvSpPr>
-            <a:spLocks noGrp="1"/>
-          </p:cNvSpPr>
-          <p:nvPr>
-            <p:ph idx="1"/>
-          </p:nvPr>
-        </p:nvSpPr>
-        <p:spPr/>
-        <p:txBody>
-          <a:bodyPr/>
-          <a:lstStyle/>
-          <a:p>
-            <a:r>
-              <a:rPr lang="zh-CN" altLang="en-US" dirty="0" smtClean="0">
-                <a:latin typeface="微软雅黑" pitchFamily="34" charset="-122"/>
-                <a:ea typeface="微软雅黑" pitchFamily="34" charset="-122"/>
-              </a:rPr>
-              <a:t>设计：</a:t>
-            </a:r>
-            <a:endParaRPr lang="en-US" altLang="zh-CN" dirty="0" smtClean="0">
-              <a:latin typeface="微软雅黑" pitchFamily="34" charset="-122"/>
-              <a:ea typeface="微软雅黑" pitchFamily="34" charset="-122"/>
-            </a:endParaRPr>
-          </a:p>
-          <a:p>
-            <a:r>
-              <a:rPr lang="en-US" altLang="zh-CN" dirty="0">
-                <a:latin typeface="微软雅黑" pitchFamily="34" charset="-122"/>
-                <a:ea typeface="微软雅黑" pitchFamily="34" charset="-122"/>
-              </a:rPr>
-              <a:t> </a:t>
-            </a:r>
-            <a:r>
-              <a:rPr lang="en-US" altLang="zh-CN" dirty="0" smtClean="0">
-                <a:latin typeface="微软雅黑" pitchFamily="34" charset="-122"/>
-                <a:ea typeface="微软雅黑" pitchFamily="34" charset="-122"/>
-              </a:rPr>
-              <a:t>      </a:t>
-            </a:r>
-            <a:r>
-              <a:rPr lang="zh-CN" altLang="en-US" dirty="0" smtClean="0">
-                <a:latin typeface="微软雅黑" pitchFamily="34" charset="-122"/>
-                <a:ea typeface="微软雅黑" pitchFamily="34" charset="-122"/>
-              </a:rPr>
-              <a:t>传参数，也可以理解为压栈。</a:t>
-            </a:r>
-            <a:endParaRPr lang="en-US" altLang="zh-CN" dirty="0" smtClean="0">
-              <a:latin typeface="微软雅黑" pitchFamily="34" charset="-122"/>
-              <a:ea typeface="微软雅黑" pitchFamily="34" charset="-122"/>
-            </a:endParaRPr>
-          </a:p>
-          <a:p>
-            <a:r>
-              <a:rPr lang="en-US" altLang="zh-CN" dirty="0">
-                <a:latin typeface="微软雅黑" pitchFamily="34" charset="-122"/>
-                <a:ea typeface="微软雅黑" pitchFamily="34" charset="-122"/>
-              </a:rPr>
-              <a:t> </a:t>
-            </a:r>
-            <a:r>
-              <a:rPr lang="en-US" altLang="zh-CN" dirty="0" smtClean="0">
-                <a:latin typeface="微软雅黑" pitchFamily="34" charset="-122"/>
-                <a:ea typeface="微软雅黑" pitchFamily="34" charset="-122"/>
-              </a:rPr>
-              <a:t>      1. </a:t>
-            </a:r>
-            <a:r>
-              <a:rPr lang="zh-CN" altLang="en-US" dirty="0" smtClean="0">
-                <a:latin typeface="微软雅黑" pitchFamily="34" charset="-122"/>
-                <a:ea typeface="微软雅黑" pitchFamily="34" charset="-122"/>
-              </a:rPr>
-              <a:t>必须用户线程被创建以及初始化完毕之后（因为这样才有栈的存在）。</a:t>
-            </a:r>
-            <a:endParaRPr lang="en-US" altLang="zh-CN" dirty="0" smtClean="0">
-              <a:latin typeface="微软雅黑" pitchFamily="34" charset="-122"/>
-              <a:ea typeface="微软雅黑" pitchFamily="34" charset="-122"/>
-            </a:endParaRPr>
-          </a:p>
-          <a:p>
-            <a:r>
-              <a:rPr lang="en-US" altLang="zh-CN" dirty="0">
-                <a:latin typeface="微软雅黑" pitchFamily="34" charset="-122"/>
-                <a:ea typeface="微软雅黑" pitchFamily="34" charset="-122"/>
-              </a:rPr>
-              <a:t> </a:t>
-            </a:r>
-            <a:r>
-              <a:rPr lang="en-US" altLang="zh-CN" dirty="0" smtClean="0">
-                <a:latin typeface="微软雅黑" pitchFamily="34" charset="-122"/>
-                <a:ea typeface="微软雅黑" pitchFamily="34" charset="-122"/>
-              </a:rPr>
-              <a:t>      2. </a:t>
-            </a:r>
-            <a:r>
-              <a:rPr lang="zh-CN" altLang="en-US" dirty="0" smtClean="0">
-                <a:latin typeface="微软雅黑" pitchFamily="34" charset="-122"/>
-                <a:ea typeface="微软雅黑" pitchFamily="34" charset="-122"/>
-              </a:rPr>
-              <a:t>也必须在用户</a:t>
-            </a:r>
-            <a:r>
-              <a:rPr lang="en-US" altLang="zh-CN" dirty="0" smtClean="0">
-                <a:latin typeface="微软雅黑" pitchFamily="34" charset="-122"/>
-                <a:ea typeface="微软雅黑" pitchFamily="34" charset="-122"/>
-              </a:rPr>
-              <a:t>main</a:t>
-            </a:r>
-            <a:r>
-              <a:rPr lang="zh-CN" altLang="en-US" dirty="0" smtClean="0">
-                <a:latin typeface="微软雅黑" pitchFamily="34" charset="-122"/>
-                <a:ea typeface="微软雅黑" pitchFamily="34" charset="-122"/>
-              </a:rPr>
-              <a:t>函数被执行之前</a:t>
-            </a:r>
-            <a:r>
-              <a:rPr lang="en-US" altLang="zh-CN" dirty="0" smtClean="0">
-                <a:latin typeface="微软雅黑" pitchFamily="34" charset="-122"/>
-                <a:ea typeface="微软雅黑" pitchFamily="34" charset="-122"/>
-              </a:rPr>
-              <a:t>,</a:t>
-            </a:r>
-            <a:r>
-              <a:rPr lang="zh-CN" altLang="en-US" dirty="0" smtClean="0">
-                <a:latin typeface="微软雅黑" pitchFamily="34" charset="-122"/>
-                <a:ea typeface="微软雅黑" pitchFamily="34" charset="-122"/>
-              </a:rPr>
-              <a:t>完成</a:t>
-            </a:r>
-            <a:r>
-              <a:rPr lang="zh-CN" altLang="en-US" dirty="0">
-                <a:latin typeface="微软雅黑" pitchFamily="34" charset="-122"/>
-                <a:ea typeface="微软雅黑" pitchFamily="34" charset="-122"/>
-              </a:rPr>
-              <a:t>对应</a:t>
-            </a:r>
-            <a:r>
-              <a:rPr lang="zh-CN" altLang="en-US" dirty="0" smtClean="0">
-                <a:latin typeface="微软雅黑" pitchFamily="34" charset="-122"/>
-                <a:ea typeface="微软雅黑" pitchFamily="34" charset="-122"/>
-              </a:rPr>
-              <a:t>参数的传递。</a:t>
-            </a:r>
-            <a:endParaRPr lang="en-US" altLang="zh-CN" dirty="0" smtClean="0">
-              <a:latin typeface="微软雅黑" pitchFamily="34" charset="-122"/>
-              <a:ea typeface="微软雅黑" pitchFamily="34" charset="-122"/>
-            </a:endParaRPr>
-          </a:p>
-        </p:txBody>
-      </p:sp>
     </p:spTree>
-    <p:extLst>
-      <p:ext uri="{BB962C8B-B14F-4D97-AF65-F5344CB8AC3E}">
-        <p14:creationId xmlns:p14="http://schemas.microsoft.com/office/powerpoint/2010/main" val="2591852526"/>
-      </p:ext>
-    </p:extLst>
   </p:cSld>
   <p:clrMapOvr>
     <a:masterClrMapping/>
@@ -4448,6 +4972,226 @@
           <a:bodyPr/>
           <a:lstStyle/>
           <a:p>
+            <a:r>
+              <a:rPr lang="en-US" altLang="zh-CN" dirty="0" smtClean="0">
+                <a:latin typeface="微软雅黑" pitchFamily="34" charset="-122"/>
+                <a:ea typeface="微软雅黑" pitchFamily="34" charset="-122"/>
+              </a:rPr>
+              <a:t>1. </a:t>
+            </a:r>
+            <a:r>
+              <a:rPr lang="zh-CN" altLang="en-US" dirty="0" smtClean="0">
+                <a:latin typeface="微软雅黑" pitchFamily="34" charset="-122"/>
+                <a:ea typeface="微软雅黑" pitchFamily="34" charset="-122"/>
+              </a:rPr>
+              <a:t>传参数</a:t>
+            </a:r>
+            <a:endParaRPr lang="zh-CN" altLang="en-US" dirty="0">
+              <a:latin typeface="微软雅黑" pitchFamily="34" charset="-122"/>
+              <a:ea typeface="微软雅黑" pitchFamily="34" charset="-122"/>
+            </a:endParaRPr>
+          </a:p>
+        </p:txBody>
+      </p:sp>
+      <p:sp>
+        <p:nvSpPr>
+          <p:cNvPr id="3" name="内容占位符 2"/>
+          <p:cNvSpPr>
+            <a:spLocks noGrp="1"/>
+          </p:cNvSpPr>
+          <p:nvPr>
+            <p:ph idx="1"/>
+          </p:nvPr>
+        </p:nvSpPr>
+        <p:spPr/>
+        <p:txBody>
+          <a:bodyPr/>
+          <a:lstStyle/>
+          <a:p>
+            <a:r>
+              <a:rPr lang="zh-CN" altLang="en-US" dirty="0" smtClean="0">
+                <a:latin typeface="微软雅黑" pitchFamily="34" charset="-122"/>
+                <a:ea typeface="微软雅黑" pitchFamily="34" charset="-122"/>
+              </a:rPr>
+              <a:t>设计：</a:t>
+            </a:r>
+            <a:endParaRPr lang="en-US" altLang="zh-CN" dirty="0" smtClean="0">
+              <a:latin typeface="微软雅黑" pitchFamily="34" charset="-122"/>
+              <a:ea typeface="微软雅黑" pitchFamily="34" charset="-122"/>
+            </a:endParaRPr>
+          </a:p>
+          <a:p>
+            <a:r>
+              <a:rPr lang="en-US" altLang="zh-CN" dirty="0">
+                <a:latin typeface="微软雅黑" pitchFamily="34" charset="-122"/>
+                <a:ea typeface="微软雅黑" pitchFamily="34" charset="-122"/>
+              </a:rPr>
+              <a:t> </a:t>
+            </a:r>
+            <a:r>
+              <a:rPr lang="en-US" altLang="zh-CN" dirty="0" smtClean="0">
+                <a:latin typeface="微软雅黑" pitchFamily="34" charset="-122"/>
+                <a:ea typeface="微软雅黑" pitchFamily="34" charset="-122"/>
+              </a:rPr>
+              <a:t>      </a:t>
+            </a:r>
+            <a:r>
+              <a:rPr lang="zh-CN" altLang="en-US" dirty="0" smtClean="0">
+                <a:latin typeface="微软雅黑" pitchFamily="34" charset="-122"/>
+                <a:ea typeface="微软雅黑" pitchFamily="34" charset="-122"/>
+              </a:rPr>
+              <a:t>传参数，也可以理解为压栈。</a:t>
+            </a:r>
+            <a:endParaRPr lang="en-US" altLang="zh-CN" dirty="0" smtClean="0">
+              <a:latin typeface="微软雅黑" pitchFamily="34" charset="-122"/>
+              <a:ea typeface="微软雅黑" pitchFamily="34" charset="-122"/>
+            </a:endParaRPr>
+          </a:p>
+          <a:p>
+            <a:r>
+              <a:rPr lang="en-US" altLang="zh-CN" dirty="0">
+                <a:latin typeface="微软雅黑" pitchFamily="34" charset="-122"/>
+                <a:ea typeface="微软雅黑" pitchFamily="34" charset="-122"/>
+              </a:rPr>
+              <a:t> </a:t>
+            </a:r>
+            <a:r>
+              <a:rPr lang="en-US" altLang="zh-CN" dirty="0" smtClean="0">
+                <a:latin typeface="微软雅黑" pitchFamily="34" charset="-122"/>
+                <a:ea typeface="微软雅黑" pitchFamily="34" charset="-122"/>
+              </a:rPr>
+              <a:t>      1. </a:t>
+            </a:r>
+            <a:r>
+              <a:rPr lang="zh-CN" altLang="en-US" dirty="0" smtClean="0">
+                <a:latin typeface="微软雅黑" pitchFamily="34" charset="-122"/>
+                <a:ea typeface="微软雅黑" pitchFamily="34" charset="-122"/>
+              </a:rPr>
+              <a:t>必须用户线程被创建以及初始化完毕之后（因为这样才有栈的存在）。</a:t>
+            </a:r>
+            <a:endParaRPr lang="en-US" altLang="zh-CN" dirty="0" smtClean="0">
+              <a:latin typeface="微软雅黑" pitchFamily="34" charset="-122"/>
+              <a:ea typeface="微软雅黑" pitchFamily="34" charset="-122"/>
+            </a:endParaRPr>
+          </a:p>
+          <a:p>
+            <a:r>
+              <a:rPr lang="en-US" altLang="zh-CN" dirty="0">
+                <a:latin typeface="微软雅黑" pitchFamily="34" charset="-122"/>
+                <a:ea typeface="微软雅黑" pitchFamily="34" charset="-122"/>
+              </a:rPr>
+              <a:t> </a:t>
+            </a:r>
+            <a:r>
+              <a:rPr lang="en-US" altLang="zh-CN" dirty="0" smtClean="0">
+                <a:latin typeface="微软雅黑" pitchFamily="34" charset="-122"/>
+                <a:ea typeface="微软雅黑" pitchFamily="34" charset="-122"/>
+              </a:rPr>
+              <a:t>      2. </a:t>
+            </a:r>
+            <a:r>
+              <a:rPr lang="zh-CN" altLang="en-US" dirty="0" smtClean="0">
+                <a:latin typeface="微软雅黑" pitchFamily="34" charset="-122"/>
+                <a:ea typeface="微软雅黑" pitchFamily="34" charset="-122"/>
+              </a:rPr>
+              <a:t>也必须在用户</a:t>
+            </a:r>
+            <a:r>
+              <a:rPr lang="en-US" altLang="zh-CN" dirty="0" smtClean="0">
+                <a:latin typeface="微软雅黑" pitchFamily="34" charset="-122"/>
+                <a:ea typeface="微软雅黑" pitchFamily="34" charset="-122"/>
+              </a:rPr>
+              <a:t>main</a:t>
+            </a:r>
+            <a:r>
+              <a:rPr lang="zh-CN" altLang="en-US" dirty="0" smtClean="0">
+                <a:latin typeface="微软雅黑" pitchFamily="34" charset="-122"/>
+                <a:ea typeface="微软雅黑" pitchFamily="34" charset="-122"/>
+              </a:rPr>
+              <a:t>函数被执行之前</a:t>
+            </a:r>
+            <a:r>
+              <a:rPr lang="en-US" altLang="zh-CN" dirty="0" smtClean="0">
+                <a:latin typeface="微软雅黑" pitchFamily="34" charset="-122"/>
+                <a:ea typeface="微软雅黑" pitchFamily="34" charset="-122"/>
+              </a:rPr>
+              <a:t>,</a:t>
+            </a:r>
+            <a:r>
+              <a:rPr lang="zh-CN" altLang="en-US" dirty="0" smtClean="0">
+                <a:latin typeface="微软雅黑" pitchFamily="34" charset="-122"/>
+                <a:ea typeface="微软雅黑" pitchFamily="34" charset="-122"/>
+              </a:rPr>
+              <a:t>完成</a:t>
+            </a:r>
+            <a:r>
+              <a:rPr lang="zh-CN" altLang="en-US" dirty="0">
+                <a:latin typeface="微软雅黑" pitchFamily="34" charset="-122"/>
+                <a:ea typeface="微软雅黑" pitchFamily="34" charset="-122"/>
+              </a:rPr>
+              <a:t>对应</a:t>
+            </a:r>
+            <a:r>
+              <a:rPr lang="zh-CN" altLang="en-US" dirty="0" smtClean="0">
+                <a:latin typeface="微软雅黑" pitchFamily="34" charset="-122"/>
+                <a:ea typeface="微软雅黑" pitchFamily="34" charset="-122"/>
+              </a:rPr>
+              <a:t>参数的传递。</a:t>
+            </a:r>
+            <a:endParaRPr lang="en-US" altLang="zh-CN" dirty="0" smtClean="0">
+              <a:latin typeface="微软雅黑" pitchFamily="34" charset="-122"/>
+              <a:ea typeface="微软雅黑" pitchFamily="34" charset="-122"/>
+            </a:endParaRPr>
+          </a:p>
+        </p:txBody>
+      </p:sp>
+    </p:spTree>
+  </p:cSld>
+  <p:clrMapOvr>
+    <a:masterClrMapping/>
+  </p:clrMapOvr>
+  <p:timing>
+    <p:tnLst>
+      <p:par>
+        <p:cTn id="1" dur="indefinite" restart="never" nodeType="tmRoot"/>
+      </p:par>
+    </p:tnLst>
+  </p:timing>
+</p:sld>
+</file>
+
+<file path=ppt/slides/slide17.xml><?xml version="1.0" encoding="utf-8"?>
+<p:sld xmlns:a="http://schemas.openxmlformats.org/drawingml/2006/main" xmlns:r="http://schemas.openxmlformats.org/officeDocument/2006/relationships" xmlns:p="http://schemas.openxmlformats.org/presentationml/2006/main">
+  <p:cSld>
+    <p:spTree>
+      <p:nvGrpSpPr>
+        <p:cNvPr id="1" name=""/>
+        <p:cNvGrpSpPr/>
+        <p:nvPr/>
+      </p:nvGrpSpPr>
+      <p:grpSpPr>
+        <a:xfrm>
+          <a:off x="0" y="0"/>
+          <a:ext cx="0" cy="0"/>
+          <a:chOff x="0" y="0"/>
+          <a:chExt cx="0" cy="0"/>
+        </a:xfrm>
+      </p:grpSpPr>
+      <p:sp>
+        <p:nvSpPr>
+          <p:cNvPr id="2" name="标题 1"/>
+          <p:cNvSpPr>
+            <a:spLocks noGrp="1"/>
+          </p:cNvSpPr>
+          <p:nvPr>
+            <p:ph type="title"/>
+          </p:nvPr>
+        </p:nvSpPr>
+        <p:spPr/>
+        <p:txBody>
+          <a:bodyPr/>
+          <a:lstStyle/>
+          <a:p>
             <a:endParaRPr lang="zh-CN" altLang="en-US" dirty="0">
               <a:latin typeface="微软雅黑" pitchFamily="34" charset="-122"/>
               <a:ea typeface="微软雅黑" pitchFamily="34" charset="-122"/>
@@ -4483,7 +5227,7 @@
           <p:nvPr/>
         </p:nvPicPr>
         <p:blipFill>
-          <a:blip r:embed="rId2">
+          <a:blip r:embed="rId1">
             <a:extLst>
               <a:ext uri="{28A0092B-C50C-407E-A947-70E740481C1C}">
                 <a14:useLocalDpi xmlns:a14="http://schemas.microsoft.com/office/drawing/2010/main" val="0"/>
@@ -4539,11 +5283,6 @@
         </p:spPr>
       </p:pic>
     </p:spTree>
-    <p:extLst>
-      <p:ext uri="{BB962C8B-B14F-4D97-AF65-F5344CB8AC3E}">
-        <p14:creationId xmlns:p14="http://schemas.microsoft.com/office/powerpoint/2010/main" val="3535520977"/>
-      </p:ext>
-    </p:extLst>
   </p:cSld>
   <p:clrMapOvr>
     <a:masterClrMapping/>
@@ -4558,7 +5297,7 @@
 </p:sld>
 </file>
 
-<file path=ppt/slides/slide17.xml><?xml version="1.0" encoding="utf-8"?>
+<file path=ppt/slides/slide18.xml><?xml version="1.0" encoding="utf-8"?>
 <p:sld xmlns:a="http://schemas.openxmlformats.org/drawingml/2006/main" xmlns:r="http://schemas.openxmlformats.org/officeDocument/2006/relationships" xmlns:p="http://schemas.openxmlformats.org/presentationml/2006/main">
   <p:cSld>
     <p:spTree>
@@ -4625,7 +5364,7 @@
           <p:nvPr/>
         </p:nvPicPr>
         <p:blipFill>
-          <a:blip r:embed="rId2">
+          <a:blip r:embed="rId1">
             <a:extLst>
               <a:ext uri="{28A0092B-C50C-407E-A947-70E740481C1C}">
                 <a14:useLocalDpi xmlns:a14="http://schemas.microsoft.com/office/drawing/2010/main" val="0"/>
@@ -4658,11 +5397,6 @@
         </p:spPr>
       </p:pic>
     </p:spTree>
-    <p:extLst>
-      <p:ext uri="{BB962C8B-B14F-4D97-AF65-F5344CB8AC3E}">
-        <p14:creationId xmlns:p14="http://schemas.microsoft.com/office/powerpoint/2010/main" val="1781140399"/>
-      </p:ext>
-    </p:extLst>
   </p:cSld>
   <p:clrMapOvr>
     <a:masterClrMapping/>
@@ -4677,7 +5411,7 @@
 </p:sld>
 </file>
 
-<file path=ppt/slides/slide18.xml><?xml version="1.0" encoding="utf-8"?>
+<file path=ppt/slides/slide19.xml><?xml version="1.0" encoding="utf-8"?>
 <p:sld xmlns:a="http://schemas.openxmlformats.org/drawingml/2006/main" xmlns:r="http://schemas.openxmlformats.org/officeDocument/2006/relationships" xmlns:p="http://schemas.openxmlformats.org/presentationml/2006/main">
   <p:cSld>
     <p:spTree>
@@ -4779,7 +5513,7 @@
           <p:nvPr/>
         </p:nvPicPr>
         <p:blipFill>
-          <a:blip r:embed="rId2">
+          <a:blip r:embed="rId1">
             <a:extLst>
               <a:ext uri="{28A0092B-C50C-407E-A947-70E740481C1C}">
                 <a14:useLocalDpi xmlns:a14="http://schemas.microsoft.com/office/drawing/2010/main" val="0"/>
@@ -4812,380 +5546,6 @@
         </p:spPr>
       </p:pic>
     </p:spTree>
-    <p:extLst>
-      <p:ext uri="{BB962C8B-B14F-4D97-AF65-F5344CB8AC3E}">
-        <p14:creationId xmlns:p14="http://schemas.microsoft.com/office/powerpoint/2010/main" val="2855242492"/>
-      </p:ext>
-    </p:extLst>
-  </p:cSld>
-  <p:clrMapOvr>
-    <a:masterClrMapping/>
-  </p:clrMapOvr>
-  <p:timing>
-    <p:tnLst>
-      <p:par>
-        <p:cTn id="1" dur="indefinite" restart="never" nodeType="tmRoot"/>
-      </p:par>
-    </p:tnLst>
-  </p:timing>
-</p:sld>
-</file>
-
-<file path=ppt/slides/slide19.xml><?xml version="1.0" encoding="utf-8"?>
-<p:sld xmlns:a="http://schemas.openxmlformats.org/drawingml/2006/main" xmlns:r="http://schemas.openxmlformats.org/officeDocument/2006/relationships" xmlns:p="http://schemas.openxmlformats.org/presentationml/2006/main">
-  <p:cSld>
-    <p:spTree>
-      <p:nvGrpSpPr>
-        <p:cNvPr id="1" name=""/>
-        <p:cNvGrpSpPr/>
-        <p:nvPr/>
-      </p:nvGrpSpPr>
-      <p:grpSpPr>
-        <a:xfrm>
-          <a:off x="0" y="0"/>
-          <a:ext cx="0" cy="0"/>
-          <a:chOff x="0" y="0"/>
-          <a:chExt cx="0" cy="0"/>
-        </a:xfrm>
-      </p:grpSpPr>
-      <p:sp>
-        <p:nvSpPr>
-          <p:cNvPr id="2" name="标题 1"/>
-          <p:cNvSpPr>
-            <a:spLocks noGrp="1"/>
-          </p:cNvSpPr>
-          <p:nvPr>
-            <p:ph type="title"/>
-          </p:nvPr>
-        </p:nvSpPr>
-        <p:spPr/>
-        <p:txBody>
-          <a:bodyPr/>
-          <a:lstStyle/>
-          <a:p>
-            <a:r>
-              <a:rPr lang="zh-CN" altLang="en-US" dirty="0" smtClean="0">
-                <a:latin typeface="微软雅黑" pitchFamily="34" charset="-122"/>
-                <a:ea typeface="微软雅黑" pitchFamily="34" charset="-122"/>
-              </a:rPr>
-              <a:t>对照上图，总结压栈的步骤：</a:t>
-            </a:r>
-            <a:endParaRPr lang="zh-CN" altLang="en-US" dirty="0">
-              <a:latin typeface="微软雅黑" pitchFamily="34" charset="-122"/>
-              <a:ea typeface="微软雅黑" pitchFamily="34" charset="-122"/>
-            </a:endParaRPr>
-          </a:p>
-        </p:txBody>
-      </p:sp>
-      <p:sp>
-        <p:nvSpPr>
-          <p:cNvPr id="3" name="内容占位符 2"/>
-          <p:cNvSpPr>
-            <a:spLocks noGrp="1"/>
-          </p:cNvSpPr>
-          <p:nvPr>
-            <p:ph idx="1"/>
-          </p:nvPr>
-        </p:nvSpPr>
-        <p:spPr/>
-        <p:txBody>
-          <a:bodyPr/>
-          <a:lstStyle/>
-          <a:p>
-            <a:r>
-              <a:rPr lang="en-US" altLang="zh-CN" dirty="0" smtClean="0">
-                <a:latin typeface="微软雅黑" pitchFamily="34" charset="-122"/>
-                <a:ea typeface="微软雅黑" pitchFamily="34" charset="-122"/>
-              </a:rPr>
-              <a:t>1. </a:t>
-            </a:r>
-            <a:r>
-              <a:rPr lang="zh-CN" altLang="en-US" dirty="0" smtClean="0">
-                <a:latin typeface="微软雅黑" pitchFamily="34" charset="-122"/>
-                <a:ea typeface="微软雅黑" pitchFamily="34" charset="-122"/>
-              </a:rPr>
-              <a:t>压字符</a:t>
-            </a:r>
-            <a:endParaRPr lang="en-US" altLang="zh-CN" dirty="0" smtClean="0">
-              <a:latin typeface="微软雅黑" pitchFamily="34" charset="-122"/>
-              <a:ea typeface="微软雅黑" pitchFamily="34" charset="-122"/>
-            </a:endParaRPr>
-          </a:p>
-          <a:p>
-            <a:r>
-              <a:rPr lang="en-US" altLang="zh-CN" dirty="0" smtClean="0">
-                <a:latin typeface="微软雅黑" pitchFamily="34" charset="-122"/>
-                <a:ea typeface="微软雅黑" pitchFamily="34" charset="-122"/>
-              </a:rPr>
-              <a:t>2. </a:t>
-            </a:r>
-            <a:r>
-              <a:rPr lang="zh-CN" altLang="en-US" dirty="0">
-                <a:latin typeface="微软雅黑" pitchFamily="34" charset="-122"/>
-                <a:ea typeface="微软雅黑" pitchFamily="34" charset="-122"/>
-              </a:rPr>
-              <a:t>对齐</a:t>
-            </a:r>
-            <a:r>
-              <a:rPr lang="zh-CN" altLang="en-US" dirty="0" smtClean="0">
-                <a:latin typeface="微软雅黑" pitchFamily="34" charset="-122"/>
-                <a:ea typeface="微软雅黑" pitchFamily="34" charset="-122"/>
-              </a:rPr>
-              <a:t>内存 </a:t>
-            </a:r>
-            <a:r>
-              <a:rPr lang="en-US" altLang="zh-CN" dirty="0" smtClean="0">
-                <a:latin typeface="微软雅黑" pitchFamily="34" charset="-122"/>
-                <a:ea typeface="微软雅黑" pitchFamily="34" charset="-122"/>
-              </a:rPr>
-              <a:t>alignment</a:t>
-            </a:r>
-            <a:r>
-              <a:rPr lang="zh-CN" altLang="en-US" dirty="0" smtClean="0">
-                <a:latin typeface="微软雅黑" pitchFamily="34" charset="-122"/>
-                <a:ea typeface="微软雅黑" pitchFamily="34" charset="-122"/>
-              </a:rPr>
-              <a:t>，使字符部分的长度为</a:t>
-            </a:r>
-            <a:r>
-              <a:rPr lang="en-US" altLang="zh-CN" dirty="0" smtClean="0">
-                <a:latin typeface="微软雅黑" pitchFamily="34" charset="-122"/>
-                <a:ea typeface="微软雅黑" pitchFamily="34" charset="-122"/>
-              </a:rPr>
-              <a:t>4</a:t>
-            </a:r>
-            <a:r>
-              <a:rPr lang="zh-CN" altLang="en-US" dirty="0" smtClean="0">
-                <a:latin typeface="微软雅黑" pitchFamily="34" charset="-122"/>
-                <a:ea typeface="微软雅黑" pitchFamily="34" charset="-122"/>
-              </a:rPr>
-              <a:t>的整数倍。</a:t>
-            </a:r>
-            <a:endParaRPr lang="en-US" altLang="zh-CN" dirty="0" smtClean="0">
-              <a:latin typeface="微软雅黑" pitchFamily="34" charset="-122"/>
-              <a:ea typeface="微软雅黑" pitchFamily="34" charset="-122"/>
-            </a:endParaRPr>
-          </a:p>
-          <a:p>
-            <a:r>
-              <a:rPr lang="zh-CN" altLang="en-US" dirty="0" smtClean="0">
-                <a:latin typeface="微软雅黑" pitchFamily="34" charset="-122"/>
-                <a:ea typeface="微软雅黑" pitchFamily="34" charset="-122"/>
-              </a:rPr>
-              <a:t>       </a:t>
-            </a:r>
-            <a:r>
-              <a:rPr lang="en-US" altLang="zh-CN" dirty="0" err="1" smtClean="0">
-                <a:latin typeface="微软雅黑" pitchFamily="34" charset="-122"/>
-                <a:ea typeface="微软雅黑" pitchFamily="34" charset="-122"/>
-              </a:rPr>
-              <a:t>cpu</a:t>
-            </a:r>
-            <a:r>
-              <a:rPr lang="en-US" altLang="zh-CN" dirty="0" smtClean="0">
-                <a:latin typeface="微软雅黑" pitchFamily="34" charset="-122"/>
-                <a:ea typeface="微软雅黑" pitchFamily="34" charset="-122"/>
-              </a:rPr>
-              <a:t> cache</a:t>
-            </a:r>
-            <a:r>
-              <a:rPr lang="zh-CN" altLang="en-US" dirty="0" smtClean="0">
-                <a:latin typeface="微软雅黑" pitchFamily="34" charset="-122"/>
-                <a:ea typeface="微软雅黑" pitchFamily="34" charset="-122"/>
-              </a:rPr>
-              <a:t>的时候以</a:t>
-            </a:r>
-            <a:r>
-              <a:rPr lang="en-US" altLang="zh-CN" dirty="0" smtClean="0">
-                <a:latin typeface="微软雅黑" pitchFamily="34" charset="-122"/>
-                <a:ea typeface="微软雅黑" pitchFamily="34" charset="-122"/>
-              </a:rPr>
-              <a:t>4</a:t>
-            </a:r>
-            <a:r>
-              <a:rPr lang="zh-CN" altLang="en-US" dirty="0" smtClean="0">
-                <a:latin typeface="微软雅黑" pitchFamily="34" charset="-122"/>
-                <a:ea typeface="微软雅黑" pitchFamily="34" charset="-122"/>
-              </a:rPr>
-              <a:t>字节为单位</a:t>
-            </a:r>
-            <a:endParaRPr lang="en-US" altLang="zh-CN" dirty="0" smtClean="0">
-              <a:latin typeface="微软雅黑" pitchFamily="34" charset="-122"/>
-              <a:ea typeface="微软雅黑" pitchFamily="34" charset="-122"/>
-            </a:endParaRPr>
-          </a:p>
-          <a:p>
-            <a:r>
-              <a:rPr lang="en-US" altLang="zh-CN" dirty="0">
-                <a:latin typeface="微软雅黑" pitchFamily="34" charset="-122"/>
-                <a:ea typeface="微软雅黑" pitchFamily="34" charset="-122"/>
-              </a:rPr>
-              <a:t>3</a:t>
-            </a:r>
-            <a:r>
-              <a:rPr lang="en-US" altLang="zh-CN" dirty="0" smtClean="0">
-                <a:latin typeface="微软雅黑" pitchFamily="34" charset="-122"/>
-                <a:ea typeface="微软雅黑" pitchFamily="34" charset="-122"/>
-              </a:rPr>
-              <a:t>.</a:t>
-            </a:r>
-            <a:r>
-              <a:rPr lang="zh-CN" altLang="en-US" dirty="0" smtClean="0">
-                <a:latin typeface="微软雅黑" pitchFamily="34" charset="-122"/>
-                <a:ea typeface="微软雅黑" pitchFamily="34" charset="-122"/>
-              </a:rPr>
-              <a:t>压字符串</a:t>
-            </a:r>
-            <a:endParaRPr lang="en-US" altLang="zh-CN" dirty="0" smtClean="0">
-              <a:latin typeface="微软雅黑" pitchFamily="34" charset="-122"/>
-              <a:ea typeface="微软雅黑" pitchFamily="34" charset="-122"/>
-            </a:endParaRPr>
-          </a:p>
-          <a:p>
-            <a:r>
-              <a:rPr lang="en-US" altLang="zh-CN" dirty="0">
-                <a:latin typeface="微软雅黑" pitchFamily="34" charset="-122"/>
-                <a:ea typeface="微软雅黑" pitchFamily="34" charset="-122"/>
-              </a:rPr>
-              <a:t> </a:t>
-            </a:r>
-            <a:r>
-              <a:rPr lang="en-US" altLang="zh-CN" dirty="0" smtClean="0">
-                <a:latin typeface="微软雅黑" pitchFamily="34" charset="-122"/>
-                <a:ea typeface="微软雅黑" pitchFamily="34" charset="-122"/>
-              </a:rPr>
-              <a:t>    </a:t>
-            </a:r>
-            <a:r>
-              <a:rPr lang="zh-CN" altLang="en-US" dirty="0" smtClean="0">
-                <a:latin typeface="微软雅黑" pitchFamily="34" charset="-122"/>
-                <a:ea typeface="微软雅黑" pitchFamily="34" charset="-122"/>
-              </a:rPr>
-              <a:t>所谓的字符串就是指向每一个独立参数的第一个字符的指针。字符串在</a:t>
-            </a:r>
-            <a:r>
-              <a:rPr lang="en-US" altLang="zh-CN" dirty="0" smtClean="0">
-                <a:latin typeface="微软雅黑" pitchFamily="34" charset="-122"/>
-                <a:ea typeface="微软雅黑" pitchFamily="34" charset="-122"/>
-              </a:rPr>
-              <a:t>C</a:t>
-            </a:r>
-            <a:r>
-              <a:rPr lang="zh-CN" altLang="en-US" dirty="0" smtClean="0">
-                <a:latin typeface="微软雅黑" pitchFamily="34" charset="-122"/>
-                <a:ea typeface="微软雅黑" pitchFamily="34" charset="-122"/>
-              </a:rPr>
-              <a:t>语言中就是第一个字符的地址。</a:t>
-            </a:r>
-            <a:endParaRPr lang="en-US" altLang="zh-CN" dirty="0" smtClean="0">
-              <a:latin typeface="微软雅黑" pitchFamily="34" charset="-122"/>
-              <a:ea typeface="微软雅黑" pitchFamily="34" charset="-122"/>
-            </a:endParaRPr>
-          </a:p>
-          <a:p>
-            <a:r>
-              <a:rPr lang="en-US" altLang="zh-CN" dirty="0" smtClean="0">
-                <a:latin typeface="微软雅黑" pitchFamily="34" charset="-122"/>
-                <a:ea typeface="微软雅黑" pitchFamily="34" charset="-122"/>
-              </a:rPr>
-              <a:t>4.</a:t>
-            </a:r>
-            <a:r>
-              <a:rPr lang="zh-CN" altLang="en-US" dirty="0" smtClean="0">
-                <a:latin typeface="微软雅黑" pitchFamily="34" charset="-122"/>
-                <a:ea typeface="微软雅黑" pitchFamily="34" charset="-122"/>
-              </a:rPr>
-              <a:t>压字符数组的指针（指针的指针），</a:t>
-            </a:r>
-            <a:r>
-              <a:rPr lang="en-US" altLang="zh-CN" dirty="0" err="1" smtClean="0">
-                <a:latin typeface="微软雅黑" pitchFamily="34" charset="-122"/>
-                <a:ea typeface="微软雅黑" pitchFamily="34" charset="-122"/>
-              </a:rPr>
-              <a:t>argc</a:t>
-            </a:r>
-            <a:r>
-              <a:rPr lang="zh-CN" altLang="en-US" dirty="0" smtClean="0">
-                <a:latin typeface="微软雅黑" pitchFamily="34" charset="-122"/>
-                <a:ea typeface="微软雅黑" pitchFamily="34" charset="-122"/>
-              </a:rPr>
-              <a:t>，返回地址。</a:t>
-            </a:r>
-            <a:endParaRPr lang="en-US" altLang="zh-CN" dirty="0" smtClean="0">
-              <a:latin typeface="微软雅黑" pitchFamily="34" charset="-122"/>
-              <a:ea typeface="微软雅黑" pitchFamily="34" charset="-122"/>
-            </a:endParaRPr>
-          </a:p>
-          <a:p>
-            <a:r>
-              <a:rPr lang="en-US" altLang="zh-CN" dirty="0">
-                <a:latin typeface="微软雅黑" pitchFamily="34" charset="-122"/>
-                <a:ea typeface="微软雅黑" pitchFamily="34" charset="-122"/>
-              </a:rPr>
-              <a:t> </a:t>
-            </a:r>
-            <a:r>
-              <a:rPr lang="en-US" altLang="zh-CN" dirty="0" smtClean="0">
-                <a:latin typeface="微软雅黑" pitchFamily="34" charset="-122"/>
-                <a:ea typeface="微软雅黑" pitchFamily="34" charset="-122"/>
-              </a:rPr>
-              <a:t>       </a:t>
-            </a:r>
-            <a:r>
-              <a:rPr lang="zh-CN" altLang="en-US" dirty="0" smtClean="0">
-                <a:latin typeface="微软雅黑" pitchFamily="34" charset="-122"/>
-                <a:ea typeface="微软雅黑" pitchFamily="34" charset="-122"/>
-              </a:rPr>
-              <a:t>因为</a:t>
-            </a:r>
-            <a:r>
-              <a:rPr lang="en-US" altLang="zh-CN" dirty="0" smtClean="0">
-                <a:latin typeface="微软雅黑" pitchFamily="34" charset="-122"/>
-                <a:ea typeface="微软雅黑" pitchFamily="34" charset="-122"/>
-              </a:rPr>
-              <a:t>main() </a:t>
-            </a:r>
-            <a:r>
-              <a:rPr lang="zh-CN" altLang="en-US" dirty="0">
-                <a:latin typeface="微软雅黑" pitchFamily="34" charset="-122"/>
-                <a:ea typeface="微软雅黑" pitchFamily="34" charset="-122"/>
-              </a:rPr>
-              <a:t>返回</a:t>
-            </a:r>
-            <a:r>
-              <a:rPr lang="zh-CN" altLang="en-US" dirty="0" smtClean="0">
-                <a:latin typeface="微软雅黑" pitchFamily="34" charset="-122"/>
-                <a:ea typeface="微软雅黑" pitchFamily="34" charset="-122"/>
-              </a:rPr>
-              <a:t>值无意义，所以这里返回地址为</a:t>
-            </a:r>
-            <a:r>
-              <a:rPr lang="en-US" altLang="zh-CN" dirty="0" smtClean="0">
-                <a:latin typeface="微软雅黑" pitchFamily="34" charset="-122"/>
-                <a:ea typeface="微软雅黑" pitchFamily="34" charset="-122"/>
-              </a:rPr>
-              <a:t>0</a:t>
-            </a:r>
-            <a:r>
-              <a:rPr lang="zh-CN" altLang="en-US" dirty="0">
-                <a:latin typeface="微软雅黑" pitchFamily="34" charset="-122"/>
-                <a:ea typeface="微软雅黑" pitchFamily="34" charset="-122"/>
-              </a:rPr>
-              <a:t>。</a:t>
-            </a:r>
-            <a:endParaRPr lang="en-US" altLang="zh-CN" dirty="0" smtClean="0">
-              <a:latin typeface="微软雅黑" pitchFamily="34" charset="-122"/>
-              <a:ea typeface="微软雅黑" pitchFamily="34" charset="-122"/>
-            </a:endParaRPr>
-          </a:p>
-        </p:txBody>
-      </p:sp>
-    </p:spTree>
-    <p:extLst>
-      <p:ext uri="{BB962C8B-B14F-4D97-AF65-F5344CB8AC3E}">
-        <p14:creationId xmlns:p14="http://schemas.microsoft.com/office/powerpoint/2010/main" val="1043012141"/>
-      </p:ext>
-    </p:extLst>
   </p:cSld>
   <p:clrMapOvr>
     <a:masterClrMapping/>
@@ -5268,11 +5628,6 @@
         </p:txBody>
       </p:sp>
     </p:spTree>
-    <p:extLst>
-      <p:ext uri="{BB962C8B-B14F-4D97-AF65-F5344CB8AC3E}">
-        <p14:creationId xmlns:p14="http://schemas.microsoft.com/office/powerpoint/2010/main" val="1961602595"/>
-      </p:ext>
-    </p:extLst>
   </p:cSld>
   <p:clrMapOvr>
     <a:masterClrMapping/>
@@ -5324,6 +5679,370 @@
                 <a:latin typeface="微软雅黑" pitchFamily="34" charset="-122"/>
                 <a:ea typeface="微软雅黑" pitchFamily="34" charset="-122"/>
               </a:rPr>
+              <a:t>对照上图，总结压栈的步骤：</a:t>
+            </a:r>
+            <a:endParaRPr lang="zh-CN" altLang="en-US" dirty="0">
+              <a:latin typeface="微软雅黑" pitchFamily="34" charset="-122"/>
+              <a:ea typeface="微软雅黑" pitchFamily="34" charset="-122"/>
+            </a:endParaRPr>
+          </a:p>
+        </p:txBody>
+      </p:sp>
+      <p:sp>
+        <p:nvSpPr>
+          <p:cNvPr id="3" name="内容占位符 2"/>
+          <p:cNvSpPr>
+            <a:spLocks noGrp="1"/>
+          </p:cNvSpPr>
+          <p:nvPr>
+            <p:ph idx="1"/>
+          </p:nvPr>
+        </p:nvSpPr>
+        <p:spPr/>
+        <p:txBody>
+          <a:bodyPr/>
+          <a:lstStyle/>
+          <a:p>
+            <a:r>
+              <a:rPr lang="en-US" altLang="zh-CN" dirty="0" smtClean="0">
+                <a:latin typeface="微软雅黑" pitchFamily="34" charset="-122"/>
+                <a:ea typeface="微软雅黑" pitchFamily="34" charset="-122"/>
+              </a:rPr>
+              <a:t>1. </a:t>
+            </a:r>
+            <a:r>
+              <a:rPr lang="zh-CN" altLang="en-US" dirty="0" smtClean="0">
+                <a:latin typeface="微软雅黑" pitchFamily="34" charset="-122"/>
+                <a:ea typeface="微软雅黑" pitchFamily="34" charset="-122"/>
+              </a:rPr>
+              <a:t>压字符</a:t>
+            </a:r>
+            <a:endParaRPr lang="en-US" altLang="zh-CN" dirty="0" smtClean="0">
+              <a:latin typeface="微软雅黑" pitchFamily="34" charset="-122"/>
+              <a:ea typeface="微软雅黑" pitchFamily="34" charset="-122"/>
+            </a:endParaRPr>
+          </a:p>
+          <a:p>
+            <a:r>
+              <a:rPr lang="en-US" altLang="zh-CN" dirty="0" smtClean="0">
+                <a:latin typeface="微软雅黑" pitchFamily="34" charset="-122"/>
+                <a:ea typeface="微软雅黑" pitchFamily="34" charset="-122"/>
+              </a:rPr>
+              <a:t>2. </a:t>
+            </a:r>
+            <a:r>
+              <a:rPr lang="zh-CN" altLang="en-US" dirty="0">
+                <a:latin typeface="微软雅黑" pitchFamily="34" charset="-122"/>
+                <a:ea typeface="微软雅黑" pitchFamily="34" charset="-122"/>
+              </a:rPr>
+              <a:t>对齐</a:t>
+            </a:r>
+            <a:r>
+              <a:rPr lang="zh-CN" altLang="en-US" dirty="0" smtClean="0">
+                <a:latin typeface="微软雅黑" pitchFamily="34" charset="-122"/>
+                <a:ea typeface="微软雅黑" pitchFamily="34" charset="-122"/>
+              </a:rPr>
+              <a:t>内存 </a:t>
+            </a:r>
+            <a:r>
+              <a:rPr lang="en-US" altLang="zh-CN" dirty="0" smtClean="0">
+                <a:latin typeface="微软雅黑" pitchFamily="34" charset="-122"/>
+                <a:ea typeface="微软雅黑" pitchFamily="34" charset="-122"/>
+              </a:rPr>
+              <a:t>alignment</a:t>
+            </a:r>
+            <a:r>
+              <a:rPr lang="zh-CN" altLang="en-US" dirty="0" smtClean="0">
+                <a:latin typeface="微软雅黑" pitchFamily="34" charset="-122"/>
+                <a:ea typeface="微软雅黑" pitchFamily="34" charset="-122"/>
+              </a:rPr>
+              <a:t>，使字符部分的长度为</a:t>
+            </a:r>
+            <a:r>
+              <a:rPr lang="en-US" altLang="zh-CN" dirty="0" smtClean="0">
+                <a:latin typeface="微软雅黑" pitchFamily="34" charset="-122"/>
+                <a:ea typeface="微软雅黑" pitchFamily="34" charset="-122"/>
+              </a:rPr>
+              <a:t>4</a:t>
+            </a:r>
+            <a:r>
+              <a:rPr lang="zh-CN" altLang="en-US" dirty="0" smtClean="0">
+                <a:latin typeface="微软雅黑" pitchFamily="34" charset="-122"/>
+                <a:ea typeface="微软雅黑" pitchFamily="34" charset="-122"/>
+              </a:rPr>
+              <a:t>的整数倍。</a:t>
+            </a:r>
+            <a:endParaRPr lang="en-US" altLang="zh-CN" dirty="0" smtClean="0">
+              <a:latin typeface="微软雅黑" pitchFamily="34" charset="-122"/>
+              <a:ea typeface="微软雅黑" pitchFamily="34" charset="-122"/>
+            </a:endParaRPr>
+          </a:p>
+          <a:p>
+            <a:r>
+              <a:rPr lang="zh-CN" altLang="en-US" dirty="0" smtClean="0">
+                <a:latin typeface="微软雅黑" pitchFamily="34" charset="-122"/>
+                <a:ea typeface="微软雅黑" pitchFamily="34" charset="-122"/>
+              </a:rPr>
+              <a:t>       </a:t>
+            </a:r>
+            <a:r>
+              <a:rPr lang="en-US" altLang="zh-CN" dirty="0" err="1" smtClean="0">
+                <a:latin typeface="微软雅黑" pitchFamily="34" charset="-122"/>
+                <a:ea typeface="微软雅黑" pitchFamily="34" charset="-122"/>
+              </a:rPr>
+              <a:t>cpu</a:t>
+            </a:r>
+            <a:r>
+              <a:rPr lang="en-US" altLang="zh-CN" dirty="0" smtClean="0">
+                <a:latin typeface="微软雅黑" pitchFamily="34" charset="-122"/>
+                <a:ea typeface="微软雅黑" pitchFamily="34" charset="-122"/>
+              </a:rPr>
+              <a:t> cache</a:t>
+            </a:r>
+            <a:r>
+              <a:rPr lang="zh-CN" altLang="en-US" dirty="0" smtClean="0">
+                <a:latin typeface="微软雅黑" pitchFamily="34" charset="-122"/>
+                <a:ea typeface="微软雅黑" pitchFamily="34" charset="-122"/>
+              </a:rPr>
+              <a:t>的时候以</a:t>
+            </a:r>
+            <a:r>
+              <a:rPr lang="en-US" altLang="zh-CN" dirty="0" smtClean="0">
+                <a:latin typeface="微软雅黑" pitchFamily="34" charset="-122"/>
+                <a:ea typeface="微软雅黑" pitchFamily="34" charset="-122"/>
+              </a:rPr>
+              <a:t>4</a:t>
+            </a:r>
+            <a:r>
+              <a:rPr lang="zh-CN" altLang="en-US" dirty="0" smtClean="0">
+                <a:latin typeface="微软雅黑" pitchFamily="34" charset="-122"/>
+                <a:ea typeface="微软雅黑" pitchFamily="34" charset="-122"/>
+              </a:rPr>
+              <a:t>字节为单位</a:t>
+            </a:r>
+            <a:endParaRPr lang="en-US" altLang="zh-CN" dirty="0" smtClean="0">
+              <a:latin typeface="微软雅黑" pitchFamily="34" charset="-122"/>
+              <a:ea typeface="微软雅黑" pitchFamily="34" charset="-122"/>
+            </a:endParaRPr>
+          </a:p>
+          <a:p>
+            <a:r>
+              <a:rPr lang="en-US" altLang="zh-CN" dirty="0">
+                <a:latin typeface="微软雅黑" pitchFamily="34" charset="-122"/>
+                <a:ea typeface="微软雅黑" pitchFamily="34" charset="-122"/>
+              </a:rPr>
+              <a:t>3</a:t>
+            </a:r>
+            <a:r>
+              <a:rPr lang="en-US" altLang="zh-CN" dirty="0" smtClean="0">
+                <a:latin typeface="微软雅黑" pitchFamily="34" charset="-122"/>
+                <a:ea typeface="微软雅黑" pitchFamily="34" charset="-122"/>
+              </a:rPr>
+              <a:t>.</a:t>
+            </a:r>
+            <a:r>
+              <a:rPr lang="zh-CN" altLang="en-US" dirty="0" smtClean="0">
+                <a:latin typeface="微软雅黑" pitchFamily="34" charset="-122"/>
+                <a:ea typeface="微软雅黑" pitchFamily="34" charset="-122"/>
+              </a:rPr>
+              <a:t>压字符串</a:t>
+            </a:r>
+            <a:endParaRPr lang="en-US" altLang="zh-CN" dirty="0" smtClean="0">
+              <a:latin typeface="微软雅黑" pitchFamily="34" charset="-122"/>
+              <a:ea typeface="微软雅黑" pitchFamily="34" charset="-122"/>
+            </a:endParaRPr>
+          </a:p>
+          <a:p>
+            <a:r>
+              <a:rPr lang="en-US" altLang="zh-CN" dirty="0">
+                <a:latin typeface="微软雅黑" pitchFamily="34" charset="-122"/>
+                <a:ea typeface="微软雅黑" pitchFamily="34" charset="-122"/>
+              </a:rPr>
+              <a:t> </a:t>
+            </a:r>
+            <a:r>
+              <a:rPr lang="en-US" altLang="zh-CN" dirty="0" smtClean="0">
+                <a:latin typeface="微软雅黑" pitchFamily="34" charset="-122"/>
+                <a:ea typeface="微软雅黑" pitchFamily="34" charset="-122"/>
+              </a:rPr>
+              <a:t>    </a:t>
+            </a:r>
+            <a:r>
+              <a:rPr lang="zh-CN" altLang="en-US" dirty="0" smtClean="0">
+                <a:latin typeface="微软雅黑" pitchFamily="34" charset="-122"/>
+                <a:ea typeface="微软雅黑" pitchFamily="34" charset="-122"/>
+              </a:rPr>
+              <a:t>所谓的字符串就是指向每一个独立参数的第一个字符的指针。字符串在</a:t>
+            </a:r>
+            <a:r>
+              <a:rPr lang="en-US" altLang="zh-CN" dirty="0" smtClean="0">
+                <a:latin typeface="微软雅黑" pitchFamily="34" charset="-122"/>
+                <a:ea typeface="微软雅黑" pitchFamily="34" charset="-122"/>
+              </a:rPr>
+              <a:t>C</a:t>
+            </a:r>
+            <a:r>
+              <a:rPr lang="zh-CN" altLang="en-US" dirty="0" smtClean="0">
+                <a:latin typeface="微软雅黑" pitchFamily="34" charset="-122"/>
+                <a:ea typeface="微软雅黑" pitchFamily="34" charset="-122"/>
+              </a:rPr>
+              <a:t>语言中就是第一个字符的地址。</a:t>
+            </a:r>
+            <a:endParaRPr lang="en-US" altLang="zh-CN" dirty="0" smtClean="0">
+              <a:latin typeface="微软雅黑" pitchFamily="34" charset="-122"/>
+              <a:ea typeface="微软雅黑" pitchFamily="34" charset="-122"/>
+            </a:endParaRPr>
+          </a:p>
+          <a:p>
+            <a:r>
+              <a:rPr lang="en-US" altLang="zh-CN" dirty="0" smtClean="0">
+                <a:latin typeface="微软雅黑" pitchFamily="34" charset="-122"/>
+                <a:ea typeface="微软雅黑" pitchFamily="34" charset="-122"/>
+              </a:rPr>
+              <a:t>4.</a:t>
+            </a:r>
+            <a:r>
+              <a:rPr lang="zh-CN" altLang="en-US" dirty="0" smtClean="0">
+                <a:latin typeface="微软雅黑" pitchFamily="34" charset="-122"/>
+                <a:ea typeface="微软雅黑" pitchFamily="34" charset="-122"/>
+              </a:rPr>
+              <a:t>压字符数组的指针（指针的指针），</a:t>
+            </a:r>
+            <a:r>
+              <a:rPr lang="en-US" altLang="zh-CN" dirty="0" err="1" smtClean="0">
+                <a:latin typeface="微软雅黑" pitchFamily="34" charset="-122"/>
+                <a:ea typeface="微软雅黑" pitchFamily="34" charset="-122"/>
+              </a:rPr>
+              <a:t>argc</a:t>
+            </a:r>
+            <a:r>
+              <a:rPr lang="zh-CN" altLang="en-US" dirty="0" smtClean="0">
+                <a:latin typeface="微软雅黑" pitchFamily="34" charset="-122"/>
+                <a:ea typeface="微软雅黑" pitchFamily="34" charset="-122"/>
+              </a:rPr>
+              <a:t>，返回地址。</a:t>
+            </a:r>
+            <a:endParaRPr lang="en-US" altLang="zh-CN" dirty="0" smtClean="0">
+              <a:latin typeface="微软雅黑" pitchFamily="34" charset="-122"/>
+              <a:ea typeface="微软雅黑" pitchFamily="34" charset="-122"/>
+            </a:endParaRPr>
+          </a:p>
+          <a:p>
+            <a:r>
+              <a:rPr lang="en-US" altLang="zh-CN" dirty="0">
+                <a:latin typeface="微软雅黑" pitchFamily="34" charset="-122"/>
+                <a:ea typeface="微软雅黑" pitchFamily="34" charset="-122"/>
+              </a:rPr>
+              <a:t> </a:t>
+            </a:r>
+            <a:r>
+              <a:rPr lang="en-US" altLang="zh-CN" dirty="0" smtClean="0">
+                <a:latin typeface="微软雅黑" pitchFamily="34" charset="-122"/>
+                <a:ea typeface="微软雅黑" pitchFamily="34" charset="-122"/>
+              </a:rPr>
+              <a:t>       </a:t>
+            </a:r>
+            <a:r>
+              <a:rPr lang="zh-CN" altLang="en-US" dirty="0" smtClean="0">
+                <a:latin typeface="微软雅黑" pitchFamily="34" charset="-122"/>
+                <a:ea typeface="微软雅黑" pitchFamily="34" charset="-122"/>
+              </a:rPr>
+              <a:t>因为</a:t>
+            </a:r>
+            <a:r>
+              <a:rPr lang="en-US" altLang="zh-CN" dirty="0" smtClean="0">
+                <a:latin typeface="微软雅黑" pitchFamily="34" charset="-122"/>
+                <a:ea typeface="微软雅黑" pitchFamily="34" charset="-122"/>
+              </a:rPr>
+              <a:t>main() </a:t>
+            </a:r>
+            <a:r>
+              <a:rPr lang="zh-CN" altLang="en-US" dirty="0">
+                <a:latin typeface="微软雅黑" pitchFamily="34" charset="-122"/>
+                <a:ea typeface="微软雅黑" pitchFamily="34" charset="-122"/>
+              </a:rPr>
+              <a:t>返回</a:t>
+            </a:r>
+            <a:r>
+              <a:rPr lang="zh-CN" altLang="en-US" dirty="0" smtClean="0">
+                <a:latin typeface="微软雅黑" pitchFamily="34" charset="-122"/>
+                <a:ea typeface="微软雅黑" pitchFamily="34" charset="-122"/>
+              </a:rPr>
+              <a:t>值无意义，所以这里返回地址为</a:t>
+            </a:r>
+            <a:r>
+              <a:rPr lang="en-US" altLang="zh-CN" dirty="0" smtClean="0">
+                <a:latin typeface="微软雅黑" pitchFamily="34" charset="-122"/>
+                <a:ea typeface="微软雅黑" pitchFamily="34" charset="-122"/>
+              </a:rPr>
+              <a:t>0</a:t>
+            </a:r>
+            <a:r>
+              <a:rPr lang="zh-CN" altLang="en-US" dirty="0">
+                <a:latin typeface="微软雅黑" pitchFamily="34" charset="-122"/>
+                <a:ea typeface="微软雅黑" pitchFamily="34" charset="-122"/>
+              </a:rPr>
+              <a:t>。</a:t>
+            </a:r>
+            <a:endParaRPr lang="en-US" altLang="zh-CN" dirty="0" smtClean="0">
+              <a:latin typeface="微软雅黑" pitchFamily="34" charset="-122"/>
+              <a:ea typeface="微软雅黑" pitchFamily="34" charset="-122"/>
+            </a:endParaRPr>
+          </a:p>
+        </p:txBody>
+      </p:sp>
+    </p:spTree>
+  </p:cSld>
+  <p:clrMapOvr>
+    <a:masterClrMapping/>
+  </p:clrMapOvr>
+  <p:timing>
+    <p:tnLst>
+      <p:par>
+        <p:cTn id="1" dur="indefinite" restart="never" nodeType="tmRoot"/>
+      </p:par>
+    </p:tnLst>
+  </p:timing>
+</p:sld>
+</file>
+
+<file path=ppt/slides/slide21.xml><?xml version="1.0" encoding="utf-8"?>
+<p:sld xmlns:a="http://schemas.openxmlformats.org/drawingml/2006/main" xmlns:r="http://schemas.openxmlformats.org/officeDocument/2006/relationships" xmlns:p="http://schemas.openxmlformats.org/presentationml/2006/main">
+  <p:cSld>
+    <p:spTree>
+      <p:nvGrpSpPr>
+        <p:cNvPr id="1" name=""/>
+        <p:cNvGrpSpPr/>
+        <p:nvPr/>
+      </p:nvGrpSpPr>
+      <p:grpSpPr>
+        <a:xfrm>
+          <a:off x="0" y="0"/>
+          <a:ext cx="0" cy="0"/>
+          <a:chOff x="0" y="0"/>
+          <a:chExt cx="0" cy="0"/>
+        </a:xfrm>
+      </p:grpSpPr>
+      <p:sp>
+        <p:nvSpPr>
+          <p:cNvPr id="2" name="标题 1"/>
+          <p:cNvSpPr>
+            <a:spLocks noGrp="1"/>
+          </p:cNvSpPr>
+          <p:nvPr>
+            <p:ph type="title"/>
+          </p:nvPr>
+        </p:nvSpPr>
+        <p:spPr/>
+        <p:txBody>
+          <a:bodyPr/>
+          <a:lstStyle/>
+          <a:p>
+            <a:r>
+              <a:rPr lang="zh-CN" altLang="en-US" dirty="0" smtClean="0">
+                <a:latin typeface="微软雅黑" pitchFamily="34" charset="-122"/>
+                <a:ea typeface="微软雅黑" pitchFamily="34" charset="-122"/>
+              </a:rPr>
               <a:t>代码实现</a:t>
             </a:r>
             <a:r>
@@ -5389,7 +6108,7 @@
           <p:nvPr/>
         </p:nvPicPr>
         <p:blipFill>
-          <a:blip r:embed="rId2">
+          <a:blip r:embed="rId1">
             <a:extLst>
               <a:ext uri="{28A0092B-C50C-407E-A947-70E740481C1C}">
                 <a14:useLocalDpi xmlns:a14="http://schemas.microsoft.com/office/drawing/2010/main" val="0"/>
@@ -5445,11 +6164,6 @@
         </p:spPr>
       </p:pic>
     </p:spTree>
-    <p:extLst>
-      <p:ext uri="{BB962C8B-B14F-4D97-AF65-F5344CB8AC3E}">
-        <p14:creationId xmlns:p14="http://schemas.microsoft.com/office/powerpoint/2010/main" val="4174549715"/>
-      </p:ext>
-    </p:extLst>
   </p:cSld>
   <p:clrMapOvr>
     <a:masterClrMapping/>
@@ -5464,7 +6178,7 @@
 </p:sld>
 </file>
 
-<file path=ppt/slides/slide21.xml><?xml version="1.0" encoding="utf-8"?>
+<file path=ppt/slides/slide22.xml><?xml version="1.0" encoding="utf-8"?>
 <p:sld xmlns:a="http://schemas.openxmlformats.org/drawingml/2006/main" xmlns:r="http://schemas.openxmlformats.org/officeDocument/2006/relationships" xmlns:p="http://schemas.openxmlformats.org/presentationml/2006/main">
   <p:cSld>
     <p:spTree>
@@ -5561,7 +6275,7 @@
           <p:nvPr/>
         </p:nvPicPr>
         <p:blipFill>
-          <a:blip r:embed="rId2">
+          <a:blip r:embed="rId1">
             <a:extLst>
               <a:ext uri="{28A0092B-C50C-407E-A947-70E740481C1C}">
                 <a14:useLocalDpi xmlns:a14="http://schemas.microsoft.com/office/drawing/2010/main" val="0"/>
@@ -5617,181 +6331,6 @@
         </p:spPr>
       </p:pic>
     </p:spTree>
-    <p:extLst>
-      <p:ext uri="{BB962C8B-B14F-4D97-AF65-F5344CB8AC3E}">
-        <p14:creationId xmlns:p14="http://schemas.microsoft.com/office/powerpoint/2010/main" val="785152187"/>
-      </p:ext>
-    </p:extLst>
-  </p:cSld>
-  <p:clrMapOvr>
-    <a:masterClrMapping/>
-  </p:clrMapOvr>
-  <p:timing>
-    <p:tnLst>
-      <p:par>
-        <p:cTn id="1" dur="indefinite" restart="never" nodeType="tmRoot"/>
-      </p:par>
-    </p:tnLst>
-  </p:timing>
-</p:sld>
-</file>
-
-<file path=ppt/slides/slide22.xml><?xml version="1.0" encoding="utf-8"?>
-<p:sld xmlns:a="http://schemas.openxmlformats.org/drawingml/2006/main" xmlns:r="http://schemas.openxmlformats.org/officeDocument/2006/relationships" xmlns:p="http://schemas.openxmlformats.org/presentationml/2006/main">
-  <p:cSld>
-    <p:spTree>
-      <p:nvGrpSpPr>
-        <p:cNvPr id="1" name=""/>
-        <p:cNvGrpSpPr/>
-        <p:nvPr/>
-      </p:nvGrpSpPr>
-      <p:grpSpPr>
-        <a:xfrm>
-          <a:off x="0" y="0"/>
-          <a:ext cx="0" cy="0"/>
-          <a:chOff x="0" y="0"/>
-          <a:chExt cx="0" cy="0"/>
-        </a:xfrm>
-      </p:grpSpPr>
-      <p:sp>
-        <p:nvSpPr>
-          <p:cNvPr id="2" name="标题 1"/>
-          <p:cNvSpPr>
-            <a:spLocks noGrp="1"/>
-          </p:cNvSpPr>
-          <p:nvPr>
-            <p:ph type="title"/>
-          </p:nvPr>
-        </p:nvSpPr>
-        <p:spPr/>
-        <p:txBody>
-          <a:bodyPr/>
-          <a:lstStyle/>
-          <a:p>
-            <a:r>
-              <a:rPr lang="zh-CN" altLang="en-US" dirty="0" smtClean="0">
-                <a:latin typeface="微软雅黑" pitchFamily="34" charset="-122"/>
-                <a:ea typeface="微软雅黑" pitchFamily="34" charset="-122"/>
-              </a:rPr>
-              <a:t>下面开始考虑实现系统调用</a:t>
-            </a:r>
-            <a:endParaRPr lang="zh-CN" altLang="en-US" dirty="0">
-              <a:latin typeface="微软雅黑" pitchFamily="34" charset="-122"/>
-              <a:ea typeface="微软雅黑" pitchFamily="34" charset="-122"/>
-            </a:endParaRPr>
-          </a:p>
-        </p:txBody>
-      </p:sp>
-      <p:sp>
-        <p:nvSpPr>
-          <p:cNvPr id="3" name="内容占位符 2"/>
-          <p:cNvSpPr>
-            <a:spLocks noGrp="1"/>
-          </p:cNvSpPr>
-          <p:nvPr>
-            <p:ph idx="1"/>
-          </p:nvPr>
-        </p:nvSpPr>
-        <p:spPr/>
-        <p:txBody>
-          <a:bodyPr/>
-          <a:lstStyle/>
-          <a:p>
-            <a:r>
-              <a:rPr lang="zh-CN" altLang="en-US" dirty="0" smtClean="0">
-                <a:latin typeface="微软雅黑" pitchFamily="34" charset="-122"/>
-                <a:ea typeface="微软雅黑" pitchFamily="34" charset="-122"/>
-              </a:rPr>
-              <a:t>当用户程序调用系统调用以后，会激发</a:t>
-            </a:r>
-            <a:r>
-              <a:rPr lang="en-US" altLang="zh-CN" dirty="0" smtClean="0">
-                <a:latin typeface="微软雅黑" pitchFamily="34" charset="-122"/>
-                <a:ea typeface="微软雅黑" pitchFamily="34" charset="-122"/>
-              </a:rPr>
-              <a:t>30</a:t>
-            </a:r>
-            <a:r>
-              <a:rPr lang="zh-CN" altLang="en-US" dirty="0" smtClean="0">
-                <a:latin typeface="微软雅黑" pitchFamily="34" charset="-122"/>
-                <a:ea typeface="微软雅黑" pitchFamily="34" charset="-122"/>
-              </a:rPr>
-              <a:t>号中断，通过中断向量指向并运行</a:t>
-            </a:r>
-            <a:r>
-              <a:rPr lang="en-US" altLang="zh-CN" dirty="0" err="1" smtClean="0">
-                <a:latin typeface="微软雅黑" pitchFamily="34" charset="-122"/>
-                <a:ea typeface="微软雅黑" pitchFamily="34" charset="-122"/>
-              </a:rPr>
-              <a:t>syscall_handler</a:t>
-            </a:r>
-            <a:r>
-              <a:rPr lang="zh-CN" altLang="en-US" dirty="0" smtClean="0">
-                <a:latin typeface="微软雅黑" pitchFamily="34" charset="-122"/>
-                <a:ea typeface="微软雅黑" pitchFamily="34" charset="-122"/>
-              </a:rPr>
-              <a:t>（）函数。</a:t>
-            </a:r>
-            <a:endParaRPr lang="en-US" altLang="zh-CN" dirty="0" smtClean="0">
-              <a:latin typeface="微软雅黑" pitchFamily="34" charset="-122"/>
-              <a:ea typeface="微软雅黑" pitchFamily="34" charset="-122"/>
-            </a:endParaRPr>
-          </a:p>
-          <a:p>
-            <a:r>
-              <a:rPr lang="zh-CN" altLang="en-US" dirty="0" smtClean="0">
-                <a:latin typeface="微软雅黑" pitchFamily="34" charset="-122"/>
-                <a:ea typeface="微软雅黑" pitchFamily="34" charset="-122"/>
-              </a:rPr>
-              <a:t>在</a:t>
-            </a:r>
-            <a:r>
-              <a:rPr lang="en-US" altLang="zh-CN" dirty="0" err="1" smtClean="0">
-                <a:latin typeface="微软雅黑" pitchFamily="34" charset="-122"/>
-                <a:ea typeface="微软雅黑" pitchFamily="34" charset="-122"/>
-              </a:rPr>
-              <a:t>syscall_handler</a:t>
-            </a:r>
-            <a:r>
-              <a:rPr lang="zh-CN" altLang="en-US" dirty="0" smtClean="0">
-                <a:latin typeface="微软雅黑" pitchFamily="34" charset="-122"/>
-                <a:ea typeface="微软雅黑" pitchFamily="34" charset="-122"/>
-              </a:rPr>
-              <a:t>中，根据系统调用号来调用不同的</a:t>
-            </a:r>
-            <a:r>
-              <a:rPr lang="zh-CN" altLang="en-US" dirty="0">
-                <a:latin typeface="微软雅黑" pitchFamily="34" charset="-122"/>
-                <a:ea typeface="微软雅黑" pitchFamily="34" charset="-122"/>
-              </a:rPr>
-              <a:t>系统</a:t>
-            </a:r>
-            <a:r>
-              <a:rPr lang="zh-CN" altLang="en-US" dirty="0" smtClean="0">
-                <a:latin typeface="微软雅黑" pitchFamily="34" charset="-122"/>
-                <a:ea typeface="微软雅黑" pitchFamily="34" charset="-122"/>
-              </a:rPr>
-              <a:t>调用。</a:t>
-            </a:r>
-            <a:endParaRPr lang="en-US" altLang="zh-CN" dirty="0" smtClean="0">
-              <a:latin typeface="微软雅黑" pitchFamily="34" charset="-122"/>
-              <a:ea typeface="微软雅黑" pitchFamily="34" charset="-122"/>
-            </a:endParaRPr>
-          </a:p>
-          <a:p>
-            <a:endParaRPr lang="en-US" altLang="zh-CN" dirty="0">
-              <a:latin typeface="微软雅黑" pitchFamily="34" charset="-122"/>
-              <a:ea typeface="微软雅黑" pitchFamily="34" charset="-122"/>
-            </a:endParaRPr>
-          </a:p>
-        </p:txBody>
-      </p:sp>
-    </p:spTree>
-    <p:extLst>
-      <p:ext uri="{BB962C8B-B14F-4D97-AF65-F5344CB8AC3E}">
-        <p14:creationId xmlns:p14="http://schemas.microsoft.com/office/powerpoint/2010/main" val="1603798291"/>
-      </p:ext>
-    </p:extLst>
   </p:cSld>
   <p:clrMapOvr>
     <a:masterClrMapping/>
@@ -5838,6 +6377,171 @@
           <a:bodyPr/>
           <a:lstStyle/>
           <a:p>
+            <a:r>
+              <a:rPr lang="zh-CN" altLang="en-US" dirty="0" smtClean="0">
+                <a:latin typeface="微软雅黑" pitchFamily="34" charset="-122"/>
+                <a:ea typeface="微软雅黑" pitchFamily="34" charset="-122"/>
+              </a:rPr>
+              <a:t>下面开始考虑实现系统调用</a:t>
+            </a:r>
+            <a:endParaRPr lang="zh-CN" altLang="en-US" dirty="0">
+              <a:latin typeface="微软雅黑" pitchFamily="34" charset="-122"/>
+              <a:ea typeface="微软雅黑" pitchFamily="34" charset="-122"/>
+            </a:endParaRPr>
+          </a:p>
+        </p:txBody>
+      </p:sp>
+      <p:sp>
+        <p:nvSpPr>
+          <p:cNvPr id="3" name="内容占位符 2"/>
+          <p:cNvSpPr>
+            <a:spLocks noGrp="1"/>
+          </p:cNvSpPr>
+          <p:nvPr>
+            <p:ph idx="1"/>
+          </p:nvPr>
+        </p:nvSpPr>
+        <p:spPr/>
+        <p:txBody>
+          <a:bodyPr/>
+          <a:lstStyle/>
+          <a:p>
+            <a:r>
+              <a:rPr lang="zh-CN" altLang="en-US" dirty="0" smtClean="0">
+                <a:latin typeface="微软雅黑" pitchFamily="34" charset="-122"/>
+                <a:ea typeface="微软雅黑" pitchFamily="34" charset="-122"/>
+              </a:rPr>
+              <a:t>当用户程序调用系统调用以后，会激发</a:t>
+            </a:r>
+            <a:r>
+              <a:rPr lang="en-US" altLang="zh-CN" dirty="0" smtClean="0">
+                <a:latin typeface="微软雅黑" pitchFamily="34" charset="-122"/>
+                <a:ea typeface="微软雅黑" pitchFamily="34" charset="-122"/>
+              </a:rPr>
+              <a:t>30</a:t>
+            </a:r>
+            <a:r>
+              <a:rPr lang="zh-CN" altLang="en-US" dirty="0" smtClean="0">
+                <a:latin typeface="微软雅黑" pitchFamily="34" charset="-122"/>
+                <a:ea typeface="微软雅黑" pitchFamily="34" charset="-122"/>
+              </a:rPr>
+              <a:t>号中断，通过中断向量指向并运行</a:t>
+            </a:r>
+            <a:r>
+              <a:rPr lang="en-US" altLang="zh-CN" dirty="0" err="1" smtClean="0">
+                <a:latin typeface="微软雅黑" pitchFamily="34" charset="-122"/>
+                <a:ea typeface="微软雅黑" pitchFamily="34" charset="-122"/>
+              </a:rPr>
+              <a:t>syscall_handler</a:t>
+            </a:r>
+            <a:r>
+              <a:rPr lang="zh-CN" altLang="en-US" dirty="0" smtClean="0">
+                <a:latin typeface="微软雅黑" pitchFamily="34" charset="-122"/>
+                <a:ea typeface="微软雅黑" pitchFamily="34" charset="-122"/>
+              </a:rPr>
+              <a:t>（）函数。</a:t>
+            </a:r>
+            <a:endParaRPr lang="en-US" altLang="zh-CN" dirty="0" smtClean="0">
+              <a:latin typeface="微软雅黑" pitchFamily="34" charset="-122"/>
+              <a:ea typeface="微软雅黑" pitchFamily="34" charset="-122"/>
+            </a:endParaRPr>
+          </a:p>
+          <a:p>
+            <a:r>
+              <a:rPr lang="zh-CN" altLang="en-US" dirty="0" smtClean="0">
+                <a:latin typeface="微软雅黑" pitchFamily="34" charset="-122"/>
+                <a:ea typeface="微软雅黑" pitchFamily="34" charset="-122"/>
+              </a:rPr>
+              <a:t>在</a:t>
+            </a:r>
+            <a:r>
+              <a:rPr lang="en-US" altLang="zh-CN" dirty="0" err="1" smtClean="0">
+                <a:latin typeface="微软雅黑" pitchFamily="34" charset="-122"/>
+                <a:ea typeface="微软雅黑" pitchFamily="34" charset="-122"/>
+              </a:rPr>
+              <a:t>syscall_handler</a:t>
+            </a:r>
+            <a:r>
+              <a:rPr lang="zh-CN" altLang="en-US" dirty="0" smtClean="0">
+                <a:latin typeface="微软雅黑" pitchFamily="34" charset="-122"/>
+                <a:ea typeface="微软雅黑" pitchFamily="34" charset="-122"/>
+              </a:rPr>
+              <a:t>中，根据系统调用号来调用不同的</a:t>
+            </a:r>
+            <a:r>
+              <a:rPr lang="zh-CN" altLang="en-US" dirty="0">
+                <a:latin typeface="微软雅黑" pitchFamily="34" charset="-122"/>
+                <a:ea typeface="微软雅黑" pitchFamily="34" charset="-122"/>
+              </a:rPr>
+              <a:t>系统</a:t>
+            </a:r>
+            <a:r>
+              <a:rPr lang="zh-CN" altLang="en-US" dirty="0" smtClean="0">
+                <a:latin typeface="微软雅黑" pitchFamily="34" charset="-122"/>
+                <a:ea typeface="微软雅黑" pitchFamily="34" charset="-122"/>
+              </a:rPr>
+              <a:t>调用。</a:t>
+            </a:r>
+            <a:endParaRPr lang="en-US" altLang="zh-CN" dirty="0" smtClean="0">
+              <a:latin typeface="微软雅黑" pitchFamily="34" charset="-122"/>
+              <a:ea typeface="微软雅黑" pitchFamily="34" charset="-122"/>
+            </a:endParaRPr>
+          </a:p>
+          <a:p>
+            <a:endParaRPr lang="en-US" altLang="zh-CN" dirty="0">
+              <a:latin typeface="微软雅黑" pitchFamily="34" charset="-122"/>
+              <a:ea typeface="微软雅黑" pitchFamily="34" charset="-122"/>
+            </a:endParaRPr>
+          </a:p>
+        </p:txBody>
+      </p:sp>
+    </p:spTree>
+  </p:cSld>
+  <p:clrMapOvr>
+    <a:masterClrMapping/>
+  </p:clrMapOvr>
+  <p:timing>
+    <p:tnLst>
+      <p:par>
+        <p:cTn id="1" dur="indefinite" restart="never" nodeType="tmRoot"/>
+      </p:par>
+    </p:tnLst>
+  </p:timing>
+</p:sld>
+</file>
+
+<file path=ppt/slides/slide24.xml><?xml version="1.0" encoding="utf-8"?>
+<p:sld xmlns:a="http://schemas.openxmlformats.org/drawingml/2006/main" xmlns:r="http://schemas.openxmlformats.org/officeDocument/2006/relationships" xmlns:p="http://schemas.openxmlformats.org/presentationml/2006/main">
+  <p:cSld>
+    <p:spTree>
+      <p:nvGrpSpPr>
+        <p:cNvPr id="1" name=""/>
+        <p:cNvGrpSpPr/>
+        <p:nvPr/>
+      </p:nvGrpSpPr>
+      <p:grpSpPr>
+        <a:xfrm>
+          <a:off x="0" y="0"/>
+          <a:ext cx="0" cy="0"/>
+          <a:chOff x="0" y="0"/>
+          <a:chExt cx="0" cy="0"/>
+        </a:xfrm>
+      </p:grpSpPr>
+      <p:sp>
+        <p:nvSpPr>
+          <p:cNvPr id="2" name="标题 1"/>
+          <p:cNvSpPr>
+            <a:spLocks noGrp="1"/>
+          </p:cNvSpPr>
+          <p:nvPr>
+            <p:ph type="title"/>
+          </p:nvPr>
+        </p:nvSpPr>
+        <p:spPr/>
+        <p:txBody>
+          <a:bodyPr/>
+          <a:lstStyle/>
+          <a:p>
             <a:endParaRPr lang="zh-CN" altLang="en-US" dirty="0">
               <a:latin typeface="微软雅黑" pitchFamily="34" charset="-122"/>
               <a:ea typeface="微软雅黑" pitchFamily="34" charset="-122"/>
@@ -5873,7 +6577,7 @@
           <p:nvPr/>
         </p:nvPicPr>
         <p:blipFill>
-          <a:blip r:embed="rId2">
+          <a:blip r:embed="rId1">
             <a:extLst>
               <a:ext uri="{28A0092B-C50C-407E-A947-70E740481C1C}">
                 <a14:useLocalDpi xmlns:a14="http://schemas.microsoft.com/office/drawing/2010/main" val="0"/>
@@ -5929,11 +6633,6 @@
         </p:spPr>
       </p:pic>
     </p:spTree>
-    <p:extLst>
-      <p:ext uri="{BB962C8B-B14F-4D97-AF65-F5344CB8AC3E}">
-        <p14:creationId xmlns:p14="http://schemas.microsoft.com/office/powerpoint/2010/main" val="1303138214"/>
-      </p:ext>
-    </p:extLst>
   </p:cSld>
   <p:clrMapOvr>
     <a:masterClrMapping/>
@@ -5948,7 +6647,7 @@
 </p:sld>
 </file>
 
-<file path=ppt/slides/slide24.xml><?xml version="1.0" encoding="utf-8"?>
+<file path=ppt/slides/slide25.xml><?xml version="1.0" encoding="utf-8"?>
 <p:sld xmlns:a="http://schemas.openxmlformats.org/drawingml/2006/main" xmlns:r="http://schemas.openxmlformats.org/officeDocument/2006/relationships" xmlns:p="http://schemas.openxmlformats.org/presentationml/2006/main">
   <p:cSld>
     <p:spTree>
@@ -6157,7 +6856,7 @@
           <p:nvPr/>
         </p:nvPicPr>
         <p:blipFill>
-          <a:blip r:embed="rId2">
+          <a:blip r:embed="rId1">
             <a:extLst>
               <a:ext uri="{28A0092B-C50C-407E-A947-70E740481C1C}">
                 <a14:useLocalDpi xmlns:a14="http://schemas.microsoft.com/office/drawing/2010/main" val="0"/>
@@ -6171,7 +6870,7 @@
         </p:blipFill>
         <p:spPr bwMode="auto">
           <a:xfrm>
-            <a:off x="467544" y="1628800"/>
+            <a:off x="395789" y="1557045"/>
             <a:ext cx="8280920" cy="3240360"/>
           </a:xfrm>
           <a:prstGeom prst="rect">
@@ -6213,11 +6912,6 @@
         </p:spPr>
       </p:pic>
     </p:spTree>
-    <p:extLst>
-      <p:ext uri="{BB962C8B-B14F-4D97-AF65-F5344CB8AC3E}">
-        <p14:creationId xmlns:p14="http://schemas.microsoft.com/office/powerpoint/2010/main" val="1079661021"/>
-      </p:ext>
-    </p:extLst>
   </p:cSld>
   <p:clrMapOvr>
     <a:masterClrMapping/>
@@ -6232,7 +6926,7 @@
 </p:sld>
 </file>
 
-<file path=ppt/slides/slide25.xml><?xml version="1.0" encoding="utf-8"?>
+<file path=ppt/slides/slide26.xml><?xml version="1.0" encoding="utf-8"?>
 <p:sld xmlns:a="http://schemas.openxmlformats.org/drawingml/2006/main" xmlns:r="http://schemas.openxmlformats.org/officeDocument/2006/relationships" xmlns:p="http://schemas.openxmlformats.org/presentationml/2006/main">
   <p:cSld>
     <p:spTree>
@@ -6364,7 +7058,7 @@
           <p:nvPr/>
         </p:nvPicPr>
         <p:blipFill>
-          <a:blip r:embed="rId2">
+          <a:blip r:embed="rId1">
             <a:extLst>
               <a:ext uri="{28A0092B-C50C-407E-A947-70E740481C1C}">
                 <a14:useLocalDpi xmlns:a14="http://schemas.microsoft.com/office/drawing/2010/main" val="0"/>
@@ -6420,11 +7114,6 @@
         </p:spPr>
       </p:pic>
     </p:spTree>
-    <p:extLst>
-      <p:ext uri="{BB962C8B-B14F-4D97-AF65-F5344CB8AC3E}">
-        <p14:creationId xmlns:p14="http://schemas.microsoft.com/office/powerpoint/2010/main" val="1118549413"/>
-      </p:ext>
-    </p:extLst>
   </p:cSld>
   <p:clrMapOvr>
     <a:masterClrMapping/>
@@ -6439,7 +7128,7 @@
 </p:sld>
 </file>
 
-<file path=ppt/slides/slide26.xml><?xml version="1.0" encoding="utf-8"?>
+<file path=ppt/slides/slide27.xml><?xml version="1.0" encoding="utf-8"?>
 <p:sld xmlns:a="http://schemas.openxmlformats.org/drawingml/2006/main" xmlns:r="http://schemas.openxmlformats.org/officeDocument/2006/relationships" xmlns:p="http://schemas.openxmlformats.org/presentationml/2006/main">
   <p:cSld>
     <p:spTree>
@@ -6490,7 +7179,7 @@
           </p:nvPr>
         </p:nvPicPr>
         <p:blipFill>
-          <a:blip r:embed="rId2">
+          <a:blip r:embed="rId1">
             <a:extLst>
               <a:ext uri="{28A0092B-C50C-407E-A947-70E740481C1C}">
                 <a14:useLocalDpi xmlns:a14="http://schemas.microsoft.com/office/drawing/2010/main" val="0"/>
@@ -6523,209 +7212,6 @@
         </p:spPr>
       </p:pic>
     </p:spTree>
-    <p:extLst>
-      <p:ext uri="{BB962C8B-B14F-4D97-AF65-F5344CB8AC3E}">
-        <p14:creationId xmlns:p14="http://schemas.microsoft.com/office/powerpoint/2010/main" val="289015654"/>
-      </p:ext>
-    </p:extLst>
-  </p:cSld>
-  <p:clrMapOvr>
-    <a:masterClrMapping/>
-  </p:clrMapOvr>
-  <p:timing>
-    <p:tnLst>
-      <p:par>
-        <p:cTn id="1" dur="indefinite" restart="never" nodeType="tmRoot"/>
-      </p:par>
-    </p:tnLst>
-  </p:timing>
-</p:sld>
-</file>
-
-<file path=ppt/slides/slide27.xml><?xml version="1.0" encoding="utf-8"?>
-<p:sld xmlns:a="http://schemas.openxmlformats.org/drawingml/2006/main" xmlns:r="http://schemas.openxmlformats.org/officeDocument/2006/relationships" xmlns:p="http://schemas.openxmlformats.org/presentationml/2006/main">
-  <p:cSld>
-    <p:spTree>
-      <p:nvGrpSpPr>
-        <p:cNvPr id="1" name=""/>
-        <p:cNvGrpSpPr/>
-        <p:nvPr/>
-      </p:nvGrpSpPr>
-      <p:grpSpPr>
-        <a:xfrm>
-          <a:off x="0" y="0"/>
-          <a:ext cx="0" cy="0"/>
-          <a:chOff x="0" y="0"/>
-          <a:chExt cx="0" cy="0"/>
-        </a:xfrm>
-      </p:grpSpPr>
-      <p:sp>
-        <p:nvSpPr>
-          <p:cNvPr id="2" name="标题 1"/>
-          <p:cNvSpPr>
-            <a:spLocks noGrp="1"/>
-          </p:cNvSpPr>
-          <p:nvPr>
-            <p:ph type="title"/>
-          </p:nvPr>
-        </p:nvSpPr>
-        <p:spPr/>
-        <p:txBody>
-          <a:bodyPr/>
-          <a:lstStyle/>
-          <a:p>
-            <a:r>
-              <a:rPr lang="zh-CN" altLang="en-US" dirty="0" smtClean="0"/>
-              <a:t>两个线程执行顺序的问题（同步）</a:t>
-            </a:r>
-            <a:endParaRPr lang="zh-CN" altLang="en-US" dirty="0"/>
-          </a:p>
-        </p:txBody>
-      </p:sp>
-      <p:sp>
-        <p:nvSpPr>
-          <p:cNvPr id="3" name="内容占位符 2"/>
-          <p:cNvSpPr>
-            <a:spLocks noGrp="1"/>
-          </p:cNvSpPr>
-          <p:nvPr>
-            <p:ph idx="1"/>
-          </p:nvPr>
-        </p:nvSpPr>
-        <p:spPr/>
-        <p:txBody>
-          <a:bodyPr/>
-          <a:lstStyle/>
-          <a:p>
-            <a:r>
-              <a:rPr lang="en-US" altLang="zh-CN" dirty="0" err="1" smtClean="0"/>
-              <a:t>Thread_create</a:t>
-            </a:r>
-            <a:r>
-              <a:rPr lang="zh-CN" altLang="en-US" dirty="0" smtClean="0"/>
-              <a:t>函数创建的线程和内核</a:t>
-            </a:r>
-            <a:r>
-              <a:rPr lang="en-US" altLang="zh-CN" dirty="0" smtClean="0"/>
-              <a:t>main</a:t>
-            </a:r>
-            <a:r>
-              <a:rPr lang="zh-CN" altLang="en-US" dirty="0" smtClean="0"/>
-              <a:t>线程是等优先级的。因此，会出现一种情况，就是用户用户还没有执行完毕，就被迫让出</a:t>
-            </a:r>
-            <a:r>
-              <a:rPr lang="en-US" altLang="zh-CN" dirty="0" err="1" smtClean="0"/>
-              <a:t>cpu</a:t>
-            </a:r>
-            <a:r>
-              <a:rPr lang="zh-CN" altLang="en-US" dirty="0" smtClean="0"/>
-              <a:t>，而使得主线程提前结束。</a:t>
-            </a:r>
-            <a:endParaRPr lang="en-US" altLang="zh-CN" dirty="0" smtClean="0"/>
-          </a:p>
-          <a:p>
-            <a:endParaRPr lang="en-US" altLang="zh-CN" dirty="0"/>
-          </a:p>
-          <a:p>
-            <a:r>
-              <a:rPr lang="zh-CN" altLang="en-US" dirty="0" smtClean="0">
-                <a:solidFill>
-                  <a:srgbClr val="FF0000"/>
-                </a:solidFill>
-              </a:rPr>
-              <a:t>解决办法：</a:t>
-            </a:r>
-            <a:endParaRPr lang="en-US" altLang="zh-CN" dirty="0" smtClean="0">
-              <a:solidFill>
-                <a:srgbClr val="FF0000"/>
-              </a:solidFill>
-            </a:endParaRPr>
-          </a:p>
-          <a:p>
-            <a:r>
-              <a:rPr lang="zh-CN" altLang="en-US" dirty="0" smtClean="0"/>
-              <a:t>在</a:t>
-            </a:r>
-            <a:r>
-              <a:rPr lang="en-US" altLang="zh-CN" dirty="0" smtClean="0"/>
-              <a:t>pintos</a:t>
-            </a:r>
-            <a:r>
-              <a:rPr lang="zh-CN" altLang="en-US" dirty="0" smtClean="0"/>
-              <a:t>开始跑起来的时候，初始化一个值为</a:t>
-            </a:r>
-            <a:r>
-              <a:rPr lang="en-US" altLang="zh-CN" dirty="0"/>
-              <a:t>0</a:t>
-            </a:r>
-            <a:r>
-              <a:rPr lang="zh-CN" altLang="en-US" dirty="0" smtClean="0"/>
-              <a:t>的信号量。</a:t>
-            </a:r>
-            <a:endParaRPr lang="en-US" altLang="zh-CN" dirty="0" smtClean="0"/>
-          </a:p>
-          <a:p>
-            <a:r>
-              <a:rPr lang="zh-CN" altLang="en-US" dirty="0" smtClean="0"/>
-              <a:t>在主线程执行</a:t>
-            </a:r>
-            <a:r>
-              <a:rPr lang="en-US" altLang="zh-CN" dirty="0" err="1" smtClean="0"/>
-              <a:t>thread_create</a:t>
-            </a:r>
-            <a:r>
-              <a:rPr lang="zh-CN" altLang="en-US" dirty="0" smtClean="0"/>
-              <a:t>后面加一句 </a:t>
-            </a:r>
-            <a:r>
-              <a:rPr lang="en-US" altLang="zh-CN" dirty="0" err="1" smtClean="0"/>
-              <a:t>sema_down</a:t>
-            </a:r>
-            <a:r>
-              <a:rPr lang="zh-CN" altLang="en-US" dirty="0" smtClean="0"/>
-              <a:t>来减少这个信号量。因为此时信号量的值为</a:t>
-            </a:r>
-            <a:r>
-              <a:rPr lang="en-US" altLang="zh-CN" dirty="0" smtClean="0"/>
-              <a:t>0</a:t>
-            </a:r>
-            <a:r>
-              <a:rPr lang="zh-CN" altLang="en-US" dirty="0" smtClean="0"/>
-              <a:t>，所以主线程会被睡眠。</a:t>
-            </a:r>
-            <a:endParaRPr lang="en-US" altLang="zh-CN" dirty="0" smtClean="0"/>
-          </a:p>
-          <a:p>
-            <a:r>
-              <a:rPr lang="zh-CN" altLang="en-US" dirty="0" smtClean="0"/>
-              <a:t>当用户线程运行完毕之后，在</a:t>
-            </a:r>
-            <a:r>
-              <a:rPr lang="en-US" altLang="zh-CN" dirty="0" err="1" smtClean="0"/>
-              <a:t>thread_exit</a:t>
-            </a:r>
-            <a:r>
-              <a:rPr lang="zh-CN" altLang="en-US" dirty="0" smtClean="0"/>
-              <a:t>中将</a:t>
-            </a:r>
-            <a:r>
-              <a:rPr lang="en-US" altLang="zh-CN" dirty="0" err="1" smtClean="0"/>
-              <a:t>sema</a:t>
-            </a:r>
-            <a:r>
-              <a:rPr lang="zh-CN" altLang="en-US" dirty="0" smtClean="0"/>
-              <a:t>加一，这样主线程再度被唤醒。</a:t>
-            </a:r>
-            <a:endParaRPr lang="zh-CN" altLang="en-US" dirty="0"/>
-          </a:p>
-        </p:txBody>
-      </p:sp>
-    </p:spTree>
-    <p:extLst>
-      <p:ext uri="{BB962C8B-B14F-4D97-AF65-F5344CB8AC3E}">
-        <p14:creationId xmlns:p14="http://schemas.microsoft.com/office/powerpoint/2010/main" val="3578891229"/>
-      </p:ext>
-    </p:extLst>
   </p:cSld>
   <p:clrMapOvr>
     <a:masterClrMapping/>
@@ -6772,6 +7258,199 @@
           <a:bodyPr/>
           <a:lstStyle/>
           <a:p>
+            <a:r>
+              <a:rPr lang="zh-CN" altLang="en-US" dirty="0" smtClean="0"/>
+              <a:t>两个线程执行顺序的问题（同步）</a:t>
+            </a:r>
+            <a:endParaRPr lang="zh-CN" altLang="en-US" dirty="0"/>
+          </a:p>
+        </p:txBody>
+      </p:sp>
+      <p:sp>
+        <p:nvSpPr>
+          <p:cNvPr id="3" name="内容占位符 2"/>
+          <p:cNvSpPr>
+            <a:spLocks noGrp="1"/>
+          </p:cNvSpPr>
+          <p:nvPr>
+            <p:ph idx="1"/>
+          </p:nvPr>
+        </p:nvSpPr>
+        <p:spPr/>
+        <p:txBody>
+          <a:bodyPr/>
+          <a:lstStyle/>
+          <a:p>
+            <a:r>
+              <a:rPr lang="en-US" altLang="zh-CN" dirty="0" err="1" smtClean="0"/>
+              <a:t>Thread_create</a:t>
+            </a:r>
+            <a:r>
+              <a:rPr lang="zh-CN" altLang="en-US" dirty="0" smtClean="0"/>
+              <a:t>函数创建的线程和内核</a:t>
+            </a:r>
+            <a:r>
+              <a:rPr lang="en-US" altLang="zh-CN" dirty="0" smtClean="0"/>
+              <a:t>main</a:t>
+            </a:r>
+            <a:r>
+              <a:rPr lang="zh-CN" altLang="en-US" dirty="0" smtClean="0"/>
+              <a:t>线程是等优先级的。因此，会出现一种情况，就是用户用户还没有执行完毕，就被迫让出</a:t>
+            </a:r>
+            <a:r>
+              <a:rPr lang="en-US" altLang="zh-CN" dirty="0" err="1" smtClean="0"/>
+              <a:t>cpu</a:t>
+            </a:r>
+            <a:r>
+              <a:rPr lang="zh-CN" altLang="en-US" dirty="0" smtClean="0"/>
+              <a:t>，而使得主线程提前结束。</a:t>
+            </a:r>
+            <a:endParaRPr lang="en-US" altLang="zh-CN" dirty="0" smtClean="0"/>
+          </a:p>
+          <a:p>
+            <a:endParaRPr lang="en-US" altLang="zh-CN" dirty="0"/>
+          </a:p>
+          <a:p>
+            <a:r>
+              <a:rPr lang="zh-CN" altLang="en-US" dirty="0" smtClean="0">
+                <a:solidFill>
+                  <a:srgbClr val="FF0000"/>
+                </a:solidFill>
+              </a:rPr>
+              <a:t>解决办法：</a:t>
+            </a:r>
+            <a:endParaRPr lang="en-US" altLang="zh-CN" dirty="0" smtClean="0">
+              <a:solidFill>
+                <a:srgbClr val="FF0000"/>
+              </a:solidFill>
+            </a:endParaRPr>
+          </a:p>
+          <a:p>
+            <a:r>
+              <a:rPr lang="zh-CN" altLang="en-US" dirty="0" smtClean="0"/>
+              <a:t>在</a:t>
+            </a:r>
+            <a:r>
+              <a:rPr lang="en-US" altLang="zh-CN" dirty="0" smtClean="0"/>
+              <a:t>pintos</a:t>
+            </a:r>
+            <a:r>
+              <a:rPr lang="zh-CN" altLang="en-US" dirty="0" smtClean="0"/>
+              <a:t>开始跑起来的时候，初始化一个值为</a:t>
+            </a:r>
+            <a:r>
+              <a:rPr lang="en-US" altLang="zh-CN" dirty="0"/>
+              <a:t>0</a:t>
+            </a:r>
+            <a:r>
+              <a:rPr lang="zh-CN" altLang="en-US" dirty="0" smtClean="0"/>
+              <a:t>的信号量。</a:t>
+            </a:r>
+            <a:endParaRPr lang="en-US" altLang="zh-CN" dirty="0" smtClean="0"/>
+          </a:p>
+          <a:p>
+            <a:r>
+              <a:rPr lang="zh-CN" altLang="en-US" dirty="0" smtClean="0"/>
+              <a:t>在主线程执行</a:t>
+            </a:r>
+            <a:r>
+              <a:rPr lang="en-US" altLang="zh-CN" dirty="0" err="1" smtClean="0"/>
+              <a:t>thread_create</a:t>
+            </a:r>
+            <a:r>
+              <a:rPr lang="zh-CN" altLang="en-US" dirty="0" smtClean="0"/>
+              <a:t>后面加一句 </a:t>
+            </a:r>
+            <a:r>
+              <a:rPr lang="en-US" altLang="zh-CN" dirty="0" err="1" smtClean="0"/>
+              <a:t>sema_down</a:t>
+            </a:r>
+            <a:r>
+              <a:rPr lang="zh-CN" altLang="en-US" dirty="0" smtClean="0"/>
+              <a:t>来减少这个信号量。因为此时信号量的值为</a:t>
+            </a:r>
+            <a:r>
+              <a:rPr lang="en-US" altLang="zh-CN" dirty="0" smtClean="0"/>
+              <a:t>0</a:t>
+            </a:r>
+            <a:r>
+              <a:rPr lang="zh-CN" altLang="en-US" dirty="0" smtClean="0"/>
+              <a:t>，所以主线程会被睡眠。</a:t>
+            </a:r>
+            <a:endParaRPr lang="en-US" altLang="zh-CN" dirty="0" smtClean="0"/>
+          </a:p>
+          <a:p>
+            <a:r>
+              <a:rPr lang="zh-CN" altLang="en-US" dirty="0" smtClean="0"/>
+              <a:t>当用户线程运行完毕之后，在</a:t>
+            </a:r>
+            <a:r>
+              <a:rPr lang="en-US" altLang="zh-CN" dirty="0" err="1" smtClean="0"/>
+              <a:t>thread_exit</a:t>
+            </a:r>
+            <a:r>
+              <a:rPr lang="zh-CN" altLang="en-US" dirty="0" smtClean="0"/>
+              <a:t>中将</a:t>
+            </a:r>
+            <a:r>
+              <a:rPr lang="en-US" altLang="zh-CN" dirty="0" err="1" smtClean="0"/>
+              <a:t>sema</a:t>
+            </a:r>
+            <a:r>
+              <a:rPr lang="zh-CN" altLang="en-US" dirty="0" smtClean="0"/>
+              <a:t>加一，这样主线程再度被唤醒。</a:t>
+            </a:r>
+            <a:endParaRPr lang="zh-CN" altLang="en-US" dirty="0"/>
+          </a:p>
+        </p:txBody>
+      </p:sp>
+    </p:spTree>
+  </p:cSld>
+  <p:clrMapOvr>
+    <a:masterClrMapping/>
+  </p:clrMapOvr>
+  <p:timing>
+    <p:tnLst>
+      <p:par>
+        <p:cTn id="1" dur="indefinite" restart="never" nodeType="tmRoot"/>
+      </p:par>
+    </p:tnLst>
+  </p:timing>
+</p:sld>
+</file>
+
+<file path=ppt/slides/slide29.xml><?xml version="1.0" encoding="utf-8"?>
+<p:sld xmlns:a="http://schemas.openxmlformats.org/drawingml/2006/main" xmlns:r="http://schemas.openxmlformats.org/officeDocument/2006/relationships" xmlns:p="http://schemas.openxmlformats.org/presentationml/2006/main">
+  <p:cSld>
+    <p:spTree>
+      <p:nvGrpSpPr>
+        <p:cNvPr id="1" name=""/>
+        <p:cNvGrpSpPr/>
+        <p:nvPr/>
+      </p:nvGrpSpPr>
+      <p:grpSpPr>
+        <a:xfrm>
+          <a:off x="0" y="0"/>
+          <a:ext cx="0" cy="0"/>
+          <a:chOff x="0" y="0"/>
+          <a:chExt cx="0" cy="0"/>
+        </a:xfrm>
+      </p:grpSpPr>
+      <p:sp>
+        <p:nvSpPr>
+          <p:cNvPr id="2" name="标题 1"/>
+          <p:cNvSpPr>
+            <a:spLocks noGrp="1"/>
+          </p:cNvSpPr>
+          <p:nvPr>
+            <p:ph type="title"/>
+          </p:nvPr>
+        </p:nvSpPr>
+        <p:spPr/>
+        <p:txBody>
+          <a:bodyPr/>
+          <a:lstStyle/>
+          <a:p>
             <a:endParaRPr lang="zh-CN" altLang="en-US"/>
           </a:p>
         </p:txBody>
@@ -6796,11 +7475,6 @@
         </p:txBody>
       </p:sp>
     </p:spTree>
-    <p:extLst>
-      <p:ext uri="{BB962C8B-B14F-4D97-AF65-F5344CB8AC3E}">
-        <p14:creationId xmlns:p14="http://schemas.microsoft.com/office/powerpoint/2010/main" val="2143736584"/>
-      </p:ext>
-    </p:extLst>
   </p:cSld>
   <p:clrMapOvr>
     <a:masterClrMapping/>
@@ -6872,7 +7546,7 @@
           </p:nvPr>
         </p:nvPicPr>
         <p:blipFill>
-          <a:blip r:embed="rId2">
+          <a:blip r:embed="rId1">
             <a:extLst>
               <a:ext uri="{28A0092B-C50C-407E-A947-70E740481C1C}">
                 <a14:useLocalDpi xmlns:a14="http://schemas.microsoft.com/office/drawing/2010/main" val="0"/>
@@ -6891,11 +7565,6 @@
         </p:spPr>
       </p:pic>
     </p:spTree>
-    <p:extLst>
-      <p:ext uri="{BB962C8B-B14F-4D97-AF65-F5344CB8AC3E}">
-        <p14:creationId xmlns:p14="http://schemas.microsoft.com/office/powerpoint/2010/main" val="3482493439"/>
-      </p:ext>
-    </p:extLst>
   </p:cSld>
   <p:clrMapOvr>
     <a:masterClrMapping/>
@@ -6956,72 +7625,36 @@
           </a:p>
         </p:txBody>
       </p:sp>
-      <p:sp>
-        <p:nvSpPr>
-          <p:cNvPr id="3" name="内容占位符 2"/>
-          <p:cNvSpPr>
-            <a:spLocks noGrp="1"/>
-          </p:cNvSpPr>
-          <p:nvPr>
-            <p:ph idx="1"/>
-          </p:nvPr>
-        </p:nvSpPr>
-        <p:spPr/>
-        <p:txBody>
-          <a:bodyPr/>
-          <a:lstStyle/>
-          <a:p>
-            <a:endParaRPr lang="zh-CN" altLang="en-US" dirty="0"/>
-          </a:p>
-        </p:txBody>
-      </p:sp>
       <p:pic>
         <p:nvPicPr>
-          <p:cNvPr id="2050" name="Picture 2" descr="C:\Users\Ian's PC\Desktop\pintos温帅哥project2\main2.bmp"/>
+          <p:cNvPr id="4" name="内容占位符 3"/>
           <p:cNvPicPr>
-            <a:picLocks noChangeAspect="1" noChangeArrowheads="1"/>
+            <a:picLocks noGrp="1" noChangeAspect="1"/>
           </p:cNvPicPr>
-          <p:nvPr/>
+          <p:nvPr>
+            <p:ph idx="1"/>
+          </p:nvPr>
         </p:nvPicPr>
         <p:blipFill>
-          <a:blip r:embed="rId2">
+          <a:blip r:embed="rId1">
             <a:extLst>
               <a:ext uri="{28A0092B-C50C-407E-A947-70E740481C1C}">
                 <a14:useLocalDpi xmlns:a14="http://schemas.microsoft.com/office/drawing/2010/main" val="0"/>
               </a:ext>
             </a:extLst>
           </a:blip>
-          <a:srcRect/>
           <a:stretch>
             <a:fillRect/>
           </a:stretch>
         </p:blipFill>
-        <p:spPr bwMode="auto">
+        <p:spPr>
           <a:xfrm>
-            <a:off x="1763688" y="188640"/>
-            <a:ext cx="9205720" cy="6192688"/>
+            <a:off x="2165203" y="0"/>
+            <a:ext cx="6655269" cy="6858000"/>
           </a:xfrm>
-          <a:prstGeom prst="rect">
-            <a:avLst/>
-          </a:prstGeom>
-          <a:noFill/>
-          <a:extLst>
-            <a:ext uri="{909E8E84-426E-40DD-AFC4-6F175D3DCCD1}">
-              <a14:hiddenFill xmlns:a14="http://schemas.microsoft.com/office/drawing/2010/main">
-                <a:solidFill>
-                  <a:srgbClr val="FFFFFF"/>
-                </a:solidFill>
-              </a14:hiddenFill>
-            </a:ext>
-          </a:extLst>
         </p:spPr>
       </p:pic>
     </p:spTree>
-    <p:extLst>
-      <p:ext uri="{BB962C8B-B14F-4D97-AF65-F5344CB8AC3E}">
-        <p14:creationId xmlns:p14="http://schemas.microsoft.com/office/powerpoint/2010/main" val="2083265722"/>
-      </p:ext>
-    </p:extLst>
   </p:cSld>
   <p:clrMapOvr>
     <a:masterClrMapping/>
@@ -7068,6 +7701,127 @@
           <a:bodyPr/>
           <a:lstStyle/>
           <a:p>
+            <a:r>
+              <a:rPr lang="en-US" altLang="zh-CN" dirty="0" err="1" smtClean="0">
+                <a:latin typeface="微软雅黑" pitchFamily="34" charset="-122"/>
+                <a:ea typeface="微软雅黑" pitchFamily="34" charset="-122"/>
+              </a:rPr>
+              <a:t>init.c</a:t>
+            </a:r>
+            <a:endParaRPr lang="zh-CN" altLang="en-US" dirty="0">
+              <a:latin typeface="微软雅黑" pitchFamily="34" charset="-122"/>
+              <a:ea typeface="微软雅黑" pitchFamily="34" charset="-122"/>
+            </a:endParaRPr>
+          </a:p>
+        </p:txBody>
+      </p:sp>
+      <p:sp>
+        <p:nvSpPr>
+          <p:cNvPr id="3" name="内容占位符 2"/>
+          <p:cNvSpPr>
+            <a:spLocks noGrp="1"/>
+          </p:cNvSpPr>
+          <p:nvPr>
+            <p:ph idx="1"/>
+          </p:nvPr>
+        </p:nvSpPr>
+        <p:spPr/>
+        <p:txBody>
+          <a:bodyPr/>
+          <a:lstStyle/>
+          <a:p>
+            <a:endParaRPr lang="zh-CN" altLang="en-US" dirty="0"/>
+          </a:p>
+        </p:txBody>
+      </p:sp>
+      <p:pic>
+        <p:nvPicPr>
+          <p:cNvPr id="2050" name="Picture 2" descr="C:\Users\Ian's PC\Desktop\pintos温帅哥project2\main2.bmp"/>
+          <p:cNvPicPr>
+            <a:picLocks noChangeAspect="1" noChangeArrowheads="1"/>
+          </p:cNvPicPr>
+          <p:nvPr/>
+        </p:nvPicPr>
+        <p:blipFill>
+          <a:blip r:embed="rId1">
+            <a:extLst>
+              <a:ext uri="{28A0092B-C50C-407E-A947-70E740481C1C}">
+                <a14:useLocalDpi xmlns:a14="http://schemas.microsoft.com/office/drawing/2010/main" val="0"/>
+              </a:ext>
+            </a:extLst>
+          </a:blip>
+          <a:srcRect/>
+          <a:stretch>
+            <a:fillRect/>
+          </a:stretch>
+        </p:blipFill>
+        <p:spPr bwMode="auto">
+          <a:xfrm>
+            <a:off x="511175" y="1219835"/>
+            <a:ext cx="8623300" cy="5800725"/>
+          </a:xfrm>
+          <a:prstGeom prst="rect">
+            <a:avLst/>
+          </a:prstGeom>
+          <a:noFill/>
+          <a:extLst>
+            <a:ext uri="{909E8E84-426E-40DD-AFC4-6F175D3DCCD1}">
+              <a14:hiddenFill xmlns:a14="http://schemas.microsoft.com/office/drawing/2010/main">
+                <a:solidFill>
+                  <a:srgbClr val="FFFFFF"/>
+                </a:solidFill>
+              </a14:hiddenFill>
+            </a:ext>
+          </a:extLst>
+        </p:spPr>
+      </p:pic>
+    </p:spTree>
+  </p:cSld>
+  <p:clrMapOvr>
+    <a:masterClrMapping/>
+  </p:clrMapOvr>
+  <p:timing>
+    <p:tnLst>
+      <p:par>
+        <p:cTn id="1" dur="indefinite" restart="never" nodeType="tmRoot"/>
+      </p:par>
+    </p:tnLst>
+  </p:timing>
+</p:sld>
+</file>
+
+<file path=ppt/slides/slide6.xml><?xml version="1.0" encoding="utf-8"?>
+<p:sld xmlns:a="http://schemas.openxmlformats.org/drawingml/2006/main" xmlns:r="http://schemas.openxmlformats.org/officeDocument/2006/relationships" xmlns:p="http://schemas.openxmlformats.org/presentationml/2006/main">
+  <p:cSld>
+    <p:spTree>
+      <p:nvGrpSpPr>
+        <p:cNvPr id="1" name=""/>
+        <p:cNvGrpSpPr/>
+        <p:nvPr/>
+      </p:nvGrpSpPr>
+      <p:grpSpPr>
+        <a:xfrm>
+          <a:off x="0" y="0"/>
+          <a:ext cx="0" cy="0"/>
+          <a:chOff x="0" y="0"/>
+          <a:chExt cx="0" cy="0"/>
+        </a:xfrm>
+      </p:grpSpPr>
+      <p:sp>
+        <p:nvSpPr>
+          <p:cNvPr id="2" name="标题 1"/>
+          <p:cNvSpPr>
+            <a:spLocks noGrp="1"/>
+          </p:cNvSpPr>
+          <p:nvPr>
+            <p:ph type="title"/>
+          </p:nvPr>
+        </p:nvSpPr>
+        <p:spPr/>
+        <p:txBody>
+          <a:bodyPr/>
+          <a:lstStyle/>
+          <a:p>
             <a:endParaRPr lang="zh-CN" altLang="en-US" dirty="0">
               <a:latin typeface="微软雅黑" pitchFamily="34" charset="-122"/>
               <a:ea typeface="微软雅黑" pitchFamily="34" charset="-122"/>
@@ -7205,7 +7959,7 @@
           <p:nvPr/>
         </p:nvPicPr>
         <p:blipFill>
-          <a:blip r:embed="rId2">
+          <a:blip r:embed="rId1">
             <a:extLst>
               <a:ext uri="{28A0092B-C50C-407E-A947-70E740481C1C}">
                 <a14:useLocalDpi xmlns:a14="http://schemas.microsoft.com/office/drawing/2010/main" val="0"/>
@@ -7238,224 +7992,6 @@
         </p:spPr>
       </p:pic>
     </p:spTree>
-    <p:extLst>
-      <p:ext uri="{BB962C8B-B14F-4D97-AF65-F5344CB8AC3E}">
-        <p14:creationId xmlns:p14="http://schemas.microsoft.com/office/powerpoint/2010/main" val="1711093701"/>
-      </p:ext>
-    </p:extLst>
-  </p:cSld>
-  <p:clrMapOvr>
-    <a:masterClrMapping/>
-  </p:clrMapOvr>
-  <p:timing>
-    <p:tnLst>
-      <p:par>
-        <p:cTn id="1" dur="indefinite" restart="never" nodeType="tmRoot"/>
-      </p:par>
-    </p:tnLst>
-  </p:timing>
-</p:sld>
-</file>
-
-<file path=ppt/slides/slide6.xml><?xml version="1.0" encoding="utf-8"?>
-<p:sld xmlns:a="http://schemas.openxmlformats.org/drawingml/2006/main" xmlns:r="http://schemas.openxmlformats.org/officeDocument/2006/relationships" xmlns:p="http://schemas.openxmlformats.org/presentationml/2006/main">
-  <p:cSld>
-    <p:spTree>
-      <p:nvGrpSpPr>
-        <p:cNvPr id="1" name=""/>
-        <p:cNvGrpSpPr/>
-        <p:nvPr/>
-      </p:nvGrpSpPr>
-      <p:grpSpPr>
-        <a:xfrm>
-          <a:off x="0" y="0"/>
-          <a:ext cx="0" cy="0"/>
-          <a:chOff x="0" y="0"/>
-          <a:chExt cx="0" cy="0"/>
-        </a:xfrm>
-      </p:grpSpPr>
-      <p:sp>
-        <p:nvSpPr>
-          <p:cNvPr id="2" name="标题 1"/>
-          <p:cNvSpPr>
-            <a:spLocks noGrp="1"/>
-          </p:cNvSpPr>
-          <p:nvPr>
-            <p:ph type="title"/>
-          </p:nvPr>
-        </p:nvSpPr>
-        <p:spPr/>
-        <p:txBody>
-          <a:bodyPr/>
-          <a:lstStyle/>
-          <a:p>
-            <a:r>
-              <a:rPr lang="en-US" altLang="zh-CN" dirty="0" smtClean="0">
-                <a:latin typeface="微软雅黑" pitchFamily="34" charset="-122"/>
-                <a:ea typeface="微软雅黑" pitchFamily="34" charset="-122"/>
-              </a:rPr>
-              <a:t>/thread/</a:t>
-            </a:r>
-            <a:r>
-              <a:rPr lang="en-US" altLang="zh-CN" dirty="0" err="1" smtClean="0">
-                <a:latin typeface="微软雅黑" pitchFamily="34" charset="-122"/>
-                <a:ea typeface="微软雅黑" pitchFamily="34" charset="-122"/>
-              </a:rPr>
-              <a:t>thread.c</a:t>
-            </a:r>
-            <a:endParaRPr lang="zh-CN" altLang="en-US" dirty="0">
-              <a:latin typeface="微软雅黑" pitchFamily="34" charset="-122"/>
-              <a:ea typeface="微软雅黑" pitchFamily="34" charset="-122"/>
-            </a:endParaRPr>
-          </a:p>
-        </p:txBody>
-      </p:sp>
-      <p:sp>
-        <p:nvSpPr>
-          <p:cNvPr id="3" name="内容占位符 2"/>
-          <p:cNvSpPr>
-            <a:spLocks noGrp="1"/>
-          </p:cNvSpPr>
-          <p:nvPr>
-            <p:ph idx="1"/>
-          </p:nvPr>
-        </p:nvSpPr>
-        <p:spPr/>
-        <p:txBody>
-          <a:bodyPr/>
-          <a:lstStyle/>
-          <a:p>
-            <a:r>
-              <a:rPr lang="en-US" altLang="zh-CN" dirty="0" err="1" smtClean="0">
-                <a:latin typeface="微软雅黑" pitchFamily="34" charset="-122"/>
-                <a:ea typeface="微软雅黑" pitchFamily="34" charset="-122"/>
-              </a:rPr>
-              <a:t>thread_create</a:t>
-            </a:r>
-            <a:r>
-              <a:rPr lang="en-US" altLang="zh-CN" dirty="0" smtClean="0">
-                <a:latin typeface="微软雅黑" pitchFamily="34" charset="-122"/>
-                <a:ea typeface="微软雅黑" pitchFamily="34" charset="-122"/>
-              </a:rPr>
-              <a:t>(char* name, </a:t>
-            </a:r>
-            <a:r>
-              <a:rPr lang="en-US" altLang="zh-CN" dirty="0" err="1" smtClean="0">
-                <a:latin typeface="微软雅黑" pitchFamily="34" charset="-122"/>
-                <a:ea typeface="微软雅黑" pitchFamily="34" charset="-122"/>
-              </a:rPr>
-              <a:t>int</a:t>
-            </a:r>
-            <a:r>
-              <a:rPr lang="en-US" altLang="zh-CN" dirty="0" smtClean="0">
-                <a:latin typeface="微软雅黑" pitchFamily="34" charset="-122"/>
-                <a:ea typeface="微软雅黑" pitchFamily="34" charset="-122"/>
-              </a:rPr>
-              <a:t> </a:t>
-            </a:r>
-            <a:r>
-              <a:rPr lang="en-US" altLang="zh-CN" dirty="0" err="1" smtClean="0">
-                <a:latin typeface="微软雅黑" pitchFamily="34" charset="-122"/>
-                <a:ea typeface="微软雅黑" pitchFamily="34" charset="-122"/>
-              </a:rPr>
-              <a:t>pri</a:t>
-            </a:r>
-            <a:r>
-              <a:rPr lang="en-US" altLang="zh-CN" dirty="0" smtClean="0">
-                <a:latin typeface="微软雅黑" pitchFamily="34" charset="-122"/>
-                <a:ea typeface="微软雅黑" pitchFamily="34" charset="-122"/>
-              </a:rPr>
-              <a:t>, void* </a:t>
-            </a:r>
-            <a:r>
-              <a:rPr lang="en-US" altLang="zh-CN" dirty="0" err="1" smtClean="0">
-                <a:latin typeface="微软雅黑" pitchFamily="34" charset="-122"/>
-                <a:ea typeface="微软雅黑" pitchFamily="34" charset="-122"/>
-              </a:rPr>
-              <a:t>func</a:t>
-            </a:r>
-            <a:r>
-              <a:rPr lang="en-US" altLang="zh-CN" dirty="0" smtClean="0">
-                <a:latin typeface="微软雅黑" pitchFamily="34" charset="-122"/>
-                <a:ea typeface="微软雅黑" pitchFamily="34" charset="-122"/>
-              </a:rPr>
-              <a:t>, void* </a:t>
-            </a:r>
-            <a:r>
-              <a:rPr lang="en-US" altLang="zh-CN" dirty="0" err="1" smtClean="0">
-                <a:latin typeface="微软雅黑" pitchFamily="34" charset="-122"/>
-                <a:ea typeface="微软雅黑" pitchFamily="34" charset="-122"/>
-              </a:rPr>
-              <a:t>args</a:t>
-            </a:r>
-            <a:r>
-              <a:rPr lang="en-US" altLang="zh-CN" dirty="0" smtClean="0">
-                <a:latin typeface="微软雅黑" pitchFamily="34" charset="-122"/>
-                <a:ea typeface="微软雅黑" pitchFamily="34" charset="-122"/>
-              </a:rPr>
-              <a:t>)</a:t>
-            </a:r>
-          </a:p>
-          <a:p>
-            <a:endParaRPr lang="en-US" altLang="zh-CN" dirty="0">
-              <a:latin typeface="微软雅黑" pitchFamily="34" charset="-122"/>
-              <a:ea typeface="微软雅黑" pitchFamily="34" charset="-122"/>
-            </a:endParaRPr>
-          </a:p>
-          <a:p>
-            <a:r>
-              <a:rPr lang="zh-CN" altLang="en-US" dirty="0" smtClean="0">
-                <a:latin typeface="微软雅黑" pitchFamily="34" charset="-122"/>
-                <a:ea typeface="微软雅黑" pitchFamily="34" charset="-122"/>
-              </a:rPr>
-              <a:t>创建一个新线程，返回这个线程的线程号。</a:t>
-            </a:r>
-            <a:endParaRPr lang="en-US" altLang="zh-CN" dirty="0" smtClean="0">
-              <a:latin typeface="微软雅黑" pitchFamily="34" charset="-122"/>
-              <a:ea typeface="微软雅黑" pitchFamily="34" charset="-122"/>
-            </a:endParaRPr>
-          </a:p>
-          <a:p>
-            <a:r>
-              <a:rPr lang="zh-CN" altLang="en-US" dirty="0" smtClean="0">
-                <a:latin typeface="微软雅黑" pitchFamily="34" charset="-122"/>
-                <a:ea typeface="微软雅黑" pitchFamily="34" charset="-122"/>
-              </a:rPr>
-              <a:t>参数分别是名字，优先级，该线程所执行的函数，和这个函数的参数。</a:t>
-            </a:r>
-            <a:endParaRPr lang="en-US" altLang="zh-CN" dirty="0" smtClean="0">
-              <a:latin typeface="微软雅黑" pitchFamily="34" charset="-122"/>
-              <a:ea typeface="微软雅黑" pitchFamily="34" charset="-122"/>
-            </a:endParaRPr>
-          </a:p>
-          <a:p>
-            <a:r>
-              <a:rPr lang="zh-CN" altLang="en-US" dirty="0">
-                <a:latin typeface="微软雅黑" pitchFamily="34" charset="-122"/>
-                <a:ea typeface="微软雅黑" pitchFamily="34" charset="-122"/>
-              </a:rPr>
-              <a:t>第三</a:t>
-            </a:r>
-            <a:r>
-              <a:rPr lang="zh-CN" altLang="en-US" dirty="0" smtClean="0">
-                <a:latin typeface="微软雅黑" pitchFamily="34" charset="-122"/>
-                <a:ea typeface="微软雅黑" pitchFamily="34" charset="-122"/>
-              </a:rPr>
-              <a:t>个参数是一个函数的指针。</a:t>
-            </a:r>
-            <a:endParaRPr lang="en-US" altLang="zh-CN" dirty="0" smtClean="0">
-              <a:latin typeface="微软雅黑" pitchFamily="34" charset="-122"/>
-              <a:ea typeface="微软雅黑" pitchFamily="34" charset="-122"/>
-            </a:endParaRPr>
-          </a:p>
-        </p:txBody>
-      </p:sp>
-    </p:spTree>
-    <p:extLst>
-      <p:ext uri="{BB962C8B-B14F-4D97-AF65-F5344CB8AC3E}">
-        <p14:creationId xmlns:p14="http://schemas.microsoft.com/office/powerpoint/2010/main" val="1874492267"/>
-      </p:ext>
-    </p:extLst>
   </p:cSld>
   <p:clrMapOvr>
     <a:masterClrMapping/>
@@ -7502,6 +8038,20 @@
           <a:bodyPr/>
           <a:lstStyle/>
           <a:p>
+            <a:r>
+              <a:rPr lang="en-US" altLang="zh-CN" dirty="0" smtClean="0">
+                <a:latin typeface="微软雅黑" pitchFamily="34" charset="-122"/>
+                <a:ea typeface="微软雅黑" pitchFamily="34" charset="-122"/>
+              </a:rPr>
+              <a:t>/thread/</a:t>
+            </a:r>
+            <a:r>
+              <a:rPr lang="en-US" altLang="zh-CN" dirty="0" err="1" smtClean="0">
+                <a:latin typeface="微软雅黑" pitchFamily="34" charset="-122"/>
+                <a:ea typeface="微软雅黑" pitchFamily="34" charset="-122"/>
+              </a:rPr>
+              <a:t>thread.c</a:t>
+            </a:r>
             <a:endParaRPr lang="zh-CN" altLang="en-US" dirty="0">
               <a:latin typeface="微软雅黑" pitchFamily="34" charset="-122"/>
               <a:ea typeface="微软雅黑" pitchFamily="34" charset="-122"/>
@@ -7524,57 +8074,136 @@
           <a:bodyPr/>
           <a:lstStyle/>
           <a:p>
-            <a:endParaRPr lang="zh-CN" altLang="en-US"/>
-          </a:p>
-        </p:txBody>
-      </p:sp>
-      <p:pic>
-        <p:nvPicPr>
-          <p:cNvPr id="4098" name="Picture 2" descr="C:\Users\Ian's PC\Desktop\pintos温帅哥project2\start_process.bmp"/>
-          <p:cNvPicPr>
-            <a:picLocks noChangeAspect="1" noChangeArrowheads="1"/>
-          </p:cNvPicPr>
-          <p:nvPr/>
-        </p:nvPicPr>
-        <p:blipFill>
-          <a:blip r:embed="rId2">
-            <a:extLst>
-              <a:ext uri="{28A0092B-C50C-407E-A947-70E740481C1C}">
-                <a14:useLocalDpi xmlns:a14="http://schemas.microsoft.com/office/drawing/2010/main" val="0"/>
-              </a:ext>
-            </a:extLst>
-          </a:blip>
-          <a:srcRect/>
-          <a:stretch>
-            <a:fillRect/>
-          </a:stretch>
-        </p:blipFill>
-        <p:spPr bwMode="auto">
-          <a:xfrm>
-            <a:off x="0" y="0"/>
-            <a:ext cx="9036496" cy="6636640"/>
-          </a:xfrm>
-          <a:prstGeom prst="rect">
-            <a:avLst/>
-          </a:prstGeom>
-          <a:noFill/>
-          <a:extLst>
-            <a:ext uri="{909E8E84-426E-40DD-AFC4-6F175D3DCCD1}">
-              <a14:hiddenFill xmlns:a14="http://schemas.microsoft.com/office/drawing/2010/main">
-                <a:solidFill>
-                  <a:srgbClr val="FFFFFF"/>
-                </a:solidFill>
-              </a14:hiddenFill>
-            </a:ext>
-          </a:extLst>
-        </p:spPr>
-      </p:pic>
+            <a:r>
+              <a:rPr lang="en-US" altLang="zh-CN" dirty="0" err="1" smtClean="0">
+                <a:latin typeface="微软雅黑" pitchFamily="34" charset="-122"/>
+                <a:ea typeface="微软雅黑" pitchFamily="34" charset="-122"/>
+              </a:rPr>
+              <a:t>thread_create</a:t>
+            </a:r>
+            <a:r>
+              <a:rPr lang="en-US" altLang="zh-CN" dirty="0" smtClean="0">
+                <a:latin typeface="微软雅黑" pitchFamily="34" charset="-122"/>
+                <a:ea typeface="微软雅黑" pitchFamily="34" charset="-122"/>
+              </a:rPr>
+              <a:t>(char* name, </a:t>
+            </a:r>
+            <a:r>
+              <a:rPr lang="en-US" altLang="zh-CN" dirty="0" err="1" smtClean="0">
+                <a:latin typeface="微软雅黑" pitchFamily="34" charset="-122"/>
+                <a:ea typeface="微软雅黑" pitchFamily="34" charset="-122"/>
+              </a:rPr>
+              <a:t>int</a:t>
+            </a:r>
+            <a:r>
+              <a:rPr lang="en-US" altLang="zh-CN" dirty="0" smtClean="0">
+                <a:latin typeface="微软雅黑" pitchFamily="34" charset="-122"/>
+                <a:ea typeface="微软雅黑" pitchFamily="34" charset="-122"/>
+              </a:rPr>
+              <a:t> </a:t>
+            </a:r>
+            <a:r>
+              <a:rPr lang="en-US" altLang="zh-CN" dirty="0" err="1" smtClean="0">
+                <a:latin typeface="微软雅黑" pitchFamily="34" charset="-122"/>
+                <a:ea typeface="微软雅黑" pitchFamily="34" charset="-122"/>
+              </a:rPr>
+              <a:t>pri</a:t>
+            </a:r>
+            <a:r>
+              <a:rPr lang="en-US" altLang="zh-CN" dirty="0" smtClean="0">
+                <a:latin typeface="微软雅黑" pitchFamily="34" charset="-122"/>
+                <a:ea typeface="微软雅黑" pitchFamily="34" charset="-122"/>
+              </a:rPr>
+              <a:t>, void* </a:t>
+            </a:r>
+            <a:r>
+              <a:rPr lang="en-US" altLang="zh-CN" dirty="0" err="1" smtClean="0">
+                <a:latin typeface="微软雅黑" pitchFamily="34" charset="-122"/>
+                <a:ea typeface="微软雅黑" pitchFamily="34" charset="-122"/>
+              </a:rPr>
+              <a:t>func</a:t>
+            </a:r>
+            <a:r>
+              <a:rPr lang="en-US" altLang="zh-CN" dirty="0" smtClean="0">
+                <a:latin typeface="微软雅黑" pitchFamily="34" charset="-122"/>
+                <a:ea typeface="微软雅黑" pitchFamily="34" charset="-122"/>
+              </a:rPr>
+              <a:t>, void* </a:t>
+            </a:r>
+            <a:r>
+              <a:rPr lang="en-US" altLang="zh-CN" dirty="0" err="1" smtClean="0">
+                <a:latin typeface="微软雅黑" pitchFamily="34" charset="-122"/>
+                <a:ea typeface="微软雅黑" pitchFamily="34" charset="-122"/>
+              </a:rPr>
+              <a:t>args</a:t>
+            </a:r>
+            <a:r>
+              <a:rPr lang="en-US" altLang="zh-CN" dirty="0" smtClean="0">
+                <a:latin typeface="微软雅黑" pitchFamily="34" charset="-122"/>
+                <a:ea typeface="微软雅黑" pitchFamily="34" charset="-122"/>
+              </a:rPr>
+              <a:t>)</a:t>
+            </a:r>
+            <a:endParaRPr lang="en-US" altLang="zh-CN" dirty="0" smtClean="0">
+              <a:latin typeface="微软雅黑" pitchFamily="34" charset="-122"/>
+              <a:ea typeface="微软雅黑" pitchFamily="34" charset="-122"/>
+            </a:endParaRPr>
+          </a:p>
+          <a:p>
+            <a:endParaRPr lang="en-US" altLang="zh-CN" dirty="0">
+              <a:latin typeface="微软雅黑" pitchFamily="34" charset="-122"/>
+              <a:ea typeface="微软雅黑" pitchFamily="34" charset="-122"/>
+            </a:endParaRPr>
+          </a:p>
+          <a:p>
+            <a:r>
+              <a:rPr lang="zh-CN" altLang="en-US" dirty="0" smtClean="0">
+                <a:latin typeface="微软雅黑" pitchFamily="34" charset="-122"/>
+                <a:ea typeface="微软雅黑" pitchFamily="34" charset="-122"/>
+              </a:rPr>
+              <a:t>创建一个新线程，返回这个线程的线程号。</a:t>
+            </a:r>
+            <a:endParaRPr lang="en-US" altLang="zh-CN" dirty="0" smtClean="0">
+              <a:latin typeface="微软雅黑" pitchFamily="34" charset="-122"/>
+              <a:ea typeface="微软雅黑" pitchFamily="34" charset="-122"/>
+            </a:endParaRPr>
+          </a:p>
+          <a:p>
+            <a:r>
+              <a:rPr lang="zh-CN" altLang="en-US" dirty="0" smtClean="0">
+                <a:latin typeface="微软雅黑" pitchFamily="34" charset="-122"/>
+                <a:ea typeface="微软雅黑" pitchFamily="34" charset="-122"/>
+              </a:rPr>
+              <a:t>参数分别是名字，优先级，该线程所执行的函数，和这个函数的参数。</a:t>
+            </a:r>
+            <a:endParaRPr lang="en-US" altLang="zh-CN" dirty="0" smtClean="0">
+              <a:latin typeface="微软雅黑" pitchFamily="34" charset="-122"/>
+              <a:ea typeface="微软雅黑" pitchFamily="34" charset="-122"/>
+            </a:endParaRPr>
+          </a:p>
+          <a:p>
+            <a:r>
+              <a:rPr lang="zh-CN" altLang="en-US" dirty="0">
+                <a:latin typeface="微软雅黑" pitchFamily="34" charset="-122"/>
+                <a:ea typeface="微软雅黑" pitchFamily="34" charset="-122"/>
+              </a:rPr>
+              <a:t>第三</a:t>
+            </a:r>
+            <a:r>
+              <a:rPr lang="zh-CN" altLang="en-US" dirty="0" smtClean="0">
+                <a:latin typeface="微软雅黑" pitchFamily="34" charset="-122"/>
+                <a:ea typeface="微软雅黑" pitchFamily="34" charset="-122"/>
+              </a:rPr>
+              <a:t>个参数是一个函数的指针。</a:t>
+            </a:r>
+            <a:endParaRPr lang="en-US" altLang="zh-CN" dirty="0" smtClean="0">
+              <a:latin typeface="微软雅黑" pitchFamily="34" charset="-122"/>
+              <a:ea typeface="微软雅黑" pitchFamily="34" charset="-122"/>
+            </a:endParaRPr>
+          </a:p>
+        </p:txBody>
+      </p:sp>
     </p:spTree>
-    <p:extLst>
-      <p:ext uri="{BB962C8B-B14F-4D97-AF65-F5344CB8AC3E}">
-        <p14:creationId xmlns:p14="http://schemas.microsoft.com/office/powerpoint/2010/main" val="334296559"/>
-      </p:ext>
-    </p:extLst>
   </p:cSld>
   <p:clrMapOvr>
     <a:masterClrMapping/>
@@ -7621,6 +8250,120 @@
           <a:bodyPr/>
           <a:lstStyle/>
           <a:p>
+            <a:endParaRPr lang="zh-CN" altLang="en-US" dirty="0">
+              <a:latin typeface="微软雅黑" pitchFamily="34" charset="-122"/>
+              <a:ea typeface="微软雅黑" pitchFamily="34" charset="-122"/>
+            </a:endParaRPr>
+          </a:p>
+        </p:txBody>
+      </p:sp>
+      <p:sp>
+        <p:nvSpPr>
+          <p:cNvPr id="3" name="内容占位符 2"/>
+          <p:cNvSpPr>
+            <a:spLocks noGrp="1"/>
+          </p:cNvSpPr>
+          <p:nvPr>
+            <p:ph idx="1"/>
+          </p:nvPr>
+        </p:nvSpPr>
+        <p:spPr/>
+        <p:txBody>
+          <a:bodyPr/>
+          <a:lstStyle/>
+          <a:p>
+            <a:endParaRPr lang="zh-CN" altLang="en-US"/>
+          </a:p>
+        </p:txBody>
+      </p:sp>
+      <p:pic>
+        <p:nvPicPr>
+          <p:cNvPr id="4098" name="Picture 2" descr="C:\Users\Ian's PC\Desktop\pintos温帅哥project2\start_process.bmp"/>
+          <p:cNvPicPr>
+            <a:picLocks noChangeAspect="1" noChangeArrowheads="1"/>
+          </p:cNvPicPr>
+          <p:nvPr/>
+        </p:nvPicPr>
+        <p:blipFill>
+          <a:blip r:embed="rId1">
+            <a:extLst>
+              <a:ext uri="{28A0092B-C50C-407E-A947-70E740481C1C}">
+                <a14:useLocalDpi xmlns:a14="http://schemas.microsoft.com/office/drawing/2010/main" val="0"/>
+              </a:ext>
+            </a:extLst>
+          </a:blip>
+          <a:srcRect/>
+          <a:stretch>
+            <a:fillRect/>
+          </a:stretch>
+        </p:blipFill>
+        <p:spPr bwMode="auto">
+          <a:xfrm>
+            <a:off x="53975" y="201930"/>
+            <a:ext cx="9036496" cy="6636640"/>
+          </a:xfrm>
+          <a:prstGeom prst="rect">
+            <a:avLst/>
+          </a:prstGeom>
+          <a:noFill/>
+          <a:extLst>
+            <a:ext uri="{909E8E84-426E-40DD-AFC4-6F175D3DCCD1}">
+              <a14:hiddenFill xmlns:a14="http://schemas.microsoft.com/office/drawing/2010/main">
+                <a:solidFill>
+                  <a:srgbClr val="FFFFFF"/>
+                </a:solidFill>
+              </a14:hiddenFill>
+            </a:ext>
+          </a:extLst>
+        </p:spPr>
+      </p:pic>
+    </p:spTree>
+  </p:cSld>
+  <p:clrMapOvr>
+    <a:masterClrMapping/>
+  </p:clrMapOvr>
+  <p:timing>
+    <p:tnLst>
+      <p:par>
+        <p:cTn id="1" dur="indefinite" restart="never" nodeType="tmRoot"/>
+      </p:par>
+    </p:tnLst>
+  </p:timing>
+</p:sld>
+</file>
+
+<file path=ppt/slides/slide9.xml><?xml version="1.0" encoding="utf-8"?>
+<p:sld xmlns:a="http://schemas.openxmlformats.org/drawingml/2006/main" xmlns:r="http://schemas.openxmlformats.org/officeDocument/2006/relationships" xmlns:p="http://schemas.openxmlformats.org/presentationml/2006/main">
+  <p:cSld>
+    <p:spTree>
+      <p:nvGrpSpPr>
+        <p:cNvPr id="1" name=""/>
+        <p:cNvGrpSpPr/>
+        <p:nvPr/>
+      </p:nvGrpSpPr>
+      <p:grpSpPr>
+        <a:xfrm>
+          <a:off x="0" y="0"/>
+          <a:ext cx="0" cy="0"/>
+          <a:chOff x="0" y="0"/>
+          <a:chExt cx="0" cy="0"/>
+        </a:xfrm>
+      </p:grpSpPr>
+      <p:sp>
+        <p:nvSpPr>
+          <p:cNvPr id="2" name="标题 1"/>
+          <p:cNvSpPr>
+            <a:spLocks noGrp="1"/>
+          </p:cNvSpPr>
+          <p:nvPr>
+            <p:ph type="title"/>
+          </p:nvPr>
+        </p:nvSpPr>
+        <p:spPr/>
+        <p:txBody>
+          <a:bodyPr/>
+          <a:lstStyle/>
+          <a:p>
             <a:r>
               <a:rPr lang="zh-CN" altLang="en-US" dirty="0" smtClean="0">
                 <a:latin typeface="微软雅黑" pitchFamily="34" charset="-122"/>
@@ -7677,7 +8420,7 @@
           <p:nvPr/>
         </p:nvPicPr>
         <p:blipFill>
-          <a:blip r:embed="rId2">
+          <a:blip r:embed="rId1">
             <a:extLst>
               <a:ext uri="{28A0092B-C50C-407E-A947-70E740481C1C}">
                 <a14:useLocalDpi xmlns:a14="http://schemas.microsoft.com/office/drawing/2010/main" val="0"/>
@@ -7710,404 +8453,6 @@
         </p:spPr>
       </p:pic>
     </p:spTree>
-    <p:extLst>
-      <p:ext uri="{BB962C8B-B14F-4D97-AF65-F5344CB8AC3E}">
-        <p14:creationId xmlns:p14="http://schemas.microsoft.com/office/powerpoint/2010/main" val="3717472032"/>
-      </p:ext>
-    </p:extLst>
-  </p:cSld>
-  <p:clrMapOvr>
-    <a:masterClrMapping/>
-  </p:clrMapOvr>
-  <p:timing>
-    <p:tnLst>
-      <p:par>
-        <p:cTn id="1" dur="indefinite" restart="never" nodeType="tmRoot"/>
-      </p:par>
-    </p:tnLst>
-  </p:timing>
-</p:sld>
-</file>
-
-<file path=ppt/slides/slide9.xml><?xml version="1.0" encoding="utf-8"?>
-<p:sld xmlns:a="http://schemas.openxmlformats.org/drawingml/2006/main" xmlns:r="http://schemas.openxmlformats.org/officeDocument/2006/relationships" xmlns:p="http://schemas.openxmlformats.org/presentationml/2006/main">
-  <p:cSld>
-    <p:spTree>
-      <p:nvGrpSpPr>
-        <p:cNvPr id="1" name=""/>
-        <p:cNvGrpSpPr/>
-        <p:nvPr/>
-      </p:nvGrpSpPr>
-      <p:grpSpPr>
-        <a:xfrm>
-          <a:off x="0" y="0"/>
-          <a:ext cx="0" cy="0"/>
-          <a:chOff x="0" y="0"/>
-          <a:chExt cx="0" cy="0"/>
-        </a:xfrm>
-      </p:grpSpPr>
-      <p:sp>
-        <p:nvSpPr>
-          <p:cNvPr id="2" name="标题 1"/>
-          <p:cNvSpPr>
-            <a:spLocks noGrp="1"/>
-          </p:cNvSpPr>
-          <p:nvPr>
-            <p:ph type="title"/>
-          </p:nvPr>
-        </p:nvSpPr>
-        <p:spPr/>
-        <p:txBody>
-          <a:bodyPr/>
-          <a:lstStyle/>
-          <a:p>
-            <a:r>
-              <a:rPr lang="en-US" altLang="zh-CN" dirty="0" smtClean="0">
-                <a:latin typeface="微软雅黑" pitchFamily="34" charset="-122"/>
-                <a:ea typeface="微软雅黑" pitchFamily="34" charset="-122"/>
-              </a:rPr>
-              <a:t>main (</a:t>
-            </a:r>
-            <a:r>
-              <a:rPr lang="en-US" altLang="zh-CN" dirty="0" err="1" smtClean="0">
-                <a:latin typeface="微软雅黑" pitchFamily="34" charset="-122"/>
-                <a:ea typeface="微软雅黑" pitchFamily="34" charset="-122"/>
-              </a:rPr>
-              <a:t>int</a:t>
-            </a:r>
-            <a:r>
-              <a:rPr lang="en-US" altLang="zh-CN" dirty="0" smtClean="0">
-                <a:latin typeface="微软雅黑" pitchFamily="34" charset="-122"/>
-                <a:ea typeface="微软雅黑" pitchFamily="34" charset="-122"/>
-              </a:rPr>
-              <a:t> </a:t>
-            </a:r>
-            <a:r>
-              <a:rPr lang="en-US" altLang="zh-CN" dirty="0" err="1" smtClean="0">
-                <a:latin typeface="微软雅黑" pitchFamily="34" charset="-122"/>
-                <a:ea typeface="微软雅黑" pitchFamily="34" charset="-122"/>
-              </a:rPr>
-              <a:t>argc</a:t>
-            </a:r>
-            <a:r>
-              <a:rPr lang="en-US" altLang="zh-CN" dirty="0" smtClean="0">
-                <a:latin typeface="微软雅黑" pitchFamily="34" charset="-122"/>
-                <a:ea typeface="微软雅黑" pitchFamily="34" charset="-122"/>
-              </a:rPr>
-              <a:t>, char** </a:t>
-            </a:r>
-            <a:r>
-              <a:rPr lang="en-US" altLang="zh-CN" dirty="0" err="1" smtClean="0">
-                <a:latin typeface="微软雅黑" pitchFamily="34" charset="-122"/>
-                <a:ea typeface="微软雅黑" pitchFamily="34" charset="-122"/>
-              </a:rPr>
-              <a:t>argv</a:t>
-            </a:r>
-            <a:r>
-              <a:rPr lang="en-US" altLang="zh-CN" dirty="0" smtClean="0">
-                <a:latin typeface="微软雅黑" pitchFamily="34" charset="-122"/>
-                <a:ea typeface="微软雅黑" pitchFamily="34" charset="-122"/>
-              </a:rPr>
-              <a:t>)</a:t>
-            </a:r>
-            <a:endParaRPr lang="zh-CN" altLang="en-US" dirty="0">
-              <a:latin typeface="微软雅黑" pitchFamily="34" charset="-122"/>
-              <a:ea typeface="微软雅黑" pitchFamily="34" charset="-122"/>
-            </a:endParaRPr>
-          </a:p>
-        </p:txBody>
-      </p:sp>
-      <p:sp>
-        <p:nvSpPr>
-          <p:cNvPr id="3" name="内容占位符 2"/>
-          <p:cNvSpPr>
-            <a:spLocks noGrp="1"/>
-          </p:cNvSpPr>
-          <p:nvPr>
-            <p:ph idx="1"/>
-          </p:nvPr>
-        </p:nvSpPr>
-        <p:spPr/>
-        <p:txBody>
-          <a:bodyPr/>
-          <a:lstStyle/>
-          <a:p>
-            <a:r>
-              <a:rPr lang="zh-CN" altLang="en-US" dirty="0" smtClean="0">
-                <a:latin typeface="微软雅黑" pitchFamily="34" charset="-122"/>
-                <a:ea typeface="微软雅黑" pitchFamily="34" charset="-122"/>
-              </a:rPr>
-              <a:t>这个程序至少需要两个东西才能运行：</a:t>
-            </a:r>
-            <a:endParaRPr lang="en-US" altLang="zh-CN" dirty="0" smtClean="0">
-              <a:latin typeface="微软雅黑" pitchFamily="34" charset="-122"/>
-              <a:ea typeface="微软雅黑" pitchFamily="34" charset="-122"/>
-            </a:endParaRPr>
-          </a:p>
-          <a:p>
-            <a:r>
-              <a:rPr lang="en-US" altLang="zh-CN" dirty="0" smtClean="0">
-                <a:latin typeface="微软雅黑" pitchFamily="34" charset="-122"/>
-                <a:ea typeface="微软雅黑" pitchFamily="34" charset="-122"/>
-              </a:rPr>
-              <a:t>1. </a:t>
-            </a:r>
-            <a:r>
-              <a:rPr lang="zh-CN" altLang="en-US" dirty="0" smtClean="0">
-                <a:latin typeface="微软雅黑" pitchFamily="34" charset="-122"/>
-                <a:ea typeface="微软雅黑" pitchFamily="34" charset="-122"/>
-              </a:rPr>
-              <a:t>参数</a:t>
-            </a:r>
-            <a:r>
-              <a:rPr lang="en-US" altLang="zh-CN" dirty="0" err="1" smtClean="0">
-                <a:latin typeface="微软雅黑" pitchFamily="34" charset="-122"/>
-                <a:ea typeface="微软雅黑" pitchFamily="34" charset="-122"/>
-              </a:rPr>
-              <a:t>argc</a:t>
-            </a:r>
-            <a:r>
-              <a:rPr lang="en-US" altLang="zh-CN" dirty="0" smtClean="0">
-                <a:latin typeface="微软雅黑" pitchFamily="34" charset="-122"/>
-                <a:ea typeface="微软雅黑" pitchFamily="34" charset="-122"/>
-              </a:rPr>
-              <a:t> </a:t>
-            </a:r>
-            <a:r>
-              <a:rPr lang="zh-CN" altLang="en-US" dirty="0" smtClean="0">
-                <a:latin typeface="微软雅黑" pitchFamily="34" charset="-122"/>
-                <a:ea typeface="微软雅黑" pitchFamily="34" charset="-122"/>
-              </a:rPr>
-              <a:t>和 </a:t>
-            </a:r>
-            <a:r>
-              <a:rPr lang="en-US" altLang="zh-CN" dirty="0" err="1" smtClean="0">
-                <a:latin typeface="微软雅黑" pitchFamily="34" charset="-122"/>
-                <a:ea typeface="微软雅黑" pitchFamily="34" charset="-122"/>
-              </a:rPr>
-              <a:t>argv</a:t>
-            </a:r>
-            <a:endParaRPr lang="en-US" altLang="zh-CN" dirty="0" smtClean="0">
-              <a:latin typeface="微软雅黑" pitchFamily="34" charset="-122"/>
-              <a:ea typeface="微软雅黑" pitchFamily="34" charset="-122"/>
-            </a:endParaRPr>
-          </a:p>
-          <a:p>
-            <a:r>
-              <a:rPr lang="en-US" altLang="zh-CN" dirty="0">
-                <a:latin typeface="微软雅黑" pitchFamily="34" charset="-122"/>
-                <a:ea typeface="微软雅黑" pitchFamily="34" charset="-122"/>
-              </a:rPr>
-              <a:t> </a:t>
-            </a:r>
-            <a:r>
-              <a:rPr lang="en-US" altLang="zh-CN" dirty="0" smtClean="0">
-                <a:latin typeface="微软雅黑" pitchFamily="34" charset="-122"/>
-                <a:ea typeface="微软雅黑" pitchFamily="34" charset="-122"/>
-              </a:rPr>
-              <a:t>         </a:t>
-            </a:r>
-            <a:r>
-              <a:rPr lang="en-US" altLang="zh-CN" dirty="0" err="1" smtClean="0">
-                <a:latin typeface="微软雅黑" pitchFamily="34" charset="-122"/>
-                <a:ea typeface="微软雅黑" pitchFamily="34" charset="-122"/>
-              </a:rPr>
-              <a:t>argv</a:t>
-            </a:r>
-            <a:r>
-              <a:rPr lang="zh-CN" altLang="en-US" dirty="0" smtClean="0">
-                <a:latin typeface="微软雅黑" pitchFamily="34" charset="-122"/>
-                <a:ea typeface="微软雅黑" pitchFamily="34" charset="-122"/>
-              </a:rPr>
-              <a:t>是参数的字符串数组，</a:t>
-            </a:r>
-            <a:r>
-              <a:rPr lang="en-US" altLang="zh-CN" dirty="0" err="1" smtClean="0">
-                <a:latin typeface="微软雅黑" pitchFamily="34" charset="-122"/>
-                <a:ea typeface="微软雅黑" pitchFamily="34" charset="-122"/>
-              </a:rPr>
-              <a:t>argc</a:t>
-            </a:r>
-            <a:r>
-              <a:rPr lang="zh-CN" altLang="en-US" dirty="0" smtClean="0">
-                <a:latin typeface="微软雅黑" pitchFamily="34" charset="-122"/>
-                <a:ea typeface="微软雅黑" pitchFamily="34" charset="-122"/>
-              </a:rPr>
-              <a:t>是参数的个数</a:t>
-            </a:r>
-            <a:endParaRPr lang="en-US" altLang="zh-CN" dirty="0" smtClean="0">
-              <a:latin typeface="微软雅黑" pitchFamily="34" charset="-122"/>
-              <a:ea typeface="微软雅黑" pitchFamily="34" charset="-122"/>
-            </a:endParaRPr>
-          </a:p>
-          <a:p>
-            <a:r>
-              <a:rPr lang="en-US" altLang="zh-CN" dirty="0" smtClean="0">
-                <a:latin typeface="微软雅黑" pitchFamily="34" charset="-122"/>
-                <a:ea typeface="微软雅黑" pitchFamily="34" charset="-122"/>
-              </a:rPr>
-              <a:t>2. </a:t>
-            </a:r>
-            <a:r>
-              <a:rPr lang="zh-CN" altLang="en-US" dirty="0" smtClean="0">
-                <a:latin typeface="微软雅黑" pitchFamily="34" charset="-122"/>
-                <a:ea typeface="微软雅黑" pitchFamily="34" charset="-122"/>
-              </a:rPr>
-              <a:t>实现</a:t>
-            </a:r>
-            <a:r>
-              <a:rPr lang="en-US" altLang="zh-CN" dirty="0" err="1" smtClean="0">
-                <a:latin typeface="微软雅黑" pitchFamily="34" charset="-122"/>
-                <a:ea typeface="微软雅黑" pitchFamily="34" charset="-122"/>
-              </a:rPr>
-              <a:t>printf</a:t>
-            </a:r>
-            <a:r>
-              <a:rPr lang="en-US" altLang="zh-CN" dirty="0" smtClean="0">
-                <a:latin typeface="微软雅黑" pitchFamily="34" charset="-122"/>
-                <a:ea typeface="微软雅黑" pitchFamily="34" charset="-122"/>
-              </a:rPr>
-              <a:t>()</a:t>
-            </a:r>
-            <a:r>
-              <a:rPr lang="zh-CN" altLang="en-US" dirty="0" smtClean="0">
-                <a:latin typeface="微软雅黑" pitchFamily="34" charset="-122"/>
-                <a:ea typeface="微软雅黑" pitchFamily="34" charset="-122"/>
-              </a:rPr>
-              <a:t>。</a:t>
-            </a:r>
-            <a:endParaRPr lang="en-US" altLang="zh-CN" dirty="0" smtClean="0">
-              <a:latin typeface="微软雅黑" pitchFamily="34" charset="-122"/>
-              <a:ea typeface="微软雅黑" pitchFamily="34" charset="-122"/>
-            </a:endParaRPr>
-          </a:p>
-          <a:p>
-            <a:r>
-              <a:rPr lang="en-US" altLang="zh-CN" dirty="0">
-                <a:latin typeface="微软雅黑" pitchFamily="34" charset="-122"/>
-                <a:ea typeface="微软雅黑" pitchFamily="34" charset="-122"/>
-              </a:rPr>
-              <a:t> </a:t>
-            </a:r>
-            <a:r>
-              <a:rPr lang="en-US" altLang="zh-CN" dirty="0" smtClean="0">
-                <a:latin typeface="微软雅黑" pitchFamily="34" charset="-122"/>
-                <a:ea typeface="微软雅黑" pitchFamily="34" charset="-122"/>
-              </a:rPr>
-              <a:t>    </a:t>
-            </a:r>
-            <a:r>
-              <a:rPr lang="zh-CN" altLang="en-US" dirty="0" smtClean="0">
-                <a:latin typeface="微软雅黑" pitchFamily="34" charset="-122"/>
-                <a:ea typeface="微软雅黑" pitchFamily="34" charset="-122"/>
-              </a:rPr>
-              <a:t>完成</a:t>
-            </a:r>
-            <a:r>
-              <a:rPr lang="en-US" altLang="zh-CN" dirty="0" err="1" smtClean="0">
-                <a:latin typeface="微软雅黑" pitchFamily="34" charset="-122"/>
-                <a:ea typeface="微软雅黑" pitchFamily="34" charset="-122"/>
-              </a:rPr>
-              <a:t>printf</a:t>
-            </a:r>
-            <a:r>
-              <a:rPr lang="zh-CN" altLang="en-US" dirty="0" smtClean="0">
-                <a:latin typeface="微软雅黑" pitchFamily="34" charset="-122"/>
-                <a:ea typeface="微软雅黑" pitchFamily="34" charset="-122"/>
-              </a:rPr>
-              <a:t>的前提是</a:t>
-            </a:r>
-            <a:r>
-              <a:rPr lang="zh-CN" altLang="en-US" dirty="0" smtClean="0">
-                <a:solidFill>
-                  <a:srgbClr val="FF0000"/>
-                </a:solidFill>
-                <a:latin typeface="微软雅黑" pitchFamily="34" charset="-122"/>
-                <a:ea typeface="微软雅黑" pitchFamily="34" charset="-122"/>
-              </a:rPr>
-              <a:t>系统调用</a:t>
-            </a:r>
-            <a:r>
-              <a:rPr lang="zh-CN" altLang="en-US" dirty="0" smtClean="0">
-                <a:latin typeface="微软雅黑" pitchFamily="34" charset="-122"/>
-                <a:ea typeface="微软雅黑" pitchFamily="34" charset="-122"/>
-              </a:rPr>
-              <a:t>已经实现。因为</a:t>
-            </a:r>
-            <a:r>
-              <a:rPr lang="en-US" altLang="zh-CN" dirty="0" err="1" smtClean="0">
-                <a:latin typeface="微软雅黑" pitchFamily="34" charset="-122"/>
-                <a:ea typeface="微软雅黑" pitchFamily="34" charset="-122"/>
-              </a:rPr>
-              <a:t>printf</a:t>
-            </a:r>
-            <a:r>
-              <a:rPr lang="zh-CN" altLang="en-US" dirty="0" smtClean="0">
-                <a:latin typeface="微软雅黑" pitchFamily="34" charset="-122"/>
-                <a:ea typeface="微软雅黑" pitchFamily="34" charset="-122"/>
-              </a:rPr>
-              <a:t>涉及到</a:t>
-            </a:r>
-            <a:r>
-              <a:rPr lang="en-US" altLang="zh-CN" dirty="0" smtClean="0">
-                <a:latin typeface="微软雅黑" pitchFamily="34" charset="-122"/>
-                <a:ea typeface="微软雅黑" pitchFamily="34" charset="-122"/>
-              </a:rPr>
-              <a:t>I/O</a:t>
-            </a:r>
-            <a:r>
-              <a:rPr lang="zh-CN" altLang="en-US" dirty="0" smtClean="0">
-                <a:latin typeface="微软雅黑" pitchFamily="34" charset="-122"/>
-                <a:ea typeface="微软雅黑" pitchFamily="34" charset="-122"/>
-              </a:rPr>
-              <a:t>。</a:t>
-            </a:r>
-            <a:endParaRPr lang="en-US" altLang="zh-CN" dirty="0" smtClean="0">
-              <a:latin typeface="微软雅黑" pitchFamily="34" charset="-122"/>
-              <a:ea typeface="微软雅黑" pitchFamily="34" charset="-122"/>
-            </a:endParaRPr>
-          </a:p>
-          <a:p>
-            <a:endParaRPr lang="en-US" altLang="zh-CN" dirty="0">
-              <a:latin typeface="微软雅黑" pitchFamily="34" charset="-122"/>
-              <a:ea typeface="微软雅黑" pitchFamily="34" charset="-122"/>
-            </a:endParaRPr>
-          </a:p>
-          <a:p>
-            <a:r>
-              <a:rPr lang="zh-CN" altLang="en-US" dirty="0" smtClean="0">
-                <a:latin typeface="微软雅黑" pitchFamily="34" charset="-122"/>
-                <a:ea typeface="微软雅黑" pitchFamily="34" charset="-122"/>
-              </a:rPr>
-              <a:t>以上两个功能也是</a:t>
-            </a:r>
-            <a:r>
-              <a:rPr lang="en-US" altLang="zh-CN" dirty="0" smtClean="0">
-                <a:latin typeface="微软雅黑" pitchFamily="34" charset="-122"/>
-                <a:ea typeface="微软雅黑" pitchFamily="34" charset="-122"/>
-              </a:rPr>
-              <a:t>project2</a:t>
-            </a:r>
-            <a:r>
-              <a:rPr lang="zh-CN" altLang="en-US" dirty="0" smtClean="0">
-                <a:latin typeface="微软雅黑" pitchFamily="34" charset="-122"/>
-                <a:ea typeface="微软雅黑" pitchFamily="34" charset="-122"/>
-              </a:rPr>
-              <a:t>的核心要求。</a:t>
-            </a:r>
-            <a:endParaRPr lang="zh-CN" altLang="en-US" dirty="0">
-              <a:latin typeface="微软雅黑" pitchFamily="34" charset="-122"/>
-              <a:ea typeface="微软雅黑" pitchFamily="34" charset="-122"/>
-            </a:endParaRPr>
-          </a:p>
-        </p:txBody>
-      </p:sp>
-    </p:spTree>
-    <p:extLst>
-      <p:ext uri="{BB962C8B-B14F-4D97-AF65-F5344CB8AC3E}">
-        <p14:creationId xmlns:p14="http://schemas.microsoft.com/office/powerpoint/2010/main" val="3071481291"/>
-      </p:ext>
-    </p:extLst>
   </p:cSld>
   <p:clrMapOvr>
     <a:masterClrMapping/>
@@ -8405,7 +8750,269 @@
       </a:bgFillStyleLst>
     </a:fmtScheme>
   </a:themeElements>
-  <a:objectDefaults/>
-  <a:extraClrSchemeLst/>
+  <a:extLst>
+    <a:ext uri="{05A4C25C-085E-4340-85A3-A5531E510DB2}">
+      <thm15:themeFamily xmlns:thm15="http://schemas.microsoft.com/office/thememl/2012/main" name="Office Theme" id="{62F939B6-93AF-4DB8-9C6B-D6C7DFDC589F}" vid="{4A3C46E8-61CC-4603-A589-7422A47A8E4A}"/>
+    </a:ext>
+  </a:extLst>
+</a:theme>
+</file>
+
+<file path=ppt/theme/theme2.xml><?xml version="1.0" encoding="utf-8"?>
+<a:theme xmlns:a="http://schemas.openxmlformats.org/drawingml/2006/main" name="Office Theme">
+  <a:themeElements>
+    <a:clrScheme name="Office">
+      <a:dk1>
+        <a:sysClr val="windowText" lastClr="000000"/>
+      </a:dk1>
+      <a:lt1>
+        <a:sysClr val="window" lastClr="FFFFFF"/>
+      </a:lt1>
+      <a:dk2>
+        <a:srgbClr val="44546A"/>
+      </a:dk2>
+      <a:lt2>
+        <a:srgbClr val="E7E6E6"/>
+      </a:lt2>
+      <a:accent1>
+        <a:srgbClr val="5B9BD5"/>
+      </a:accent1>
+      <a:accent2>
+        <a:srgbClr val="ED7D31"/>
+      </a:accent2>
+      <a:accent3>
+        <a:srgbClr val="A5A5A5"/>
+      </a:accent3>
+      <a:accent4>
+        <a:srgbClr val="FFC000"/>
+      </a:accent4>
+      <a:accent5>
+        <a:srgbClr val="4472C4"/>
+      </a:accent5>
+      <a:accent6>
+        <a:srgbClr val="70AD47"/>
+      </a:accent6>
+      <a:hlink>
+        <a:srgbClr val="0563C1"/>
+      </a:hlink>
+      <a:folHlink>
+        <a:srgbClr val="954F72"/>
+      </a:folHlink>
+    </a:clrScheme>
+    <a:fontScheme name="Office">
+      <a:majorFont>
+        <a:latin typeface="Calibri Light"/>
+        <a:ea typeface=""/>
+        <a:cs typeface=""/>
+        <a:font script="Jpan" typeface="ＭＳ Ｐゴシック"/>
+        <a:font script="Hang" typeface="맑은 고딕"/>
+        <a:font script="Hans" typeface="宋体"/>
+        <a:font script="Hant" typeface="新細明體"/>
+        <a:font script="Arab" typeface="Times New Roman"/>
+        <a:font script="Hebr" typeface="Times New Roman"/>
+        <a:font script="Thai" typeface="Angsana New"/>
+        <a:font script="Ethi" typeface="Nyala"/>
+        <a:font script="Beng" typeface="Vrinda"/>
+        <a:font script="Gujr" typeface="Shruti"/>
+        <a:font script="Khmr" typeface="MoolBoran"/>
+        <a:font script="Knda" typeface="Tunga"/>
+        <a:font script="Guru" typeface="Raavi"/>
+        <a:font script="Cans" typeface="Euphemia"/>
+        <a:font script="Cher" typeface="Plantagenet Cherokee"/>
+        <a:font script="Yiii" typeface="Microsoft Yi Baiti"/>
+        <a:font script="Tibt" typeface="Microsoft Himalaya"/>
+        <a:font script="Thaa" typeface="MV Boli"/>
+        <a:font script="Deva" typeface="Mangal"/>
+        <a:font script="Telu" typeface="Gautami"/>
+        <a:font script="Taml" typeface="Latha"/>
+        <a:font script="Syrc" typeface="Estrangelo Edessa"/>
+        <a:font script="Orya" typeface="Kalinga"/>
+        <a:font script="Mlym" typeface="Kartika"/>
+        <a:font script="Laoo" typeface="DokChampa"/>
+        <a:font script="Sinh" typeface="Iskoola Pota"/>
+        <a:font script="Mong" typeface="Mongolian Baiti"/>
+        <a:font script="Viet" typeface="Times New Roman"/>
+        <a:font script="Uigh" typeface="Microsoft Uighur"/>
+        <a:font script="Geor" typeface="Sylfaen"/>
+      </a:majorFont>
+      <a:minorFont>
+        <a:latin typeface="Calibri"/>
+        <a:ea typeface=""/>
+        <a:cs typeface=""/>
+        <a:font script="Jpan" typeface="ＭＳ Ｐゴシック"/>
+        <a:font script="Hang" typeface="맑은 고딕"/>
+        <a:font script="Hans" typeface="宋体"/>
+        <a:font script="Hant" typeface="新細明體"/>
+        <a:font script="Arab" typeface="Arial"/>
+        <a:font script="Hebr" typeface="Arial"/>
+        <a:font script="Thai" typeface="Cordia New"/>
+        <a:font script="Ethi" typeface="Nyala"/>
+        <a:font script="Beng" typeface="Vrinda"/>
+        <a:font script="Gujr" typeface="Shruti"/>
+        <a:font script="Khmr" typeface="DaunPenh"/>
+        <a:font script="Knda" typeface="Tunga"/>
+        <a:font script="Guru" typeface="Raavi"/>
+        <a:font script="Cans" typeface="Euphemia"/>
+        <a:font script="Cher" typeface="Plantagenet Cherokee"/>
+        <a:font script="Yiii" typeface="Microsoft Yi Baiti"/>
+        <a:font script="Tibt" typeface="Microsoft Himalaya"/>
+        <a:font script="Thaa" typeface="MV Boli"/>
+        <a:font script="Deva" typeface="Mangal"/>
+        <a:font script="Telu" typeface="Gautami"/>
+        <a:font script="Taml" typeface="Latha"/>
+        <a:font script="Syrc" typeface="Estrangelo Edessa"/>
+        <a:font script="Orya" typeface="Kalinga"/>
+        <a:font script="Mlym" typeface="Kartika"/>
+        <a:font script="Laoo" typeface="DokChampa"/>
+        <a:font script="Sinh" typeface="Iskoola Pota"/>
+        <a:font script="Mong" typeface="Mongolian Baiti"/>
+        <a:font script="Viet" typeface="Arial"/>
+        <a:font script="Uigh" typeface="Microsoft Uighur"/>
+        <a:font script="Geor" typeface="Sylfaen"/>
+      </a:minorFont>
+    </a:fontScheme>
+    <a:fmtScheme name="Office">
+      <a:fillStyleLst>
+        <a:solidFill>
+          <a:schemeClr val="phClr"/>
+        </a:solidFill>
+        <a:gradFill rotWithShape="1">
+          <a:gsLst>
+            <a:gs pos="0">
+              <a:schemeClr val="phClr">
+                <a:lumMod val="110000"/>
+                <a:satMod val="105000"/>
+                <a:tint val="67000"/>
+              </a:schemeClr>
+            </a:gs>
+            <a:gs pos="50000">
+              <a:schemeClr val="phClr">
+                <a:lumMod val="105000"/>
+                <a:satMod val="103000"/>
+                <a:tint val="73000"/>
+              </a:schemeClr>
+            </a:gs>
+            <a:gs pos="100000">
+              <a:schemeClr val="phClr">
+                <a:lumMod val="105000"/>
+                <a:satMod val="109000"/>
+                <a:tint val="81000"/>
+              </a:schemeClr>
+            </a:gs>
+          </a:gsLst>
+          <a:lin ang="5400000" scaled="0"/>
+        </a:gradFill>
+        <a:gradFill rotWithShape="1">
+          <a:gsLst>
+            <a:gs pos="0">
+              <a:schemeClr val="phClr">
+                <a:satMod val="103000"/>
+                <a:lumMod val="102000"/>
+                <a:tint val="94000"/>
+              </a:schemeClr>
+            </a:gs>
+            <a:gs pos="50000">
+              <a:schemeClr val="phClr">
+                <a:satMod val="110000"/>
+                <a:lumMod val="100000"/>
+                <a:shade val="100000"/>
+              </a:schemeClr>
+            </a:gs>
+            <a:gs pos="100000">
+              <a:schemeClr val="phClr">
+                <a:lumMod val="99000"/>
+                <a:satMod val="120000"/>
+                <a:shade val="78000"/>
+              </a:schemeClr>
+            </a:gs>
+          </a:gsLst>
+          <a:lin ang="5400000" scaled="0"/>
+        </a:gradFill>
+      </a:fillStyleLst>
+      <a:lnStyleLst>
+        <a:ln w="6350" cap="flat" cmpd="sng" algn="ctr">
+          <a:solidFill>
+            <a:schemeClr val="phClr"/>
+          </a:solidFill>
+          <a:prstDash val="solid"/>
+          <a:miter lim="800000"/>
+        </a:ln>
+        <a:ln w="12700" cap="flat" cmpd="sng" algn="ctr">
+          <a:solidFill>
+            <a:schemeClr val="phClr"/>
+          </a:solidFill>
+          <a:prstDash val="solid"/>
+          <a:miter lim="800000"/>
+        </a:ln>
+        <a:ln w="19050" cap="flat" cmpd="sng" algn="ctr">
+          <a:solidFill>
+            <a:schemeClr val="phClr"/>
+          </a:solidFill>
+          <a:prstDash val="solid"/>
+          <a:miter lim="800000"/>
+        </a:ln>
+      </a:lnStyleLst>
+      <a:effectStyleLst>
+        <a:effectStyle>
+          <a:effectLst/>
+        </a:effectStyle>
+        <a:effectStyle>
+          <a:effectLst/>
+        </a:effectStyle>
+        <a:effectStyle>
+          <a:effectLst>
+            <a:outerShdw blurRad="57150" dist="19050" dir="5400000" algn="ctr" rotWithShape="0">
+              <a:srgbClr val="000000">
+                <a:alpha val="63000"/>
+              </a:srgbClr>
+            </a:outerShdw>
+          </a:effectLst>
+        </a:effectStyle>
+      </a:effectStyleLst>
+      <a:bgFillStyleLst>
+        <a:solidFill>
+          <a:schemeClr val="phClr"/>
+        </a:solidFill>
+        <a:solidFill>
+          <a:schemeClr val="phClr">
+            <a:tint val="95000"/>
+            <a:satMod val="170000"/>
+          </a:schemeClr>
+        </a:solidFill>
+        <a:gradFill rotWithShape="1">
+          <a:gsLst>
+            <a:gs pos="0">
+              <a:schemeClr val="phClr">
+                <a:tint val="93000"/>
+                <a:satMod val="150000"/>
+                <a:shade val="98000"/>
+                <a:lumMod val="102000"/>
+              </a:schemeClr>
+            </a:gs>
+            <a:gs pos="50000">
+              <a:schemeClr val="phClr">
+                <a:tint val="98000"/>
+                <a:satMod val="130000"/>
+                <a:shade val="90000"/>
+                <a:lumMod val="103000"/>
+              </a:schemeClr>
+            </a:gs>
+            <a:gs pos="100000">
+              <a:schemeClr val="phClr">
+                <a:shade val="63000"/>
+                <a:satMod val="120000"/>
+              </a:schemeClr>
+            </a:gs>
+          </a:gsLst>
+          <a:lin ang="5400000" scaled="0"/>
+        </a:gradFill>
+      </a:bgFillStyleLst>
+    </a:fmtScheme>
+  </a:themeElements>
+  <a:extLst>
+    <a:ext uri="{05A4C25C-085E-4340-85A3-A5531E510DB2}">
+      <thm15:themeFamily xmlns:thm15="http://schemas.microsoft.com/office/thememl/2012/main" name="Office Theme" id="{62F939B6-93AF-4DB8-9C6B-D6C7DFDC589F}" vid="{4A3C46E8-61CC-4603-A589-7422A47A8E4A}"/>
+    </a:ext>
+  </a:extLst>
 </a:theme>
 </file>